--- a/BAIIM.pptx
+++ b/BAIIM.pptx
@@ -6,11 +6,22 @@
     <p:sldMasterId id="2147483684" r:id="rId2"/>
   </p:sldMasterIdLst>
   <p:notesMasterIdLst>
-    <p:notesMasterId r:id="rId5"/>
+    <p:notesMasterId r:id="rId16"/>
   </p:notesMasterIdLst>
   <p:sldIdLst>
     <p:sldId id="256" r:id="rId3"/>
     <p:sldId id="257" r:id="rId4"/>
+    <p:sldId id="259" r:id="rId5"/>
+    <p:sldId id="260" r:id="rId6"/>
+    <p:sldId id="266" r:id="rId7"/>
+    <p:sldId id="269" r:id="rId8"/>
+    <p:sldId id="264" r:id="rId9"/>
+    <p:sldId id="268" r:id="rId10"/>
+    <p:sldId id="271" r:id="rId11"/>
+    <p:sldId id="272" r:id="rId12"/>
+    <p:sldId id="270" r:id="rId13"/>
+    <p:sldId id="258" r:id="rId14"/>
+    <p:sldId id="262" r:id="rId15"/>
   </p:sldIdLst>
   <p:sldSz cx="13433425" cy="7556500"/>
   <p:notesSz cx="6858000" cy="9144000"/>
@@ -202,7 +213,7 @@
             </a:extLst>
           </p:cNvPr>
           <p:cNvSpPr>
-            <a:spLocks/>
+            <a:spLocks noGrp="1" noRot="1" noChangeAspect="1"/>
           </p:cNvSpPr>
           <p:nvPr>
             <p:ph type="sldImg"/>
@@ -643,7 +654,7 @@
               <a:pPr>
                 <a:defRPr/>
               </a:pPr>
-              <a:t>12/27/2022</a:t>
+              <a:t>12/30/2022</a:t>
             </a:fld>
             <a:endParaRPr lang="en-US"/>
           </a:p>
@@ -853,7 +864,7 @@
               <a:pPr>
                 <a:defRPr/>
               </a:pPr>
-              <a:t>12/27/2022</a:t>
+              <a:t>12/30/2022</a:t>
             </a:fld>
             <a:endParaRPr lang="en-US"/>
           </a:p>
@@ -1073,7 +1084,7 @@
               <a:pPr>
                 <a:defRPr/>
               </a:pPr>
-              <a:t>12/27/2022</a:t>
+              <a:t>12/30/2022</a:t>
             </a:fld>
             <a:endParaRPr lang="en-US"/>
           </a:p>
@@ -1305,7 +1316,7 @@
               <a:pPr>
                 <a:defRPr/>
               </a:pPr>
-              <a:t>12/27/2022</a:t>
+              <a:t>12/30/2022</a:t>
             </a:fld>
             <a:endParaRPr lang="en-US"/>
           </a:p>
@@ -1515,7 +1526,7 @@
               <a:pPr>
                 <a:defRPr/>
               </a:pPr>
-              <a:t>12/27/2022</a:t>
+              <a:t>12/30/2022</a:t>
             </a:fld>
             <a:endParaRPr lang="en-US"/>
           </a:p>
@@ -1801,7 +1812,7 @@
               <a:pPr>
                 <a:defRPr/>
               </a:pPr>
-              <a:t>12/27/2022</a:t>
+              <a:t>12/30/2022</a:t>
             </a:fld>
             <a:endParaRPr lang="en-US"/>
           </a:p>
@@ -2073,7 +2084,7 @@
               <a:pPr>
                 <a:defRPr/>
               </a:pPr>
-              <a:t>12/27/2022</a:t>
+              <a:t>12/30/2022</a:t>
             </a:fld>
             <a:endParaRPr lang="en-US"/>
           </a:p>
@@ -2480,7 +2491,7 @@
               <a:pPr>
                 <a:defRPr/>
               </a:pPr>
-              <a:t>12/27/2022</a:t>
+              <a:t>12/30/2022</a:t>
             </a:fld>
             <a:endParaRPr lang="en-US"/>
           </a:p>
@@ -2638,7 +2649,7 @@
               <a:pPr>
                 <a:defRPr/>
               </a:pPr>
-              <a:t>12/27/2022</a:t>
+              <a:t>12/30/2022</a:t>
             </a:fld>
             <a:endParaRPr lang="en-US"/>
           </a:p>
@@ -2773,7 +2784,7 @@
               <a:pPr>
                 <a:defRPr/>
               </a:pPr>
-              <a:t>12/27/2022</a:t>
+              <a:t>12/30/2022</a:t>
             </a:fld>
             <a:endParaRPr lang="en-US"/>
           </a:p>
@@ -3090,7 +3101,7 @@
               <a:pPr>
                 <a:defRPr/>
               </a:pPr>
-              <a:t>12/27/2022</a:t>
+              <a:t>12/30/2022</a:t>
             </a:fld>
             <a:endParaRPr lang="en-US"/>
           </a:p>
@@ -3300,7 +3311,7 @@
               <a:pPr>
                 <a:defRPr/>
               </a:pPr>
-              <a:t>12/27/2022</a:t>
+              <a:t>12/30/2022</a:t>
             </a:fld>
             <a:endParaRPr lang="en-US"/>
           </a:p>
@@ -3598,7 +3609,7 @@
               <a:pPr>
                 <a:defRPr/>
               </a:pPr>
-              <a:t>12/27/2022</a:t>
+              <a:t>12/30/2022</a:t>
             </a:fld>
             <a:endParaRPr lang="en-US"/>
           </a:p>
@@ -3808,7 +3819,7 @@
               <a:pPr>
                 <a:defRPr/>
               </a:pPr>
-              <a:t>12/27/2022</a:t>
+              <a:t>12/30/2022</a:t>
             </a:fld>
             <a:endParaRPr lang="en-US"/>
           </a:p>
@@ -4028,7 +4039,7 @@
               <a:pPr>
                 <a:defRPr/>
               </a:pPr>
-              <a:t>12/27/2022</a:t>
+              <a:t>12/30/2022</a:t>
             </a:fld>
             <a:endParaRPr lang="en-US"/>
           </a:p>
@@ -4314,7 +4325,7 @@
               <a:pPr>
                 <a:defRPr/>
               </a:pPr>
-              <a:t>12/27/2022</a:t>
+              <a:t>12/30/2022</a:t>
             </a:fld>
             <a:endParaRPr lang="en-US"/>
           </a:p>
@@ -4586,7 +4597,7 @@
               <a:pPr>
                 <a:defRPr/>
               </a:pPr>
-              <a:t>12/27/2022</a:t>
+              <a:t>12/30/2022</a:t>
             </a:fld>
             <a:endParaRPr lang="en-US"/>
           </a:p>
@@ -4993,7 +5004,7 @@
               <a:pPr>
                 <a:defRPr/>
               </a:pPr>
-              <a:t>12/27/2022</a:t>
+              <a:t>12/30/2022</a:t>
             </a:fld>
             <a:endParaRPr lang="en-US"/>
           </a:p>
@@ -5151,7 +5162,7 @@
               <a:pPr>
                 <a:defRPr/>
               </a:pPr>
-              <a:t>12/27/2022</a:t>
+              <a:t>12/30/2022</a:t>
             </a:fld>
             <a:endParaRPr lang="en-US"/>
           </a:p>
@@ -5286,7 +5297,7 @@
               <a:pPr>
                 <a:defRPr/>
               </a:pPr>
-              <a:t>12/27/2022</a:t>
+              <a:t>12/30/2022</a:t>
             </a:fld>
             <a:endParaRPr lang="en-US"/>
           </a:p>
@@ -5603,7 +5614,7 @@
               <a:pPr>
                 <a:defRPr/>
               </a:pPr>
-              <a:t>12/27/2022</a:t>
+              <a:t>12/30/2022</a:t>
             </a:fld>
             <a:endParaRPr lang="en-US"/>
           </a:p>
@@ -5901,7 +5912,7 @@
               <a:pPr>
                 <a:defRPr/>
               </a:pPr>
-              <a:t>12/27/2022</a:t>
+              <a:t>12/30/2022</a:t>
             </a:fld>
             <a:endParaRPr lang="en-US"/>
           </a:p>
@@ -6169,7 +6180,7 @@
               <a:pPr>
                 <a:defRPr/>
               </a:pPr>
-              <a:t>12/27/2022</a:t>
+              <a:t>12/30/2022</a:t>
             </a:fld>
             <a:endParaRPr lang="en-US"/>
           </a:p>
@@ -6906,7 +6917,7 @@
               <a:pPr>
                 <a:defRPr/>
               </a:pPr>
-              <a:t>12/27/2022</a:t>
+              <a:t>12/30/2022</a:t>
             </a:fld>
             <a:endParaRPr lang="en-US"/>
           </a:p>
@@ -7505,8 +7516,8 @@
         </p:nvSpPr>
         <p:spPr bwMode="auto">
           <a:xfrm>
-            <a:off x="2138363" y="3657600"/>
-            <a:ext cx="3995737" cy="579438"/>
+            <a:off x="2214562" y="3778250"/>
+            <a:ext cx="5582269" cy="1200329"/>
           </a:xfrm>
           <a:prstGeom prst="rect">
             <a:avLst/>
@@ -7542,6 +7553,921 @@
                   </a:outerShdw>
                 </a:effectLst>
               </a14:hiddenEffects>
+            </a:ext>
+          </a:extLst>
+        </p:spPr>
+        <p:txBody>
+          <a:bodyPr wrap="square" lIns="45720" rIns="45720">
+            <a:spAutoFit/>
+          </a:bodyPr>
+          <a:lstStyle>
+            <a:lvl1pPr>
+              <a:defRPr sz="2400">
+                <a:solidFill>
+                  <a:srgbClr val="000000"/>
+                </a:solidFill>
+                <a:latin typeface="Arial" panose="020B0604020202020204" pitchFamily="34" charset="0"/>
+                <a:cs typeface="Arial" panose="020B0604020202020204" pitchFamily="34" charset="0"/>
+                <a:sym typeface="Arial" panose="020B0604020202020204" pitchFamily="34" charset="0"/>
+              </a:defRPr>
+            </a:lvl1pPr>
+            <a:lvl2pPr marL="742950" indent="-285750">
+              <a:defRPr sz="2400">
+                <a:solidFill>
+                  <a:srgbClr val="000000"/>
+                </a:solidFill>
+                <a:latin typeface="Arial" panose="020B0604020202020204" pitchFamily="34" charset="0"/>
+                <a:cs typeface="Arial" panose="020B0604020202020204" pitchFamily="34" charset="0"/>
+                <a:sym typeface="Arial" panose="020B0604020202020204" pitchFamily="34" charset="0"/>
+              </a:defRPr>
+            </a:lvl2pPr>
+            <a:lvl3pPr marL="1143000" indent="-228600">
+              <a:defRPr sz="2400">
+                <a:solidFill>
+                  <a:srgbClr val="000000"/>
+                </a:solidFill>
+                <a:latin typeface="Arial" panose="020B0604020202020204" pitchFamily="34" charset="0"/>
+                <a:cs typeface="Arial" panose="020B0604020202020204" pitchFamily="34" charset="0"/>
+                <a:sym typeface="Arial" panose="020B0604020202020204" pitchFamily="34" charset="0"/>
+              </a:defRPr>
+            </a:lvl3pPr>
+            <a:lvl4pPr marL="1600200" indent="-228600">
+              <a:defRPr sz="2400">
+                <a:solidFill>
+                  <a:srgbClr val="000000"/>
+                </a:solidFill>
+                <a:latin typeface="Arial" panose="020B0604020202020204" pitchFamily="34" charset="0"/>
+                <a:cs typeface="Arial" panose="020B0604020202020204" pitchFamily="34" charset="0"/>
+                <a:sym typeface="Arial" panose="020B0604020202020204" pitchFamily="34" charset="0"/>
+              </a:defRPr>
+            </a:lvl4pPr>
+            <a:lvl5pPr marL="2057400" indent="-228600">
+              <a:defRPr sz="2400">
+                <a:solidFill>
+                  <a:srgbClr val="000000"/>
+                </a:solidFill>
+                <a:latin typeface="Arial" panose="020B0604020202020204" pitchFamily="34" charset="0"/>
+                <a:cs typeface="Arial" panose="020B0604020202020204" pitchFamily="34" charset="0"/>
+                <a:sym typeface="Arial" panose="020B0604020202020204" pitchFamily="34" charset="0"/>
+              </a:defRPr>
+            </a:lvl5pPr>
+            <a:lvl6pPr marL="2514600" indent="-228600" eaLnBrk="0" fontAlgn="base" hangingPunct="0">
+              <a:spcBef>
+                <a:spcPct val="0"/>
+              </a:spcBef>
+              <a:spcAft>
+                <a:spcPct val="0"/>
+              </a:spcAft>
+              <a:defRPr sz="2400">
+                <a:solidFill>
+                  <a:srgbClr val="000000"/>
+                </a:solidFill>
+                <a:latin typeface="Arial" panose="020B0604020202020204" pitchFamily="34" charset="0"/>
+                <a:cs typeface="Arial" panose="020B0604020202020204" pitchFamily="34" charset="0"/>
+                <a:sym typeface="Arial" panose="020B0604020202020204" pitchFamily="34" charset="0"/>
+              </a:defRPr>
+            </a:lvl6pPr>
+            <a:lvl7pPr marL="2971800" indent="-228600" eaLnBrk="0" fontAlgn="base" hangingPunct="0">
+              <a:spcBef>
+                <a:spcPct val="0"/>
+              </a:spcBef>
+              <a:spcAft>
+                <a:spcPct val="0"/>
+              </a:spcAft>
+              <a:defRPr sz="2400">
+                <a:solidFill>
+                  <a:srgbClr val="000000"/>
+                </a:solidFill>
+                <a:latin typeface="Arial" panose="020B0604020202020204" pitchFamily="34" charset="0"/>
+                <a:cs typeface="Arial" panose="020B0604020202020204" pitchFamily="34" charset="0"/>
+                <a:sym typeface="Arial" panose="020B0604020202020204" pitchFamily="34" charset="0"/>
+              </a:defRPr>
+            </a:lvl7pPr>
+            <a:lvl8pPr marL="3429000" indent="-228600" eaLnBrk="0" fontAlgn="base" hangingPunct="0">
+              <a:spcBef>
+                <a:spcPct val="0"/>
+              </a:spcBef>
+              <a:spcAft>
+                <a:spcPct val="0"/>
+              </a:spcAft>
+              <a:defRPr sz="2400">
+                <a:solidFill>
+                  <a:srgbClr val="000000"/>
+                </a:solidFill>
+                <a:latin typeface="Arial" panose="020B0604020202020204" pitchFamily="34" charset="0"/>
+                <a:cs typeface="Arial" panose="020B0604020202020204" pitchFamily="34" charset="0"/>
+                <a:sym typeface="Arial" panose="020B0604020202020204" pitchFamily="34" charset="0"/>
+              </a:defRPr>
+            </a:lvl8pPr>
+            <a:lvl9pPr marL="3886200" indent="-228600" eaLnBrk="0" fontAlgn="base" hangingPunct="0">
+              <a:spcBef>
+                <a:spcPct val="0"/>
+              </a:spcBef>
+              <a:spcAft>
+                <a:spcPct val="0"/>
+              </a:spcAft>
+              <a:defRPr sz="2400">
+                <a:solidFill>
+                  <a:srgbClr val="000000"/>
+                </a:solidFill>
+                <a:latin typeface="Arial" panose="020B0604020202020204" pitchFamily="34" charset="0"/>
+                <a:cs typeface="Arial" panose="020B0604020202020204" pitchFamily="34" charset="0"/>
+                <a:sym typeface="Arial" panose="020B0604020202020204" pitchFamily="34" charset="0"/>
+              </a:defRPr>
+            </a:lvl9pPr>
+          </a:lstStyle>
+          <a:p>
+            <a:pPr eaLnBrk="1"/>
+            <a:r>
+              <a:rPr lang="pl-PL" sz="3200" b="1" i="0" dirty="0" err="1">
+                <a:solidFill>
+                  <a:srgbClr val="5B5A5A"/>
+                </a:solidFill>
+                <a:effectLst/>
+                <a:latin typeface="Montserrat" panose="00000500000000000000" pitchFamily="2" charset="-18"/>
+              </a:rPr>
+              <a:t>Two-factor</a:t>
+            </a:r>
+            <a:r>
+              <a:rPr lang="pl-PL" sz="3200" b="1" i="0" dirty="0">
+                <a:solidFill>
+                  <a:srgbClr val="5B5A5A"/>
+                </a:solidFill>
+                <a:effectLst/>
+                <a:latin typeface="Montserrat" panose="00000500000000000000" pitchFamily="2" charset="-18"/>
+              </a:rPr>
+              <a:t> </a:t>
+            </a:r>
+            <a:r>
+              <a:rPr lang="pl-PL" sz="3200" b="1" i="0" dirty="0" err="1">
+                <a:solidFill>
+                  <a:srgbClr val="5B5A5A"/>
+                </a:solidFill>
+                <a:effectLst/>
+                <a:latin typeface="Montserrat" panose="00000500000000000000" pitchFamily="2" charset="-18"/>
+              </a:rPr>
+              <a:t>authentication</a:t>
+            </a:r>
+            <a:endParaRPr lang="pl-PL" sz="3200" b="1" i="0" dirty="0">
+              <a:solidFill>
+                <a:srgbClr val="5B5A5A"/>
+              </a:solidFill>
+              <a:effectLst/>
+              <a:latin typeface="Montserrat" panose="00000500000000000000" pitchFamily="2" charset="-18"/>
+            </a:endParaRPr>
+          </a:p>
+          <a:p>
+            <a:pPr eaLnBrk="1"/>
+            <a:endParaRPr lang="en-US" altLang="pl-PL" sz="4000" dirty="0"/>
+          </a:p>
+        </p:txBody>
+      </p:sp>
+      <p:sp>
+        <p:nvSpPr>
+          <p:cNvPr id="4099" name="Rectangle 2">
+            <a:extLst>
+              <a:ext uri="{FF2B5EF4-FFF2-40B4-BE49-F238E27FC236}">
+                <a16:creationId xmlns:a16="http://schemas.microsoft.com/office/drawing/2014/main" id="{FAA30BD9-C524-570A-F05F-6D1C8D52FB1C}"/>
+              </a:ext>
+            </a:extLst>
+          </p:cNvPr>
+          <p:cNvSpPr>
+            <a:spLocks/>
+          </p:cNvSpPr>
+          <p:nvPr/>
+        </p:nvSpPr>
+        <p:spPr bwMode="auto">
+          <a:xfrm>
+            <a:off x="2214563" y="4495800"/>
+            <a:ext cx="1118255" cy="338554"/>
+          </a:xfrm>
+          <a:prstGeom prst="rect">
+            <a:avLst/>
+          </a:prstGeom>
+          <a:noFill/>
+          <a:ln>
+            <a:noFill/>
+          </a:ln>
+          <a:effectLst/>
+          <a:extLst>
+            <a:ext uri="{909E8E84-426E-40DD-AFC4-6F175D3DCCD1}">
+              <a14:hiddenFill xmlns:a14="http://schemas.microsoft.com/office/drawing/2010/main">
+                <a:solidFill>
+                  <a:srgbClr val="FFFFFF"/>
+                </a:solidFill>
+              </a14:hiddenFill>
+            </a:ext>
+            <a:ext uri="{91240B29-F687-4F45-9708-019B960494DF}">
+              <a14:hiddenLine xmlns:a14="http://schemas.microsoft.com/office/drawing/2010/main" w="12700">
+                <a:solidFill>
+                  <a:srgbClr val="000000"/>
+                </a:solidFill>
+                <a:miter lim="400000"/>
+                <a:headEnd/>
+                <a:tailEnd/>
+              </a14:hiddenLine>
+            </a:ext>
+            <a:ext uri="{AF507438-7753-43E0-B8FC-AC1667EBCBE1}">
+              <a14:hiddenEffects xmlns:a14="http://schemas.microsoft.com/office/drawing/2010/main">
+                <a:effectLst>
+                  <a:outerShdw dist="35921" dir="2700000" algn="ctr" rotWithShape="0">
+                    <a:srgbClr val="808080"/>
+                  </a:outerShdw>
+                </a:effectLst>
+              </a14:hiddenEffects>
+            </a:ext>
+          </a:extLst>
+        </p:spPr>
+        <p:txBody>
+          <a:bodyPr wrap="none" lIns="45720" rIns="45720">
+            <a:spAutoFit/>
+          </a:bodyPr>
+          <a:lstStyle>
+            <a:lvl1pPr>
+              <a:defRPr sz="2400">
+                <a:solidFill>
+                  <a:srgbClr val="000000"/>
+                </a:solidFill>
+                <a:latin typeface="Arial" panose="020B0604020202020204" pitchFamily="34" charset="0"/>
+                <a:cs typeface="Arial" panose="020B0604020202020204" pitchFamily="34" charset="0"/>
+                <a:sym typeface="Arial" panose="020B0604020202020204" pitchFamily="34" charset="0"/>
+              </a:defRPr>
+            </a:lvl1pPr>
+            <a:lvl2pPr marL="742950" indent="-285750">
+              <a:defRPr sz="2400">
+                <a:solidFill>
+                  <a:srgbClr val="000000"/>
+                </a:solidFill>
+                <a:latin typeface="Arial" panose="020B0604020202020204" pitchFamily="34" charset="0"/>
+                <a:cs typeface="Arial" panose="020B0604020202020204" pitchFamily="34" charset="0"/>
+                <a:sym typeface="Arial" panose="020B0604020202020204" pitchFamily="34" charset="0"/>
+              </a:defRPr>
+            </a:lvl2pPr>
+            <a:lvl3pPr marL="1143000" indent="-228600">
+              <a:defRPr sz="2400">
+                <a:solidFill>
+                  <a:srgbClr val="000000"/>
+                </a:solidFill>
+                <a:latin typeface="Arial" panose="020B0604020202020204" pitchFamily="34" charset="0"/>
+                <a:cs typeface="Arial" panose="020B0604020202020204" pitchFamily="34" charset="0"/>
+                <a:sym typeface="Arial" panose="020B0604020202020204" pitchFamily="34" charset="0"/>
+              </a:defRPr>
+            </a:lvl3pPr>
+            <a:lvl4pPr marL="1600200" indent="-228600">
+              <a:defRPr sz="2400">
+                <a:solidFill>
+                  <a:srgbClr val="000000"/>
+                </a:solidFill>
+                <a:latin typeface="Arial" panose="020B0604020202020204" pitchFamily="34" charset="0"/>
+                <a:cs typeface="Arial" panose="020B0604020202020204" pitchFamily="34" charset="0"/>
+                <a:sym typeface="Arial" panose="020B0604020202020204" pitchFamily="34" charset="0"/>
+              </a:defRPr>
+            </a:lvl4pPr>
+            <a:lvl5pPr marL="2057400" indent="-228600">
+              <a:defRPr sz="2400">
+                <a:solidFill>
+                  <a:srgbClr val="000000"/>
+                </a:solidFill>
+                <a:latin typeface="Arial" panose="020B0604020202020204" pitchFamily="34" charset="0"/>
+                <a:cs typeface="Arial" panose="020B0604020202020204" pitchFamily="34" charset="0"/>
+                <a:sym typeface="Arial" panose="020B0604020202020204" pitchFamily="34" charset="0"/>
+              </a:defRPr>
+            </a:lvl5pPr>
+            <a:lvl6pPr marL="2514600" indent="-228600" eaLnBrk="0" fontAlgn="base" hangingPunct="0">
+              <a:spcBef>
+                <a:spcPct val="0"/>
+              </a:spcBef>
+              <a:spcAft>
+                <a:spcPct val="0"/>
+              </a:spcAft>
+              <a:defRPr sz="2400">
+                <a:solidFill>
+                  <a:srgbClr val="000000"/>
+                </a:solidFill>
+                <a:latin typeface="Arial" panose="020B0604020202020204" pitchFamily="34" charset="0"/>
+                <a:cs typeface="Arial" panose="020B0604020202020204" pitchFamily="34" charset="0"/>
+                <a:sym typeface="Arial" panose="020B0604020202020204" pitchFamily="34" charset="0"/>
+              </a:defRPr>
+            </a:lvl6pPr>
+            <a:lvl7pPr marL="2971800" indent="-228600" eaLnBrk="0" fontAlgn="base" hangingPunct="0">
+              <a:spcBef>
+                <a:spcPct val="0"/>
+              </a:spcBef>
+              <a:spcAft>
+                <a:spcPct val="0"/>
+              </a:spcAft>
+              <a:defRPr sz="2400">
+                <a:solidFill>
+                  <a:srgbClr val="000000"/>
+                </a:solidFill>
+                <a:latin typeface="Arial" panose="020B0604020202020204" pitchFamily="34" charset="0"/>
+                <a:cs typeface="Arial" panose="020B0604020202020204" pitchFamily="34" charset="0"/>
+                <a:sym typeface="Arial" panose="020B0604020202020204" pitchFamily="34" charset="0"/>
+              </a:defRPr>
+            </a:lvl7pPr>
+            <a:lvl8pPr marL="3429000" indent="-228600" eaLnBrk="0" fontAlgn="base" hangingPunct="0">
+              <a:spcBef>
+                <a:spcPct val="0"/>
+              </a:spcBef>
+              <a:spcAft>
+                <a:spcPct val="0"/>
+              </a:spcAft>
+              <a:defRPr sz="2400">
+                <a:solidFill>
+                  <a:srgbClr val="000000"/>
+                </a:solidFill>
+                <a:latin typeface="Arial" panose="020B0604020202020204" pitchFamily="34" charset="0"/>
+                <a:cs typeface="Arial" panose="020B0604020202020204" pitchFamily="34" charset="0"/>
+                <a:sym typeface="Arial" panose="020B0604020202020204" pitchFamily="34" charset="0"/>
+              </a:defRPr>
+            </a:lvl8pPr>
+            <a:lvl9pPr marL="3886200" indent="-228600" eaLnBrk="0" fontAlgn="base" hangingPunct="0">
+              <a:spcBef>
+                <a:spcPct val="0"/>
+              </a:spcBef>
+              <a:spcAft>
+                <a:spcPct val="0"/>
+              </a:spcAft>
+              <a:defRPr sz="2400">
+                <a:solidFill>
+                  <a:srgbClr val="000000"/>
+                </a:solidFill>
+                <a:latin typeface="Arial" panose="020B0604020202020204" pitchFamily="34" charset="0"/>
+                <a:cs typeface="Arial" panose="020B0604020202020204" pitchFamily="34" charset="0"/>
+                <a:sym typeface="Arial" panose="020B0604020202020204" pitchFamily="34" charset="0"/>
+              </a:defRPr>
+            </a:lvl9pPr>
+          </a:lstStyle>
+          <a:p>
+            <a:pPr eaLnBrk="1"/>
+            <a:r>
+              <a:rPr lang="pl-PL" altLang="pl-PL" sz="1600" dirty="0">
+                <a:solidFill>
+                  <a:srgbClr val="808080"/>
+                </a:solidFill>
+              </a:rPr>
+              <a:t>18.01.2022</a:t>
+            </a:r>
+            <a:endParaRPr lang="en-US" altLang="pl-PL" sz="1600" dirty="0">
+              <a:solidFill>
+                <a:srgbClr val="808080"/>
+              </a:solidFill>
+            </a:endParaRPr>
+          </a:p>
+        </p:txBody>
+      </p:sp>
+    </p:spTree>
+  </p:cSld>
+  <p:clrMapOvr>
+    <a:masterClrMapping/>
+  </p:clrMapOvr>
+  <p:transition spd="med"/>
+</p:sld>
+</file>
+
+<file path=ppt/slides/slide10.xml><?xml version="1.0" encoding="utf-8"?>
+<p:sld xmlns:a="http://schemas.openxmlformats.org/drawingml/2006/main" xmlns:r="http://schemas.openxmlformats.org/officeDocument/2006/relationships" xmlns:p="http://schemas.openxmlformats.org/presentationml/2006/main">
+  <p:cSld>
+    <p:spTree>
+      <p:nvGrpSpPr>
+        <p:cNvPr id="1" name=""/>
+        <p:cNvGrpSpPr/>
+        <p:nvPr/>
+      </p:nvGrpSpPr>
+      <p:grpSpPr>
+        <a:xfrm>
+          <a:off x="0" y="0"/>
+          <a:ext cx="0" cy="0"/>
+          <a:chOff x="0" y="0"/>
+          <a:chExt cx="0" cy="0"/>
+        </a:xfrm>
+      </p:grpSpPr>
+      <p:sp>
+        <p:nvSpPr>
+          <p:cNvPr id="2" name="Tytuł 1">
+            <a:extLst>
+              <a:ext uri="{FF2B5EF4-FFF2-40B4-BE49-F238E27FC236}">
+                <a16:creationId xmlns:a16="http://schemas.microsoft.com/office/drawing/2014/main" id="{5FDB1C52-171F-7AAD-5D38-EAB9E8F463FA}"/>
+              </a:ext>
+            </a:extLst>
+          </p:cNvPr>
+          <p:cNvSpPr>
+            <a:spLocks noGrp="1"/>
+          </p:cNvSpPr>
+          <p:nvPr>
+            <p:ph type="title"/>
+          </p:nvPr>
+        </p:nvSpPr>
+        <p:spPr/>
+        <p:txBody>
+          <a:bodyPr/>
+          <a:lstStyle/>
+          <a:p>
+            <a:endParaRPr lang="pl-PL"/>
+          </a:p>
+        </p:txBody>
+      </p:sp>
+      <p:pic>
+        <p:nvPicPr>
+          <p:cNvPr id="5" name="Symbol zastępczy zawartości 4">
+            <a:extLst>
+              <a:ext uri="{FF2B5EF4-FFF2-40B4-BE49-F238E27FC236}">
+                <a16:creationId xmlns:a16="http://schemas.microsoft.com/office/drawing/2014/main" id="{B04CB9F6-1B91-256B-108D-B4020095D0A5}"/>
+              </a:ext>
+            </a:extLst>
+          </p:cNvPr>
+          <p:cNvPicPr>
+            <a:picLocks noGrp="1" noChangeAspect="1"/>
+          </p:cNvPicPr>
+          <p:nvPr>
+            <p:ph idx="1"/>
+          </p:nvPr>
+        </p:nvPicPr>
+        <p:blipFill>
+          <a:blip r:embed="rId2">
+            <a:extLst>
+              <a:ext uri="{28A0092B-C50C-407E-A947-70E740481C1C}">
+                <a14:useLocalDpi xmlns:a14="http://schemas.microsoft.com/office/drawing/2010/main" val="0"/>
+              </a:ext>
+            </a:extLst>
+          </a:blip>
+          <a:stretch>
+            <a:fillRect/>
+          </a:stretch>
+        </p:blipFill>
+        <p:spPr>
+          <a:xfrm>
+            <a:off x="1268701" y="2011363"/>
+            <a:ext cx="10896022" cy="4794250"/>
+          </a:xfrm>
+        </p:spPr>
+      </p:pic>
+    </p:spTree>
+    <p:extLst>
+      <p:ext uri="{BB962C8B-B14F-4D97-AF65-F5344CB8AC3E}">
+        <p14:creationId xmlns:p14="http://schemas.microsoft.com/office/powerpoint/2010/main" val="1849806898"/>
+      </p:ext>
+    </p:extLst>
+  </p:cSld>
+  <p:clrMapOvr>
+    <a:masterClrMapping/>
+  </p:clrMapOvr>
+</p:sld>
+</file>
+
+<file path=ppt/slides/slide11.xml><?xml version="1.0" encoding="utf-8"?>
+<p:sld xmlns:a="http://schemas.openxmlformats.org/drawingml/2006/main" xmlns:r="http://schemas.openxmlformats.org/officeDocument/2006/relationships" xmlns:p="http://schemas.openxmlformats.org/presentationml/2006/main">
+  <p:cSld>
+    <p:spTree>
+      <p:nvGrpSpPr>
+        <p:cNvPr id="1" name=""/>
+        <p:cNvGrpSpPr/>
+        <p:nvPr/>
+      </p:nvGrpSpPr>
+      <p:grpSpPr>
+        <a:xfrm>
+          <a:off x="0" y="0"/>
+          <a:ext cx="0" cy="0"/>
+          <a:chOff x="0" y="0"/>
+          <a:chExt cx="0" cy="0"/>
+        </a:xfrm>
+      </p:grpSpPr>
+      <p:sp>
+        <p:nvSpPr>
+          <p:cNvPr id="2" name="Tytuł 1">
+            <a:extLst>
+              <a:ext uri="{FF2B5EF4-FFF2-40B4-BE49-F238E27FC236}">
+                <a16:creationId xmlns:a16="http://schemas.microsoft.com/office/drawing/2014/main" id="{7B4CE545-BD81-78FD-0BDC-43BE84E1E39B}"/>
+              </a:ext>
+            </a:extLst>
+          </p:cNvPr>
+          <p:cNvSpPr>
+            <a:spLocks noGrp="1"/>
+          </p:cNvSpPr>
+          <p:nvPr>
+            <p:ph type="title"/>
+          </p:nvPr>
+        </p:nvSpPr>
+        <p:spPr/>
+        <p:txBody>
+          <a:bodyPr/>
+          <a:lstStyle/>
+          <a:p>
+            <a:endParaRPr lang="pl-PL"/>
+          </a:p>
+        </p:txBody>
+      </p:sp>
+      <p:pic>
+        <p:nvPicPr>
+          <p:cNvPr id="5" name="Symbol zastępczy zawartości 4">
+            <a:extLst>
+              <a:ext uri="{FF2B5EF4-FFF2-40B4-BE49-F238E27FC236}">
+                <a16:creationId xmlns:a16="http://schemas.microsoft.com/office/drawing/2014/main" id="{7588E476-A07F-68D4-5FA3-9F6833A7E2DE}"/>
+              </a:ext>
+            </a:extLst>
+          </p:cNvPr>
+          <p:cNvPicPr>
+            <a:picLocks noGrp="1" noChangeAspect="1"/>
+          </p:cNvPicPr>
+          <p:nvPr>
+            <p:ph idx="1"/>
+          </p:nvPr>
+        </p:nvPicPr>
+        <p:blipFill>
+          <a:blip r:embed="rId2">
+            <a:extLst>
+              <a:ext uri="{28A0092B-C50C-407E-A947-70E740481C1C}">
+                <a14:useLocalDpi xmlns:a14="http://schemas.microsoft.com/office/drawing/2010/main" val="0"/>
+              </a:ext>
+            </a:extLst>
+          </a:blip>
+          <a:stretch>
+            <a:fillRect/>
+          </a:stretch>
+        </p:blipFill>
+        <p:spPr>
+          <a:xfrm>
+            <a:off x="3260328" y="1381125"/>
+            <a:ext cx="6494673" cy="4794250"/>
+          </a:xfrm>
+        </p:spPr>
+      </p:pic>
+    </p:spTree>
+    <p:extLst>
+      <p:ext uri="{BB962C8B-B14F-4D97-AF65-F5344CB8AC3E}">
+        <p14:creationId xmlns:p14="http://schemas.microsoft.com/office/powerpoint/2010/main" val="1167750770"/>
+      </p:ext>
+    </p:extLst>
+  </p:cSld>
+  <p:clrMapOvr>
+    <a:masterClrMapping/>
+  </p:clrMapOvr>
+</p:sld>
+</file>
+
+<file path=ppt/slides/slide12.xml><?xml version="1.0" encoding="utf-8"?>
+<p:sld xmlns:a="http://schemas.openxmlformats.org/drawingml/2006/main" xmlns:r="http://schemas.openxmlformats.org/officeDocument/2006/relationships" xmlns:p="http://schemas.openxmlformats.org/presentationml/2006/main">
+  <p:cSld>
+    <p:spTree>
+      <p:nvGrpSpPr>
+        <p:cNvPr id="1" name=""/>
+        <p:cNvGrpSpPr/>
+        <p:nvPr/>
+      </p:nvGrpSpPr>
+      <p:grpSpPr>
+        <a:xfrm>
+          <a:off x="0" y="0"/>
+          <a:ext cx="0" cy="0"/>
+          <a:chOff x="0" y="0"/>
+          <a:chExt cx="0" cy="0"/>
+        </a:xfrm>
+      </p:grpSpPr>
+      <p:sp>
+        <p:nvSpPr>
+          <p:cNvPr id="2" name="Tytuł 1">
+            <a:extLst>
+              <a:ext uri="{FF2B5EF4-FFF2-40B4-BE49-F238E27FC236}">
+                <a16:creationId xmlns:a16="http://schemas.microsoft.com/office/drawing/2014/main" id="{C3E6B2C9-1BA5-FA14-9F89-5A1A6DECF51B}"/>
+              </a:ext>
+            </a:extLst>
+          </p:cNvPr>
+          <p:cNvSpPr>
+            <a:spLocks noGrp="1"/>
+          </p:cNvSpPr>
+          <p:nvPr>
+            <p:ph type="title"/>
+          </p:nvPr>
+        </p:nvSpPr>
+        <p:spPr/>
+        <p:txBody>
+          <a:bodyPr/>
+          <a:lstStyle/>
+          <a:p>
+            <a:pPr algn="ctr"/>
+            <a:r>
+              <a:rPr lang="nn-NO" b="0" dirty="0">
+                <a:effectLst/>
+                <a:latin typeface="Consolas" panose="020B0609020204030204" pitchFamily="49" charset="0"/>
+              </a:rPr>
+              <a:t>Bibliografia:</a:t>
+            </a:r>
+            <a:br>
+              <a:rPr lang="nn-NO" b="0" dirty="0">
+                <a:effectLst/>
+                <a:latin typeface="Consolas" panose="020B0609020204030204" pitchFamily="49" charset="0"/>
+              </a:rPr>
+            </a:br>
+            <a:endParaRPr lang="pl-PL" dirty="0"/>
+          </a:p>
+        </p:txBody>
+      </p:sp>
+      <p:sp>
+        <p:nvSpPr>
+          <p:cNvPr id="3" name="Symbol zastępczy zawartości 2">
+            <a:extLst>
+              <a:ext uri="{FF2B5EF4-FFF2-40B4-BE49-F238E27FC236}">
+                <a16:creationId xmlns:a16="http://schemas.microsoft.com/office/drawing/2014/main" id="{77CA8DFC-70FA-8890-58F2-4087727A9641}"/>
+              </a:ext>
+            </a:extLst>
+          </p:cNvPr>
+          <p:cNvSpPr>
+            <a:spLocks noGrp="1"/>
+          </p:cNvSpPr>
+          <p:nvPr>
+            <p:ph idx="1"/>
+          </p:nvPr>
+        </p:nvSpPr>
+        <p:spPr/>
+        <p:txBody>
+          <a:bodyPr>
+            <a:normAutofit fontScale="85000" lnSpcReduction="10000"/>
+          </a:bodyPr>
+          <a:lstStyle/>
+          <a:p>
+            <a:r>
+              <a:rPr lang="nn-NO" b="0" dirty="0">
+                <a:effectLst/>
+                <a:latin typeface="Consolas" panose="020B0609020204030204" pitchFamily="49" charset="0"/>
+              </a:rPr>
+              <a:t>https://www.microsoft.com/en-us/security/business/security-101/what-is-two-factor-authentication-2fa</a:t>
+            </a:r>
+          </a:p>
+          <a:p>
+            <a:r>
+              <a:rPr lang="nn-NO" b="0" dirty="0">
+                <a:effectLst/>
+                <a:latin typeface="Consolas" panose="020B0609020204030204" pitchFamily="49" charset="0"/>
+              </a:rPr>
+              <a:t>https://us.norton.com/blog/how-to/importance-two-factor-authentication</a:t>
+            </a:r>
+          </a:p>
+          <a:p>
+            <a:r>
+              <a:rPr lang="nn-NO" b="0" dirty="0">
+                <a:effectLst/>
+                <a:latin typeface="Consolas" panose="020B0609020204030204" pitchFamily="49" charset="0"/>
+              </a:rPr>
+              <a:t>https://us.norton.com/blog/privacy/what-is-2fa</a:t>
+            </a:r>
+          </a:p>
+          <a:p>
+            <a:r>
+              <a:rPr lang="nn-NO" b="0" dirty="0">
+                <a:effectLst/>
+                <a:latin typeface="Consolas" panose="020B0609020204030204" pitchFamily="49" charset="0"/>
+              </a:rPr>
+              <a:t>https://2fas.com/</a:t>
+            </a:r>
+          </a:p>
+          <a:p>
+            <a:r>
+              <a:rPr lang="nn-NO" b="0" dirty="0">
+                <a:effectLst/>
+                <a:latin typeface="Consolas" panose="020B0609020204030204" pitchFamily="49" charset="0"/>
+              </a:rPr>
+              <a:t>https://apps.apple.com/us/app/2fa-authenticator-2fas/id1217793794</a:t>
+            </a:r>
+          </a:p>
+          <a:p>
+            <a:r>
+              <a:rPr lang="nn-NO" b="0" dirty="0">
+                <a:effectLst/>
+                <a:latin typeface="Consolas" panose="020B0609020204030204" pitchFamily="49" charset="0"/>
+              </a:rPr>
+              <a:t>https://www.gov.pl/web/baza-wiedzy/konfigurowanie-uwierzytelniania-dwuskladnikowego-2fa</a:t>
+            </a:r>
+          </a:p>
+          <a:p>
+            <a:r>
+              <a:rPr lang="nn-NO" b="0" dirty="0">
+                <a:effectLst/>
+                <a:latin typeface="Consolas" panose="020B0609020204030204" pitchFamily="49" charset="0"/>
+              </a:rPr>
+              <a:t>https://duo.com/product/multi-factor-authentication-mfa/two-factor-authentication-2fa</a:t>
+            </a:r>
+          </a:p>
+          <a:p>
+            <a:endParaRPr lang="pl-PL" dirty="0"/>
+          </a:p>
+        </p:txBody>
+      </p:sp>
+    </p:spTree>
+    <p:extLst>
+      <p:ext uri="{BB962C8B-B14F-4D97-AF65-F5344CB8AC3E}">
+        <p14:creationId xmlns:p14="http://schemas.microsoft.com/office/powerpoint/2010/main" val="770720597"/>
+      </p:ext>
+    </p:extLst>
+  </p:cSld>
+  <p:clrMapOvr>
+    <a:masterClrMapping/>
+  </p:clrMapOvr>
+</p:sld>
+</file>
+
+<file path=ppt/slides/slide13.xml><?xml version="1.0" encoding="utf-8"?>
+<p:sld xmlns:a="http://schemas.openxmlformats.org/drawingml/2006/main" xmlns:r="http://schemas.openxmlformats.org/officeDocument/2006/relationships" xmlns:p="http://schemas.openxmlformats.org/presentationml/2006/main">
+  <p:cSld>
+    <p:spTree>
+      <p:nvGrpSpPr>
+        <p:cNvPr id="1" name=""/>
+        <p:cNvGrpSpPr/>
+        <p:nvPr/>
+      </p:nvGrpSpPr>
+      <p:grpSpPr>
+        <a:xfrm>
+          <a:off x="0" y="0"/>
+          <a:ext cx="0" cy="0"/>
+          <a:chOff x="0" y="0"/>
+          <a:chExt cx="0" cy="0"/>
+        </a:xfrm>
+      </p:grpSpPr>
+      <p:sp>
+        <p:nvSpPr>
+          <p:cNvPr id="2" name="Tytuł 1">
+            <a:extLst>
+              <a:ext uri="{FF2B5EF4-FFF2-40B4-BE49-F238E27FC236}">
+                <a16:creationId xmlns:a16="http://schemas.microsoft.com/office/drawing/2014/main" id="{1F10482D-1C66-B2DD-53AD-4748DB0EF82C}"/>
+              </a:ext>
+            </a:extLst>
+          </p:cNvPr>
+          <p:cNvSpPr>
+            <a:spLocks noGrp="1"/>
+          </p:cNvSpPr>
+          <p:nvPr>
+            <p:ph type="title"/>
+          </p:nvPr>
+        </p:nvSpPr>
+        <p:spPr/>
+        <p:txBody>
+          <a:bodyPr/>
+          <a:lstStyle/>
+          <a:p>
+            <a:pPr algn="ctr"/>
+            <a:r>
+              <a:rPr lang="pl-PL" dirty="0"/>
+              <a:t>Dziękujemy za uwagę!</a:t>
+            </a:r>
+          </a:p>
+        </p:txBody>
+      </p:sp>
+      <p:sp>
+        <p:nvSpPr>
+          <p:cNvPr id="3" name="Symbol zastępczy zawartości 2">
+            <a:extLst>
+              <a:ext uri="{FF2B5EF4-FFF2-40B4-BE49-F238E27FC236}">
+                <a16:creationId xmlns:a16="http://schemas.microsoft.com/office/drawing/2014/main" id="{D86B49D7-CA41-9238-2645-EB0A59E63B2C}"/>
+              </a:ext>
+            </a:extLst>
+          </p:cNvPr>
+          <p:cNvSpPr>
+            <a:spLocks noGrp="1"/>
+          </p:cNvSpPr>
+          <p:nvPr>
+            <p:ph idx="1"/>
+          </p:nvPr>
+        </p:nvSpPr>
+        <p:spPr/>
+        <p:txBody>
+          <a:bodyPr/>
+          <a:lstStyle/>
+          <a:p>
+            <a:r>
+              <a:rPr lang="pl-PL" dirty="0"/>
+              <a:t>Adrianna Kralka</a:t>
+            </a:r>
+          </a:p>
+          <a:p>
+            <a:r>
+              <a:rPr lang="pl-PL" dirty="0"/>
+              <a:t>Marcel Trzaskawka</a:t>
+            </a:r>
+          </a:p>
+          <a:p>
+            <a:r>
+              <a:rPr lang="pl-PL" dirty="0"/>
+              <a:t>Beniamin Jankowski</a:t>
+            </a:r>
+          </a:p>
+        </p:txBody>
+      </p:sp>
+    </p:spTree>
+    <p:extLst>
+      <p:ext uri="{BB962C8B-B14F-4D97-AF65-F5344CB8AC3E}">
+        <p14:creationId xmlns:p14="http://schemas.microsoft.com/office/powerpoint/2010/main" val="3595312896"/>
+      </p:ext>
+    </p:extLst>
+  </p:cSld>
+  <p:clrMapOvr>
+    <a:masterClrMapping/>
+  </p:clrMapOvr>
+</p:sld>
+</file>
+
+<file path=ppt/slides/slide2.xml><?xml version="1.0" encoding="utf-8"?>
+<p:sld xmlns:a="http://schemas.openxmlformats.org/drawingml/2006/main" xmlns:r="http://schemas.openxmlformats.org/officeDocument/2006/relationships" xmlns:p="http://schemas.openxmlformats.org/presentationml/2006/main">
+  <p:cSld>
+    <p:bg>
+      <p:bgPr>
+        <a:solidFill>
+          <a:schemeClr val="bg1"/>
+        </a:solidFill>
+        <a:effectLst/>
+      </p:bgPr>
+    </p:bg>
+    <p:spTree>
+      <p:nvGrpSpPr>
+        <p:cNvPr id="1" name=""/>
+        <p:cNvGrpSpPr/>
+        <p:nvPr/>
+      </p:nvGrpSpPr>
+      <p:grpSpPr>
+        <a:xfrm>
+          <a:off x="0" y="0"/>
+          <a:ext cx="0" cy="0"/>
+          <a:chOff x="0" y="0"/>
+          <a:chExt cx="0" cy="0"/>
+        </a:xfrm>
+      </p:grpSpPr>
+      <p:pic>
+        <p:nvPicPr>
+          <p:cNvPr id="3" name="Obraz 2" descr="Obraz zawierający tekst&#10;&#10;Opis wygenerowany automatycznie">
+            <a:extLst>
+              <a:ext uri="{FF2B5EF4-FFF2-40B4-BE49-F238E27FC236}">
+                <a16:creationId xmlns:a16="http://schemas.microsoft.com/office/drawing/2014/main" id="{09615A9D-5DBF-406D-48F4-7F1BE018B957}"/>
+              </a:ext>
+            </a:extLst>
+          </p:cNvPr>
+          <p:cNvPicPr>
+            <a:picLocks noChangeAspect="1"/>
+          </p:cNvPicPr>
+          <p:nvPr/>
+        </p:nvPicPr>
+        <p:blipFill>
+          <a:blip r:embed="rId2">
+            <a:extLst>
+              <a:ext uri="{28A0092B-C50C-407E-A947-70E740481C1C}">
+                <a14:useLocalDpi xmlns:a14="http://schemas.microsoft.com/office/drawing/2010/main" val="0"/>
+              </a:ext>
+            </a:extLst>
+          </a:blip>
+          <a:stretch>
+            <a:fillRect/>
+          </a:stretch>
+        </p:blipFill>
+        <p:spPr>
+          <a:xfrm>
+            <a:off x="708986" y="1134850"/>
+            <a:ext cx="12015452" cy="5286797"/>
+          </a:xfrm>
+          <a:prstGeom prst="rect">
+            <a:avLst/>
+          </a:prstGeom>
+        </p:spPr>
+      </p:pic>
+      <p:sp>
+        <p:nvSpPr>
+          <p:cNvPr id="5122" name="Prostokąt 2">
+            <a:hlinkClick r:id="rId3"/>
+            <a:extLst>
+              <a:ext uri="{FF2B5EF4-FFF2-40B4-BE49-F238E27FC236}">
+                <a16:creationId xmlns:a16="http://schemas.microsoft.com/office/drawing/2014/main" id="{E21F1E84-10CB-9916-000C-20A7DE60AC99}"/>
+              </a:ext>
+            </a:extLst>
+          </p:cNvPr>
+          <p:cNvSpPr>
+            <a:spLocks noChangeArrowheads="1"/>
+          </p:cNvSpPr>
+          <p:nvPr/>
+        </p:nvSpPr>
+        <p:spPr bwMode="auto">
+          <a:xfrm>
+            <a:off x="2036763" y="6873875"/>
+            <a:ext cx="1800225" cy="461963"/>
+          </a:xfrm>
+          <a:prstGeom prst="rect">
+            <a:avLst/>
+          </a:prstGeom>
+          <a:noFill/>
+          <a:ln>
+            <a:noFill/>
+          </a:ln>
+          <a:extLst>
+            <a:ext uri="{909E8E84-426E-40DD-AFC4-6F175D3DCCD1}">
+              <a14:hiddenFill xmlns:a14="http://schemas.microsoft.com/office/drawing/2010/main">
+                <a:solidFill>
+                  <a:srgbClr val="FFFFFF"/>
+                </a:solidFill>
+              </a14:hiddenFill>
+            </a:ext>
+            <a:ext uri="{91240B29-F687-4F45-9708-019B960494DF}">
+              <a14:hiddenLine xmlns:a14="http://schemas.microsoft.com/office/drawing/2010/main" w="25400" algn="ctr">
+                <a:solidFill>
+                  <a:srgbClr val="000000"/>
+                </a:solidFill>
+                <a:round/>
+                <a:headEnd/>
+                <a:tailEnd/>
+              </a14:hiddenLine>
             </a:ext>
           </a:extLst>
         </p:spPr>
@@ -7667,199 +8593,7 @@
           </a:lstStyle>
           <a:p>
             <a:pPr eaLnBrk="1"/>
-            <a:r>
-              <a:rPr lang="en-US" altLang="pl-PL" sz="3200"/>
-              <a:t>Tytuł prezentacji</a:t>
-            </a:r>
-          </a:p>
-        </p:txBody>
-      </p:sp>
-      <p:sp>
-        <p:nvSpPr>
-          <p:cNvPr id="4099" name="Rectangle 2">
-            <a:extLst>
-              <a:ext uri="{FF2B5EF4-FFF2-40B4-BE49-F238E27FC236}">
-                <a16:creationId xmlns:a16="http://schemas.microsoft.com/office/drawing/2014/main" id="{FAA30BD9-C524-570A-F05F-6D1C8D52FB1C}"/>
-              </a:ext>
-            </a:extLst>
-          </p:cNvPr>
-          <p:cNvSpPr>
-            <a:spLocks/>
-          </p:cNvSpPr>
-          <p:nvPr/>
-        </p:nvSpPr>
-        <p:spPr bwMode="auto">
-          <a:xfrm>
-            <a:off x="2214563" y="4495800"/>
-            <a:ext cx="520700" cy="336550"/>
-          </a:xfrm>
-          <a:prstGeom prst="rect">
-            <a:avLst/>
-          </a:prstGeom>
-          <a:noFill/>
-          <a:ln>
-            <a:noFill/>
-          </a:ln>
-          <a:effectLst/>
-          <a:extLst>
-            <a:ext uri="{909E8E84-426E-40DD-AFC4-6F175D3DCCD1}">
-              <a14:hiddenFill xmlns:a14="http://schemas.microsoft.com/office/drawing/2010/main">
-                <a:solidFill>
-                  <a:srgbClr val="FFFFFF"/>
-                </a:solidFill>
-              </a14:hiddenFill>
-            </a:ext>
-            <a:ext uri="{91240B29-F687-4F45-9708-019B960494DF}">
-              <a14:hiddenLine xmlns:a14="http://schemas.microsoft.com/office/drawing/2010/main" w="12700">
-                <a:solidFill>
-                  <a:srgbClr val="000000"/>
-                </a:solidFill>
-                <a:miter lim="400000"/>
-                <a:headEnd/>
-                <a:tailEnd/>
-              </a14:hiddenLine>
-            </a:ext>
-            <a:ext uri="{AF507438-7753-43E0-B8FC-AC1667EBCBE1}">
-              <a14:hiddenEffects xmlns:a14="http://schemas.microsoft.com/office/drawing/2010/main">
-                <a:effectLst>
-                  <a:outerShdw dist="35921" dir="2700000" algn="ctr" rotWithShape="0">
-                    <a:srgbClr val="808080"/>
-                  </a:outerShdw>
-                </a:effectLst>
-              </a14:hiddenEffects>
-            </a:ext>
-          </a:extLst>
-        </p:spPr>
-        <p:txBody>
-          <a:bodyPr wrap="none" lIns="45720" rIns="45720">
-            <a:spAutoFit/>
-          </a:bodyPr>
-          <a:lstStyle>
-            <a:lvl1pPr>
-              <a:defRPr sz="2400">
-                <a:solidFill>
-                  <a:srgbClr val="000000"/>
-                </a:solidFill>
-                <a:latin typeface="Arial" panose="020B0604020202020204" pitchFamily="34" charset="0"/>
-                <a:cs typeface="Arial" panose="020B0604020202020204" pitchFamily="34" charset="0"/>
-                <a:sym typeface="Arial" panose="020B0604020202020204" pitchFamily="34" charset="0"/>
-              </a:defRPr>
-            </a:lvl1pPr>
-            <a:lvl2pPr marL="742950" indent="-285750">
-              <a:defRPr sz="2400">
-                <a:solidFill>
-                  <a:srgbClr val="000000"/>
-                </a:solidFill>
-                <a:latin typeface="Arial" panose="020B0604020202020204" pitchFamily="34" charset="0"/>
-                <a:cs typeface="Arial" panose="020B0604020202020204" pitchFamily="34" charset="0"/>
-                <a:sym typeface="Arial" panose="020B0604020202020204" pitchFamily="34" charset="0"/>
-              </a:defRPr>
-            </a:lvl2pPr>
-            <a:lvl3pPr marL="1143000" indent="-228600">
-              <a:defRPr sz="2400">
-                <a:solidFill>
-                  <a:srgbClr val="000000"/>
-                </a:solidFill>
-                <a:latin typeface="Arial" panose="020B0604020202020204" pitchFamily="34" charset="0"/>
-                <a:cs typeface="Arial" panose="020B0604020202020204" pitchFamily="34" charset="0"/>
-                <a:sym typeface="Arial" panose="020B0604020202020204" pitchFamily="34" charset="0"/>
-              </a:defRPr>
-            </a:lvl3pPr>
-            <a:lvl4pPr marL="1600200" indent="-228600">
-              <a:defRPr sz="2400">
-                <a:solidFill>
-                  <a:srgbClr val="000000"/>
-                </a:solidFill>
-                <a:latin typeface="Arial" panose="020B0604020202020204" pitchFamily="34" charset="0"/>
-                <a:cs typeface="Arial" panose="020B0604020202020204" pitchFamily="34" charset="0"/>
-                <a:sym typeface="Arial" panose="020B0604020202020204" pitchFamily="34" charset="0"/>
-              </a:defRPr>
-            </a:lvl4pPr>
-            <a:lvl5pPr marL="2057400" indent="-228600">
-              <a:defRPr sz="2400">
-                <a:solidFill>
-                  <a:srgbClr val="000000"/>
-                </a:solidFill>
-                <a:latin typeface="Arial" panose="020B0604020202020204" pitchFamily="34" charset="0"/>
-                <a:cs typeface="Arial" panose="020B0604020202020204" pitchFamily="34" charset="0"/>
-                <a:sym typeface="Arial" panose="020B0604020202020204" pitchFamily="34" charset="0"/>
-              </a:defRPr>
-            </a:lvl5pPr>
-            <a:lvl6pPr marL="2514600" indent="-228600" eaLnBrk="0" fontAlgn="base" hangingPunct="0">
-              <a:spcBef>
-                <a:spcPct val="0"/>
-              </a:spcBef>
-              <a:spcAft>
-                <a:spcPct val="0"/>
-              </a:spcAft>
-              <a:defRPr sz="2400">
-                <a:solidFill>
-                  <a:srgbClr val="000000"/>
-                </a:solidFill>
-                <a:latin typeface="Arial" panose="020B0604020202020204" pitchFamily="34" charset="0"/>
-                <a:cs typeface="Arial" panose="020B0604020202020204" pitchFamily="34" charset="0"/>
-                <a:sym typeface="Arial" panose="020B0604020202020204" pitchFamily="34" charset="0"/>
-              </a:defRPr>
-            </a:lvl6pPr>
-            <a:lvl7pPr marL="2971800" indent="-228600" eaLnBrk="0" fontAlgn="base" hangingPunct="0">
-              <a:spcBef>
-                <a:spcPct val="0"/>
-              </a:spcBef>
-              <a:spcAft>
-                <a:spcPct val="0"/>
-              </a:spcAft>
-              <a:defRPr sz="2400">
-                <a:solidFill>
-                  <a:srgbClr val="000000"/>
-                </a:solidFill>
-                <a:latin typeface="Arial" panose="020B0604020202020204" pitchFamily="34" charset="0"/>
-                <a:cs typeface="Arial" panose="020B0604020202020204" pitchFamily="34" charset="0"/>
-                <a:sym typeface="Arial" panose="020B0604020202020204" pitchFamily="34" charset="0"/>
-              </a:defRPr>
-            </a:lvl7pPr>
-            <a:lvl8pPr marL="3429000" indent="-228600" eaLnBrk="0" fontAlgn="base" hangingPunct="0">
-              <a:spcBef>
-                <a:spcPct val="0"/>
-              </a:spcBef>
-              <a:spcAft>
-                <a:spcPct val="0"/>
-              </a:spcAft>
-              <a:defRPr sz="2400">
-                <a:solidFill>
-                  <a:srgbClr val="000000"/>
-                </a:solidFill>
-                <a:latin typeface="Arial" panose="020B0604020202020204" pitchFamily="34" charset="0"/>
-                <a:cs typeface="Arial" panose="020B0604020202020204" pitchFamily="34" charset="0"/>
-                <a:sym typeface="Arial" panose="020B0604020202020204" pitchFamily="34" charset="0"/>
-              </a:defRPr>
-            </a:lvl8pPr>
-            <a:lvl9pPr marL="3886200" indent="-228600" eaLnBrk="0" fontAlgn="base" hangingPunct="0">
-              <a:spcBef>
-                <a:spcPct val="0"/>
-              </a:spcBef>
-              <a:spcAft>
-                <a:spcPct val="0"/>
-              </a:spcAft>
-              <a:defRPr sz="2400">
-                <a:solidFill>
-                  <a:srgbClr val="000000"/>
-                </a:solidFill>
-                <a:latin typeface="Arial" panose="020B0604020202020204" pitchFamily="34" charset="0"/>
-                <a:cs typeface="Arial" panose="020B0604020202020204" pitchFamily="34" charset="0"/>
-                <a:sym typeface="Arial" panose="020B0604020202020204" pitchFamily="34" charset="0"/>
-              </a:defRPr>
-            </a:lvl9pPr>
-          </a:lstStyle>
-          <a:p>
-            <a:pPr eaLnBrk="1"/>
-            <a:r>
-              <a:rPr lang="en-US" altLang="pl-PL" sz="1600">
-                <a:solidFill>
-                  <a:srgbClr val="808080"/>
-                </a:solidFill>
-              </a:rPr>
-              <a:t>Data</a:t>
-            </a:r>
+            <a:endParaRPr lang="pl-PL" altLang="pl-PL"/>
           </a:p>
         </p:txBody>
       </p:sp>
@@ -7872,7 +8606,7 @@
 </p:sld>
 </file>
 
-<file path=ppt/slides/slide2.xml><?xml version="1.0" encoding="utf-8"?>
+<file path=ppt/slides/slide3.xml><?xml version="1.0" encoding="utf-8"?>
 <p:sld xmlns:a="http://schemas.openxmlformats.org/drawingml/2006/main" xmlns:r="http://schemas.openxmlformats.org/officeDocument/2006/relationships" xmlns:p="http://schemas.openxmlformats.org/presentationml/2006/main">
   <p:cSld>
     <p:spTree>
@@ -7891,183 +8625,758 @@
       </p:grpSpPr>
       <p:sp>
         <p:nvSpPr>
-          <p:cNvPr id="5122" name="Prostokąt 2">
-            <a:hlinkClick r:id="rId2"/>
-            <a:extLst>
-              <a:ext uri="{FF2B5EF4-FFF2-40B4-BE49-F238E27FC236}">
-                <a16:creationId xmlns:a16="http://schemas.microsoft.com/office/drawing/2014/main" id="{E21F1E84-10CB-9916-000C-20A7DE60AC99}"/>
-              </a:ext>
-            </a:extLst>
-          </p:cNvPr>
-          <p:cNvSpPr>
-            <a:spLocks noChangeArrowheads="1"/>
-          </p:cNvSpPr>
+          <p:cNvPr id="2" name="Tytuł 1">
+            <a:extLst>
+              <a:ext uri="{FF2B5EF4-FFF2-40B4-BE49-F238E27FC236}">
+                <a16:creationId xmlns:a16="http://schemas.microsoft.com/office/drawing/2014/main" id="{355C21CF-E344-6B67-6C6E-3BC201223925}"/>
+              </a:ext>
+            </a:extLst>
+          </p:cNvPr>
+          <p:cNvSpPr>
+            <a:spLocks noGrp="1"/>
+          </p:cNvSpPr>
+          <p:nvPr>
+            <p:ph type="title"/>
+          </p:nvPr>
+        </p:nvSpPr>
+        <p:spPr/>
+        <p:txBody>
+          <a:bodyPr/>
+          <a:lstStyle/>
+          <a:p>
+            <a:endParaRPr lang="pl-PL"/>
+          </a:p>
+        </p:txBody>
+      </p:sp>
+      <p:pic>
+        <p:nvPicPr>
+          <p:cNvPr id="5" name="Symbol zastępczy zawartości 4">
+            <a:extLst>
+              <a:ext uri="{FF2B5EF4-FFF2-40B4-BE49-F238E27FC236}">
+                <a16:creationId xmlns:a16="http://schemas.microsoft.com/office/drawing/2014/main" id="{D6591EF6-4B09-51F3-E041-20124B6DB0E7}"/>
+              </a:ext>
+            </a:extLst>
+          </p:cNvPr>
+          <p:cNvPicPr>
+            <a:picLocks noGrp="1" noChangeAspect="1"/>
+          </p:cNvPicPr>
+          <p:nvPr>
+            <p:ph idx="1"/>
+          </p:nvPr>
+        </p:nvPicPr>
+        <p:blipFill>
+          <a:blip r:embed="rId2">
+            <a:extLst>
+              <a:ext uri="{28A0092B-C50C-407E-A947-70E740481C1C}">
+                <a14:useLocalDpi xmlns:a14="http://schemas.microsoft.com/office/drawing/2010/main" val="0"/>
+              </a:ext>
+            </a:extLst>
+          </a:blip>
+          <a:stretch>
+            <a:fillRect/>
+          </a:stretch>
+        </p:blipFill>
+        <p:spPr>
+          <a:xfrm>
+            <a:off x="424097" y="373837"/>
+            <a:ext cx="6292615" cy="6379920"/>
+          </a:xfrm>
+        </p:spPr>
+      </p:pic>
+      <p:pic>
+        <p:nvPicPr>
+          <p:cNvPr id="6" name="Symbol zastępczy zawartości 4">
+            <a:extLst>
+              <a:ext uri="{FF2B5EF4-FFF2-40B4-BE49-F238E27FC236}">
+                <a16:creationId xmlns:a16="http://schemas.microsoft.com/office/drawing/2014/main" id="{6E6F2F6C-EABB-0B9D-868C-4921501A510A}"/>
+              </a:ext>
+            </a:extLst>
+          </p:cNvPr>
+          <p:cNvPicPr>
+            <a:picLocks noChangeAspect="1"/>
+          </p:cNvPicPr>
           <p:nvPr/>
-        </p:nvSpPr>
-        <p:spPr bwMode="auto">
+        </p:nvPicPr>
+        <p:blipFill>
+          <a:blip r:embed="rId3">
+            <a:extLst>
+              <a:ext uri="{28A0092B-C50C-407E-A947-70E740481C1C}">
+                <a14:useLocalDpi xmlns:a14="http://schemas.microsoft.com/office/drawing/2010/main" val="0"/>
+              </a:ext>
+            </a:extLst>
+          </a:blip>
+          <a:stretch>
+            <a:fillRect/>
+          </a:stretch>
+        </p:blipFill>
+        <p:spPr>
           <a:xfrm>
-            <a:off x="2036763" y="6873875"/>
-            <a:ext cx="1800225" cy="461963"/>
+            <a:off x="6284664" y="1636844"/>
+            <a:ext cx="6378493" cy="4282811"/>
           </a:xfrm>
           <a:prstGeom prst="rect">
             <a:avLst/>
           </a:prstGeom>
-          <a:noFill/>
-          <a:ln>
-            <a:noFill/>
-          </a:ln>
-          <a:extLst>
-            <a:ext uri="{909E8E84-426E-40DD-AFC4-6F175D3DCCD1}">
-              <a14:hiddenFill xmlns:a14="http://schemas.microsoft.com/office/drawing/2010/main">
-                <a:solidFill>
-                  <a:srgbClr val="FFFFFF"/>
-                </a:solidFill>
-              </a14:hiddenFill>
-            </a:ext>
-            <a:ext uri="{91240B29-F687-4F45-9708-019B960494DF}">
-              <a14:hiddenLine xmlns:a14="http://schemas.microsoft.com/office/drawing/2010/main" w="25400" algn="ctr">
-                <a:solidFill>
-                  <a:srgbClr val="000000"/>
-                </a:solidFill>
-                <a:round/>
-                <a:headEnd/>
-                <a:tailEnd/>
-              </a14:hiddenLine>
-            </a:ext>
-          </a:extLst>
         </p:spPr>
-        <p:txBody>
-          <a:bodyPr lIns="45720" rIns="45720">
-            <a:spAutoFit/>
-          </a:bodyPr>
-          <a:lstStyle>
-            <a:lvl1pPr>
-              <a:defRPr sz="2400">
-                <a:solidFill>
-                  <a:srgbClr val="000000"/>
-                </a:solidFill>
-                <a:latin typeface="Arial" panose="020B0604020202020204" pitchFamily="34" charset="0"/>
-                <a:cs typeface="Arial" panose="020B0604020202020204" pitchFamily="34" charset="0"/>
-                <a:sym typeface="Arial" panose="020B0604020202020204" pitchFamily="34" charset="0"/>
-              </a:defRPr>
-            </a:lvl1pPr>
-            <a:lvl2pPr marL="742950" indent="-285750">
-              <a:defRPr sz="2400">
-                <a:solidFill>
-                  <a:srgbClr val="000000"/>
-                </a:solidFill>
-                <a:latin typeface="Arial" panose="020B0604020202020204" pitchFamily="34" charset="0"/>
-                <a:cs typeface="Arial" panose="020B0604020202020204" pitchFamily="34" charset="0"/>
-                <a:sym typeface="Arial" panose="020B0604020202020204" pitchFamily="34" charset="0"/>
-              </a:defRPr>
-            </a:lvl2pPr>
-            <a:lvl3pPr marL="1143000" indent="-228600">
-              <a:defRPr sz="2400">
-                <a:solidFill>
-                  <a:srgbClr val="000000"/>
-                </a:solidFill>
-                <a:latin typeface="Arial" panose="020B0604020202020204" pitchFamily="34" charset="0"/>
-                <a:cs typeface="Arial" panose="020B0604020202020204" pitchFamily="34" charset="0"/>
-                <a:sym typeface="Arial" panose="020B0604020202020204" pitchFamily="34" charset="0"/>
-              </a:defRPr>
-            </a:lvl3pPr>
-            <a:lvl4pPr marL="1600200" indent="-228600">
-              <a:defRPr sz="2400">
-                <a:solidFill>
-                  <a:srgbClr val="000000"/>
-                </a:solidFill>
-                <a:latin typeface="Arial" panose="020B0604020202020204" pitchFamily="34" charset="0"/>
-                <a:cs typeface="Arial" panose="020B0604020202020204" pitchFamily="34" charset="0"/>
-                <a:sym typeface="Arial" panose="020B0604020202020204" pitchFamily="34" charset="0"/>
-              </a:defRPr>
-            </a:lvl4pPr>
-            <a:lvl5pPr marL="2057400" indent="-228600">
-              <a:defRPr sz="2400">
-                <a:solidFill>
-                  <a:srgbClr val="000000"/>
-                </a:solidFill>
-                <a:latin typeface="Arial" panose="020B0604020202020204" pitchFamily="34" charset="0"/>
-                <a:cs typeface="Arial" panose="020B0604020202020204" pitchFamily="34" charset="0"/>
-                <a:sym typeface="Arial" panose="020B0604020202020204" pitchFamily="34" charset="0"/>
-              </a:defRPr>
-            </a:lvl5pPr>
-            <a:lvl6pPr marL="2514600" indent="-228600" eaLnBrk="0" fontAlgn="base" hangingPunct="0">
-              <a:spcBef>
-                <a:spcPct val="0"/>
-              </a:spcBef>
-              <a:spcAft>
-                <a:spcPct val="0"/>
-              </a:spcAft>
-              <a:defRPr sz="2400">
-                <a:solidFill>
-                  <a:srgbClr val="000000"/>
-                </a:solidFill>
-                <a:latin typeface="Arial" panose="020B0604020202020204" pitchFamily="34" charset="0"/>
-                <a:cs typeface="Arial" panose="020B0604020202020204" pitchFamily="34" charset="0"/>
-                <a:sym typeface="Arial" panose="020B0604020202020204" pitchFamily="34" charset="0"/>
-              </a:defRPr>
-            </a:lvl6pPr>
-            <a:lvl7pPr marL="2971800" indent="-228600" eaLnBrk="0" fontAlgn="base" hangingPunct="0">
-              <a:spcBef>
-                <a:spcPct val="0"/>
-              </a:spcBef>
-              <a:spcAft>
-                <a:spcPct val="0"/>
-              </a:spcAft>
-              <a:defRPr sz="2400">
-                <a:solidFill>
-                  <a:srgbClr val="000000"/>
-                </a:solidFill>
-                <a:latin typeface="Arial" panose="020B0604020202020204" pitchFamily="34" charset="0"/>
-                <a:cs typeface="Arial" panose="020B0604020202020204" pitchFamily="34" charset="0"/>
-                <a:sym typeface="Arial" panose="020B0604020202020204" pitchFamily="34" charset="0"/>
-              </a:defRPr>
-            </a:lvl7pPr>
-            <a:lvl8pPr marL="3429000" indent="-228600" eaLnBrk="0" fontAlgn="base" hangingPunct="0">
-              <a:spcBef>
-                <a:spcPct val="0"/>
-              </a:spcBef>
-              <a:spcAft>
-                <a:spcPct val="0"/>
-              </a:spcAft>
-              <a:defRPr sz="2400">
-                <a:solidFill>
-                  <a:srgbClr val="000000"/>
-                </a:solidFill>
-                <a:latin typeface="Arial" panose="020B0604020202020204" pitchFamily="34" charset="0"/>
-                <a:cs typeface="Arial" panose="020B0604020202020204" pitchFamily="34" charset="0"/>
-                <a:sym typeface="Arial" panose="020B0604020202020204" pitchFamily="34" charset="0"/>
-              </a:defRPr>
-            </a:lvl8pPr>
-            <a:lvl9pPr marL="3886200" indent="-228600" eaLnBrk="0" fontAlgn="base" hangingPunct="0">
-              <a:spcBef>
-                <a:spcPct val="0"/>
-              </a:spcBef>
-              <a:spcAft>
-                <a:spcPct val="0"/>
-              </a:spcAft>
-              <a:defRPr sz="2400">
-                <a:solidFill>
-                  <a:srgbClr val="000000"/>
-                </a:solidFill>
-                <a:latin typeface="Arial" panose="020B0604020202020204" pitchFamily="34" charset="0"/>
-                <a:cs typeface="Arial" panose="020B0604020202020204" pitchFamily="34" charset="0"/>
-                <a:sym typeface="Arial" panose="020B0604020202020204" pitchFamily="34" charset="0"/>
-              </a:defRPr>
-            </a:lvl9pPr>
-          </a:lstStyle>
-          <a:p>
-            <a:pPr eaLnBrk="1"/>
-            <a:endParaRPr lang="pl-PL" altLang="pl-PL"/>
-          </a:p>
-        </p:txBody>
-      </p:sp>
+      </p:pic>
     </p:spTree>
+    <p:extLst>
+      <p:ext uri="{BB962C8B-B14F-4D97-AF65-F5344CB8AC3E}">
+        <p14:creationId xmlns:p14="http://schemas.microsoft.com/office/powerpoint/2010/main" val="3636444247"/>
+      </p:ext>
+    </p:extLst>
   </p:cSld>
   <p:clrMapOvr>
     <a:masterClrMapping/>
   </p:clrMapOvr>
-  <p:transition spd="med"/>
+</p:sld>
+</file>
+
+<file path=ppt/slides/slide4.xml><?xml version="1.0" encoding="utf-8"?>
+<p:sld xmlns:a="http://schemas.openxmlformats.org/drawingml/2006/main" xmlns:r="http://schemas.openxmlformats.org/officeDocument/2006/relationships" xmlns:p="http://schemas.openxmlformats.org/presentationml/2006/main">
+  <p:cSld>
+    <p:spTree>
+      <p:nvGrpSpPr>
+        <p:cNvPr id="1" name=""/>
+        <p:cNvGrpSpPr/>
+        <p:nvPr/>
+      </p:nvGrpSpPr>
+      <p:grpSpPr>
+        <a:xfrm>
+          <a:off x="0" y="0"/>
+          <a:ext cx="0" cy="0"/>
+          <a:chOff x="0" y="0"/>
+          <a:chExt cx="0" cy="0"/>
+        </a:xfrm>
+      </p:grpSpPr>
+      <p:sp>
+        <p:nvSpPr>
+          <p:cNvPr id="2" name="Tytuł 1">
+            <a:extLst>
+              <a:ext uri="{FF2B5EF4-FFF2-40B4-BE49-F238E27FC236}">
+                <a16:creationId xmlns:a16="http://schemas.microsoft.com/office/drawing/2014/main" id="{F82DEE2D-9C67-6197-EB1C-766721BC8B24}"/>
+              </a:ext>
+            </a:extLst>
+          </p:cNvPr>
+          <p:cNvSpPr>
+            <a:spLocks noGrp="1"/>
+          </p:cNvSpPr>
+          <p:nvPr>
+            <p:ph type="title"/>
+          </p:nvPr>
+        </p:nvSpPr>
+        <p:spPr/>
+        <p:txBody>
+          <a:bodyPr/>
+          <a:lstStyle/>
+          <a:p>
+            <a:endParaRPr lang="pl-PL"/>
+          </a:p>
+        </p:txBody>
+      </p:sp>
+      <p:pic>
+        <p:nvPicPr>
+          <p:cNvPr id="5" name="Symbol zastępczy zawartości 4" descr="Obraz zawierający tekst&#10;&#10;Opis wygenerowany automatycznie">
+            <a:extLst>
+              <a:ext uri="{FF2B5EF4-FFF2-40B4-BE49-F238E27FC236}">
+                <a16:creationId xmlns:a16="http://schemas.microsoft.com/office/drawing/2014/main" id="{BEC995EB-C159-728F-311E-A0B39CAEDC4D}"/>
+              </a:ext>
+            </a:extLst>
+          </p:cNvPr>
+          <p:cNvPicPr>
+            <a:picLocks noGrp="1" noChangeAspect="1"/>
+          </p:cNvPicPr>
+          <p:nvPr>
+            <p:ph idx="1"/>
+          </p:nvPr>
+        </p:nvPicPr>
+        <p:blipFill>
+          <a:blip r:embed="rId2">
+            <a:extLst>
+              <a:ext uri="{28A0092B-C50C-407E-A947-70E740481C1C}">
+                <a14:useLocalDpi xmlns:a14="http://schemas.microsoft.com/office/drawing/2010/main" val="0"/>
+              </a:ext>
+            </a:extLst>
+          </a:blip>
+          <a:stretch>
+            <a:fillRect/>
+          </a:stretch>
+        </p:blipFill>
+        <p:spPr>
+          <a:xfrm>
+            <a:off x="7580808" y="897930"/>
+            <a:ext cx="5255299" cy="5619651"/>
+          </a:xfrm>
+        </p:spPr>
+      </p:pic>
+      <p:pic>
+        <p:nvPicPr>
+          <p:cNvPr id="6" name="Symbol zastępczy zawartości 4">
+            <a:extLst>
+              <a:ext uri="{FF2B5EF4-FFF2-40B4-BE49-F238E27FC236}">
+                <a16:creationId xmlns:a16="http://schemas.microsoft.com/office/drawing/2014/main" id="{833F1BE1-84DD-23F0-F422-45F76C67F530}"/>
+              </a:ext>
+            </a:extLst>
+          </p:cNvPr>
+          <p:cNvPicPr>
+            <a:picLocks noChangeAspect="1"/>
+          </p:cNvPicPr>
+          <p:nvPr/>
+        </p:nvPicPr>
+        <p:blipFill>
+          <a:blip r:embed="rId3">
+            <a:extLst>
+              <a:ext uri="{28A0092B-C50C-407E-A947-70E740481C1C}">
+                <a14:useLocalDpi xmlns:a14="http://schemas.microsoft.com/office/drawing/2010/main" val="0"/>
+              </a:ext>
+            </a:extLst>
+          </a:blip>
+          <a:stretch>
+            <a:fillRect/>
+          </a:stretch>
+        </p:blipFill>
+        <p:spPr>
+          <a:xfrm>
+            <a:off x="731564" y="1594449"/>
+            <a:ext cx="6435234" cy="4794250"/>
+          </a:xfrm>
+          <a:prstGeom prst="rect">
+            <a:avLst/>
+          </a:prstGeom>
+        </p:spPr>
+      </p:pic>
+    </p:spTree>
+    <p:extLst>
+      <p:ext uri="{BB962C8B-B14F-4D97-AF65-F5344CB8AC3E}">
+        <p14:creationId xmlns:p14="http://schemas.microsoft.com/office/powerpoint/2010/main" val="2457282144"/>
+      </p:ext>
+    </p:extLst>
+  </p:cSld>
+  <p:clrMapOvr>
+    <a:masterClrMapping/>
+  </p:clrMapOvr>
+</p:sld>
+</file>
+
+<file path=ppt/slides/slide5.xml><?xml version="1.0" encoding="utf-8"?>
+<p:sld xmlns:a="http://schemas.openxmlformats.org/drawingml/2006/main" xmlns:r="http://schemas.openxmlformats.org/officeDocument/2006/relationships" xmlns:p="http://schemas.openxmlformats.org/presentationml/2006/main">
+  <p:cSld>
+    <p:spTree>
+      <p:nvGrpSpPr>
+        <p:cNvPr id="1" name=""/>
+        <p:cNvGrpSpPr/>
+        <p:nvPr/>
+      </p:nvGrpSpPr>
+      <p:grpSpPr>
+        <a:xfrm>
+          <a:off x="0" y="0"/>
+          <a:ext cx="0" cy="0"/>
+          <a:chOff x="0" y="0"/>
+          <a:chExt cx="0" cy="0"/>
+        </a:xfrm>
+      </p:grpSpPr>
+      <p:sp>
+        <p:nvSpPr>
+          <p:cNvPr id="2" name="Tytuł 1">
+            <a:extLst>
+              <a:ext uri="{FF2B5EF4-FFF2-40B4-BE49-F238E27FC236}">
+                <a16:creationId xmlns:a16="http://schemas.microsoft.com/office/drawing/2014/main" id="{519B5AC8-8FAB-0DFD-1246-3F27E8BA5485}"/>
+              </a:ext>
+            </a:extLst>
+          </p:cNvPr>
+          <p:cNvSpPr>
+            <a:spLocks noGrp="1"/>
+          </p:cNvSpPr>
+          <p:nvPr>
+            <p:ph type="title"/>
+          </p:nvPr>
+        </p:nvSpPr>
+        <p:spPr/>
+        <p:txBody>
+          <a:bodyPr/>
+          <a:lstStyle/>
+          <a:p>
+            <a:endParaRPr lang="pl-PL" dirty="0"/>
+          </a:p>
+        </p:txBody>
+      </p:sp>
+      <p:pic>
+        <p:nvPicPr>
+          <p:cNvPr id="6" name="Symbol zastępczy zawartości 4" descr="Obraz zawierający tekst&#10;&#10;Opis wygenerowany automatycznie">
+            <a:extLst>
+              <a:ext uri="{FF2B5EF4-FFF2-40B4-BE49-F238E27FC236}">
+                <a16:creationId xmlns:a16="http://schemas.microsoft.com/office/drawing/2014/main" id="{9D65F0C9-BD1E-1D37-D063-A68655CBD129}"/>
+              </a:ext>
+            </a:extLst>
+          </p:cNvPr>
+          <p:cNvPicPr>
+            <a:picLocks noChangeAspect="1"/>
+          </p:cNvPicPr>
+          <p:nvPr/>
+        </p:nvPicPr>
+        <p:blipFill>
+          <a:blip r:embed="rId2">
+            <a:extLst>
+              <a:ext uri="{28A0092B-C50C-407E-A947-70E740481C1C}">
+                <a14:useLocalDpi xmlns:a14="http://schemas.microsoft.com/office/drawing/2010/main" val="0"/>
+              </a:ext>
+            </a:extLst>
+          </a:blip>
+          <a:stretch>
+            <a:fillRect/>
+          </a:stretch>
+        </p:blipFill>
+        <p:spPr>
+          <a:xfrm>
+            <a:off x="6356672" y="2770138"/>
+            <a:ext cx="7657654" cy="4138019"/>
+          </a:xfrm>
+          <a:prstGeom prst="rect">
+            <a:avLst/>
+          </a:prstGeom>
+        </p:spPr>
+      </p:pic>
+      <p:pic>
+        <p:nvPicPr>
+          <p:cNvPr id="9" name="Symbol zastępczy zawartości 4" descr="Obraz zawierający tekst&#10;&#10;Opis wygenerowany automatycznie">
+            <a:extLst>
+              <a:ext uri="{FF2B5EF4-FFF2-40B4-BE49-F238E27FC236}">
+                <a16:creationId xmlns:a16="http://schemas.microsoft.com/office/drawing/2014/main" id="{3A3EC0E0-7031-2AE8-F544-9DC08D745C55}"/>
+              </a:ext>
+            </a:extLst>
+          </p:cNvPr>
+          <p:cNvPicPr>
+            <a:picLocks noGrp="1" noChangeAspect="1"/>
+          </p:cNvPicPr>
+          <p:nvPr>
+            <p:ph idx="1"/>
+          </p:nvPr>
+        </p:nvPicPr>
+        <p:blipFill>
+          <a:blip r:embed="rId3">
+            <a:extLst>
+              <a:ext uri="{28A0092B-C50C-407E-A947-70E740481C1C}">
+                <a14:useLocalDpi xmlns:a14="http://schemas.microsoft.com/office/drawing/2010/main" val="0"/>
+              </a:ext>
+            </a:extLst>
+          </a:blip>
+          <a:stretch>
+            <a:fillRect/>
+          </a:stretch>
+        </p:blipFill>
+        <p:spPr>
+          <a:xfrm>
+            <a:off x="91976" y="175121"/>
+            <a:ext cx="6988146" cy="4138019"/>
+          </a:xfrm>
+        </p:spPr>
+      </p:pic>
+    </p:spTree>
+    <p:extLst>
+      <p:ext uri="{BB962C8B-B14F-4D97-AF65-F5344CB8AC3E}">
+        <p14:creationId xmlns:p14="http://schemas.microsoft.com/office/powerpoint/2010/main" val="1957411199"/>
+      </p:ext>
+    </p:extLst>
+  </p:cSld>
+  <p:clrMapOvr>
+    <a:masterClrMapping/>
+  </p:clrMapOvr>
+</p:sld>
+</file>
+
+<file path=ppt/slides/slide6.xml><?xml version="1.0" encoding="utf-8"?>
+<p:sld xmlns:a="http://schemas.openxmlformats.org/drawingml/2006/main" xmlns:r="http://schemas.openxmlformats.org/officeDocument/2006/relationships" xmlns:p="http://schemas.openxmlformats.org/presentationml/2006/main">
+  <p:cSld>
+    <p:spTree>
+      <p:nvGrpSpPr>
+        <p:cNvPr id="1" name=""/>
+        <p:cNvGrpSpPr/>
+        <p:nvPr/>
+      </p:nvGrpSpPr>
+      <p:grpSpPr>
+        <a:xfrm>
+          <a:off x="0" y="0"/>
+          <a:ext cx="0" cy="0"/>
+          <a:chOff x="0" y="0"/>
+          <a:chExt cx="0" cy="0"/>
+        </a:xfrm>
+      </p:grpSpPr>
+      <p:sp>
+        <p:nvSpPr>
+          <p:cNvPr id="2" name="Tytuł 1">
+            <a:extLst>
+              <a:ext uri="{FF2B5EF4-FFF2-40B4-BE49-F238E27FC236}">
+                <a16:creationId xmlns:a16="http://schemas.microsoft.com/office/drawing/2014/main" id="{FCFA466A-CF2C-0B55-9F96-7EFDDF1C6872}"/>
+              </a:ext>
+            </a:extLst>
+          </p:cNvPr>
+          <p:cNvSpPr>
+            <a:spLocks noGrp="1"/>
+          </p:cNvSpPr>
+          <p:nvPr>
+            <p:ph type="title"/>
+          </p:nvPr>
+        </p:nvSpPr>
+        <p:spPr/>
+        <p:txBody>
+          <a:bodyPr/>
+          <a:lstStyle/>
+          <a:p>
+            <a:endParaRPr lang="pl-PL"/>
+          </a:p>
+        </p:txBody>
+      </p:sp>
+      <p:pic>
+        <p:nvPicPr>
+          <p:cNvPr id="5" name="Symbol zastępczy zawartości 4">
+            <a:extLst>
+              <a:ext uri="{FF2B5EF4-FFF2-40B4-BE49-F238E27FC236}">
+                <a16:creationId xmlns:a16="http://schemas.microsoft.com/office/drawing/2014/main" id="{A1D77E8E-33D8-D33D-36B0-9BE16E9B1FB0}"/>
+              </a:ext>
+            </a:extLst>
+          </p:cNvPr>
+          <p:cNvPicPr>
+            <a:picLocks noGrp="1" noChangeAspect="1"/>
+          </p:cNvPicPr>
+          <p:nvPr>
+            <p:ph idx="1"/>
+          </p:nvPr>
+        </p:nvPicPr>
+        <p:blipFill>
+          <a:blip r:embed="rId2">
+            <a:extLst>
+              <a:ext uri="{28A0092B-C50C-407E-A947-70E740481C1C}">
+                <a14:useLocalDpi xmlns:a14="http://schemas.microsoft.com/office/drawing/2010/main" val="0"/>
+              </a:ext>
+            </a:extLst>
+          </a:blip>
+          <a:stretch>
+            <a:fillRect/>
+          </a:stretch>
+        </p:blipFill>
+        <p:spPr>
+          <a:xfrm>
+            <a:off x="812056" y="1835915"/>
+            <a:ext cx="11585575" cy="4609644"/>
+          </a:xfrm>
+        </p:spPr>
+      </p:pic>
+    </p:spTree>
+    <p:extLst>
+      <p:ext uri="{BB962C8B-B14F-4D97-AF65-F5344CB8AC3E}">
+        <p14:creationId xmlns:p14="http://schemas.microsoft.com/office/powerpoint/2010/main" val="2911537847"/>
+      </p:ext>
+    </p:extLst>
+  </p:cSld>
+  <p:clrMapOvr>
+    <a:masterClrMapping/>
+  </p:clrMapOvr>
+</p:sld>
+</file>
+
+<file path=ppt/slides/slide7.xml><?xml version="1.0" encoding="utf-8"?>
+<p:sld xmlns:a="http://schemas.openxmlformats.org/drawingml/2006/main" xmlns:r="http://schemas.openxmlformats.org/officeDocument/2006/relationships" xmlns:p="http://schemas.openxmlformats.org/presentationml/2006/main">
+  <p:cSld>
+    <p:spTree>
+      <p:nvGrpSpPr>
+        <p:cNvPr id="1" name=""/>
+        <p:cNvGrpSpPr/>
+        <p:nvPr/>
+      </p:nvGrpSpPr>
+      <p:grpSpPr>
+        <a:xfrm>
+          <a:off x="0" y="0"/>
+          <a:ext cx="0" cy="0"/>
+          <a:chOff x="0" y="0"/>
+          <a:chExt cx="0" cy="0"/>
+        </a:xfrm>
+      </p:grpSpPr>
+      <p:sp>
+        <p:nvSpPr>
+          <p:cNvPr id="2" name="Tytuł 1">
+            <a:extLst>
+              <a:ext uri="{FF2B5EF4-FFF2-40B4-BE49-F238E27FC236}">
+                <a16:creationId xmlns:a16="http://schemas.microsoft.com/office/drawing/2014/main" id="{DFFF96E8-6013-019C-41C6-849C16BC1B73}"/>
+              </a:ext>
+            </a:extLst>
+          </p:cNvPr>
+          <p:cNvSpPr>
+            <a:spLocks noGrp="1"/>
+          </p:cNvSpPr>
+          <p:nvPr>
+            <p:ph type="title"/>
+          </p:nvPr>
+        </p:nvSpPr>
+        <p:spPr/>
+        <p:txBody>
+          <a:bodyPr/>
+          <a:lstStyle/>
+          <a:p>
+            <a:endParaRPr lang="pl-PL"/>
+          </a:p>
+        </p:txBody>
+      </p:sp>
+      <p:pic>
+        <p:nvPicPr>
+          <p:cNvPr id="5" name="Symbol zastępczy zawartości 4">
+            <a:extLst>
+              <a:ext uri="{FF2B5EF4-FFF2-40B4-BE49-F238E27FC236}">
+                <a16:creationId xmlns:a16="http://schemas.microsoft.com/office/drawing/2014/main" id="{7DD54173-2DE2-CFA9-73CD-C95A3CAEE835}"/>
+              </a:ext>
+            </a:extLst>
+          </p:cNvPr>
+          <p:cNvPicPr>
+            <a:picLocks noGrp="1" noChangeAspect="1"/>
+          </p:cNvPicPr>
+          <p:nvPr>
+            <p:ph idx="1"/>
+          </p:nvPr>
+        </p:nvPicPr>
+        <p:blipFill>
+          <a:blip r:embed="rId2">
+            <a:extLst>
+              <a:ext uri="{28A0092B-C50C-407E-A947-70E740481C1C}">
+                <a14:useLocalDpi xmlns:a14="http://schemas.microsoft.com/office/drawing/2010/main" val="0"/>
+              </a:ext>
+            </a:extLst>
+          </a:blip>
+          <a:stretch>
+            <a:fillRect/>
+          </a:stretch>
+        </p:blipFill>
+        <p:spPr>
+          <a:xfrm>
+            <a:off x="596032" y="1762026"/>
+            <a:ext cx="11585575" cy="4258784"/>
+          </a:xfrm>
+        </p:spPr>
+      </p:pic>
+    </p:spTree>
+    <p:extLst>
+      <p:ext uri="{BB962C8B-B14F-4D97-AF65-F5344CB8AC3E}">
+        <p14:creationId xmlns:p14="http://schemas.microsoft.com/office/powerpoint/2010/main" val="3232497746"/>
+      </p:ext>
+    </p:extLst>
+  </p:cSld>
+  <p:clrMapOvr>
+    <a:masterClrMapping/>
+  </p:clrMapOvr>
+</p:sld>
+</file>
+
+<file path=ppt/slides/slide8.xml><?xml version="1.0" encoding="utf-8"?>
+<p:sld xmlns:a="http://schemas.openxmlformats.org/drawingml/2006/main" xmlns:r="http://schemas.openxmlformats.org/officeDocument/2006/relationships" xmlns:p="http://schemas.openxmlformats.org/presentationml/2006/main">
+  <p:cSld>
+    <p:spTree>
+      <p:nvGrpSpPr>
+        <p:cNvPr id="1" name=""/>
+        <p:cNvGrpSpPr/>
+        <p:nvPr/>
+      </p:nvGrpSpPr>
+      <p:grpSpPr>
+        <a:xfrm>
+          <a:off x="0" y="0"/>
+          <a:ext cx="0" cy="0"/>
+          <a:chOff x="0" y="0"/>
+          <a:chExt cx="0" cy="0"/>
+        </a:xfrm>
+      </p:grpSpPr>
+      <p:sp>
+        <p:nvSpPr>
+          <p:cNvPr id="2" name="Tytuł 1">
+            <a:extLst>
+              <a:ext uri="{FF2B5EF4-FFF2-40B4-BE49-F238E27FC236}">
+                <a16:creationId xmlns:a16="http://schemas.microsoft.com/office/drawing/2014/main" id="{2B8075A0-8503-32DA-D6CB-71B05D6C3265}"/>
+              </a:ext>
+            </a:extLst>
+          </p:cNvPr>
+          <p:cNvSpPr>
+            <a:spLocks noGrp="1"/>
+          </p:cNvSpPr>
+          <p:nvPr>
+            <p:ph type="title"/>
+          </p:nvPr>
+        </p:nvSpPr>
+        <p:spPr/>
+        <p:txBody>
+          <a:bodyPr/>
+          <a:lstStyle/>
+          <a:p>
+            <a:endParaRPr lang="pl-PL"/>
+          </a:p>
+        </p:txBody>
+      </p:sp>
+      <p:pic>
+        <p:nvPicPr>
+          <p:cNvPr id="5" name="Symbol zastępczy zawartości 4" descr="Obraz zawierający tekst, paragon&#10;&#10;Opis wygenerowany automatycznie">
+            <a:extLst>
+              <a:ext uri="{FF2B5EF4-FFF2-40B4-BE49-F238E27FC236}">
+                <a16:creationId xmlns:a16="http://schemas.microsoft.com/office/drawing/2014/main" id="{0FD442A1-943D-BA44-5534-810A2858280F}"/>
+              </a:ext>
+            </a:extLst>
+          </p:cNvPr>
+          <p:cNvPicPr>
+            <a:picLocks noGrp="1" noChangeAspect="1"/>
+          </p:cNvPicPr>
+          <p:nvPr>
+            <p:ph idx="1"/>
+          </p:nvPr>
+        </p:nvPicPr>
+        <p:blipFill>
+          <a:blip r:embed="rId2">
+            <a:extLst>
+              <a:ext uri="{28A0092B-C50C-407E-A947-70E740481C1C}">
+                <a14:useLocalDpi xmlns:a14="http://schemas.microsoft.com/office/drawing/2010/main" val="0"/>
+              </a:ext>
+            </a:extLst>
+          </a:blip>
+          <a:stretch>
+            <a:fillRect/>
+          </a:stretch>
+        </p:blipFill>
+        <p:spPr>
+          <a:xfrm>
+            <a:off x="2684264" y="1257970"/>
+            <a:ext cx="7886824" cy="4929265"/>
+          </a:xfrm>
+        </p:spPr>
+      </p:pic>
+    </p:spTree>
+    <p:extLst>
+      <p:ext uri="{BB962C8B-B14F-4D97-AF65-F5344CB8AC3E}">
+        <p14:creationId xmlns:p14="http://schemas.microsoft.com/office/powerpoint/2010/main" val="1494234227"/>
+      </p:ext>
+    </p:extLst>
+  </p:cSld>
+  <p:clrMapOvr>
+    <a:masterClrMapping/>
+  </p:clrMapOvr>
+</p:sld>
+</file>
+
+<file path=ppt/slides/slide9.xml><?xml version="1.0" encoding="utf-8"?>
+<p:sld xmlns:a="http://schemas.openxmlformats.org/drawingml/2006/main" xmlns:r="http://schemas.openxmlformats.org/officeDocument/2006/relationships" xmlns:p="http://schemas.openxmlformats.org/presentationml/2006/main">
+  <p:cSld>
+    <p:spTree>
+      <p:nvGrpSpPr>
+        <p:cNvPr id="1" name=""/>
+        <p:cNvGrpSpPr/>
+        <p:nvPr/>
+      </p:nvGrpSpPr>
+      <p:grpSpPr>
+        <a:xfrm>
+          <a:off x="0" y="0"/>
+          <a:ext cx="0" cy="0"/>
+          <a:chOff x="0" y="0"/>
+          <a:chExt cx="0" cy="0"/>
+        </a:xfrm>
+      </p:grpSpPr>
+      <p:sp>
+        <p:nvSpPr>
+          <p:cNvPr id="2" name="Tytuł 1">
+            <a:extLst>
+              <a:ext uri="{FF2B5EF4-FFF2-40B4-BE49-F238E27FC236}">
+                <a16:creationId xmlns:a16="http://schemas.microsoft.com/office/drawing/2014/main" id="{475E67E3-5A43-1E18-ACAE-5FD625F73B0B}"/>
+              </a:ext>
+            </a:extLst>
+          </p:cNvPr>
+          <p:cNvSpPr>
+            <a:spLocks noGrp="1"/>
+          </p:cNvSpPr>
+          <p:nvPr>
+            <p:ph type="title"/>
+          </p:nvPr>
+        </p:nvSpPr>
+        <p:spPr/>
+        <p:txBody>
+          <a:bodyPr/>
+          <a:lstStyle/>
+          <a:p>
+            <a:endParaRPr lang="pl-PL"/>
+          </a:p>
+        </p:txBody>
+      </p:sp>
+      <p:pic>
+        <p:nvPicPr>
+          <p:cNvPr id="5" name="Symbol zastępczy zawartości 4">
+            <a:extLst>
+              <a:ext uri="{FF2B5EF4-FFF2-40B4-BE49-F238E27FC236}">
+                <a16:creationId xmlns:a16="http://schemas.microsoft.com/office/drawing/2014/main" id="{C832382B-3EDA-AA5E-D185-57532D86EDAD}"/>
+              </a:ext>
+            </a:extLst>
+          </p:cNvPr>
+          <p:cNvPicPr>
+            <a:picLocks noGrp="1" noChangeAspect="1"/>
+          </p:cNvPicPr>
+          <p:nvPr>
+            <p:ph idx="1"/>
+          </p:nvPr>
+        </p:nvPicPr>
+        <p:blipFill>
+          <a:blip r:embed="rId2">
+            <a:extLst>
+              <a:ext uri="{28A0092B-C50C-407E-A947-70E740481C1C}">
+                <a14:useLocalDpi xmlns:a14="http://schemas.microsoft.com/office/drawing/2010/main" val="0"/>
+              </a:ext>
+            </a:extLst>
+          </a:blip>
+          <a:stretch>
+            <a:fillRect/>
+          </a:stretch>
+        </p:blipFill>
+        <p:spPr>
+          <a:xfrm>
+            <a:off x="452016" y="1479225"/>
+            <a:ext cx="7549160" cy="5133429"/>
+          </a:xfrm>
+        </p:spPr>
+      </p:pic>
+      <p:pic>
+        <p:nvPicPr>
+          <p:cNvPr id="6" name="Symbol zastępczy zawartości 4" descr="Obraz zawierający tekst&#10;&#10;Opis wygenerowany automatycznie">
+            <a:extLst>
+              <a:ext uri="{FF2B5EF4-FFF2-40B4-BE49-F238E27FC236}">
+                <a16:creationId xmlns:a16="http://schemas.microsoft.com/office/drawing/2014/main" id="{4A69E5E0-1498-F789-1E5E-E2BBDAFD10FF}"/>
+              </a:ext>
+            </a:extLst>
+          </p:cNvPr>
+          <p:cNvPicPr>
+            <a:picLocks noChangeAspect="1"/>
+          </p:cNvPicPr>
+          <p:nvPr/>
+        </p:nvPicPr>
+        <p:blipFill>
+          <a:blip r:embed="rId3">
+            <a:extLst>
+              <a:ext uri="{28A0092B-C50C-407E-A947-70E740481C1C}">
+                <a14:useLocalDpi xmlns:a14="http://schemas.microsoft.com/office/drawing/2010/main" val="0"/>
+              </a:ext>
+            </a:extLst>
+          </a:blip>
+          <a:stretch>
+            <a:fillRect/>
+          </a:stretch>
+        </p:blipFill>
+        <p:spPr>
+          <a:xfrm>
+            <a:off x="8210270" y="969938"/>
+            <a:ext cx="4803582" cy="5226298"/>
+          </a:xfrm>
+          <a:prstGeom prst="rect">
+            <a:avLst/>
+          </a:prstGeom>
+        </p:spPr>
+      </p:pic>
+    </p:spTree>
+    <p:extLst>
+      <p:ext uri="{BB962C8B-B14F-4D97-AF65-F5344CB8AC3E}">
+        <p14:creationId xmlns:p14="http://schemas.microsoft.com/office/powerpoint/2010/main" val="4092217078"/>
+      </p:ext>
+    </p:extLst>
+  </p:cSld>
+  <p:clrMapOvr>
+    <a:masterClrMapping/>
+  </p:clrMapOvr>
 </p:sld>
 </file>
 

--- a/BAIIM.pptx
+++ b/BAIIM.pptx
@@ -11,15 +11,15 @@
   <p:sldIdLst>
     <p:sldId id="256" r:id="rId3"/>
     <p:sldId id="257" r:id="rId4"/>
-    <p:sldId id="259" r:id="rId5"/>
-    <p:sldId id="260" r:id="rId6"/>
-    <p:sldId id="266" r:id="rId7"/>
-    <p:sldId id="269" r:id="rId8"/>
-    <p:sldId id="264" r:id="rId9"/>
-    <p:sldId id="268" r:id="rId10"/>
-    <p:sldId id="271" r:id="rId11"/>
-    <p:sldId id="272" r:id="rId12"/>
-    <p:sldId id="270" r:id="rId13"/>
+    <p:sldId id="273" r:id="rId5"/>
+    <p:sldId id="271" r:id="rId6"/>
+    <p:sldId id="274" r:id="rId7"/>
+    <p:sldId id="260" r:id="rId8"/>
+    <p:sldId id="259" r:id="rId9"/>
+    <p:sldId id="264" r:id="rId10"/>
+    <p:sldId id="270" r:id="rId11"/>
+    <p:sldId id="266" r:id="rId12"/>
+    <p:sldId id="269" r:id="rId13"/>
     <p:sldId id="258" r:id="rId14"/>
     <p:sldId id="262" r:id="rId15"/>
   </p:sldIdLst>
@@ -505,6 +505,720 @@
     </a:lvl9pPr>
   </p:notesStyle>
 </p:notesMaster>
+</file>
+
+<file path=ppt/notesSlides/notesSlide1.xml><?xml version="1.0" encoding="utf-8"?>
+<p:notes xmlns:a="http://schemas.openxmlformats.org/drawingml/2006/main" xmlns:r="http://schemas.openxmlformats.org/officeDocument/2006/relationships" xmlns:p="http://schemas.openxmlformats.org/presentationml/2006/main">
+  <p:cSld>
+    <p:spTree>
+      <p:nvGrpSpPr>
+        <p:cNvPr id="1" name=""/>
+        <p:cNvGrpSpPr/>
+        <p:nvPr/>
+      </p:nvGrpSpPr>
+      <p:grpSpPr>
+        <a:xfrm>
+          <a:off x="0" y="0"/>
+          <a:ext cx="0" cy="0"/>
+          <a:chOff x="0" y="0"/>
+          <a:chExt cx="0" cy="0"/>
+        </a:xfrm>
+      </p:grpSpPr>
+      <p:sp>
+        <p:nvSpPr>
+          <p:cNvPr id="2" name="Symbol zastępczy obrazu slajdu 1"/>
+          <p:cNvSpPr>
+            <a:spLocks noGrp="1" noRot="1" noChangeAspect="1"/>
+          </p:cNvSpPr>
+          <p:nvPr>
+            <p:ph type="sldImg"/>
+          </p:nvPr>
+        </p:nvSpPr>
+        <p:spPr/>
+      </p:sp>
+      <p:sp>
+        <p:nvSpPr>
+          <p:cNvPr id="3" name="Symbol zastępczy notatek 2"/>
+          <p:cNvSpPr>
+            <a:spLocks noGrp="1"/>
+          </p:cNvSpPr>
+          <p:nvPr>
+            <p:ph type="body" idx="1"/>
+          </p:nvPr>
+        </p:nvSpPr>
+        <p:spPr/>
+        <p:txBody>
+          <a:bodyPr/>
+          <a:lstStyle/>
+          <a:p>
+            <a:r>
+              <a:rPr lang="pl-PL" dirty="0"/>
+              <a:t>czynniki </a:t>
+            </a:r>
+            <a:r>
+              <a:rPr lang="pl-PL" dirty="0" err="1"/>
+              <a:t>uwierzytlenienia</a:t>
+            </a:r>
+            <a:endParaRPr lang="pl-PL" dirty="0"/>
+          </a:p>
+        </p:txBody>
+      </p:sp>
+    </p:spTree>
+    <p:extLst>
+      <p:ext uri="{BB962C8B-B14F-4D97-AF65-F5344CB8AC3E}">
+        <p14:creationId xmlns:p14="http://schemas.microsoft.com/office/powerpoint/2010/main" val="378684342"/>
+      </p:ext>
+    </p:extLst>
+  </p:cSld>
+  <p:clrMapOvr>
+    <a:masterClrMapping/>
+  </p:clrMapOvr>
+</p:notes>
+</file>
+
+<file path=ppt/notesSlides/notesSlide10.xml><?xml version="1.0" encoding="utf-8"?>
+<p:notes xmlns:a="http://schemas.openxmlformats.org/drawingml/2006/main" xmlns:r="http://schemas.openxmlformats.org/officeDocument/2006/relationships" xmlns:p="http://schemas.openxmlformats.org/presentationml/2006/main">
+  <p:cSld>
+    <p:spTree>
+      <p:nvGrpSpPr>
+        <p:cNvPr id="1" name=""/>
+        <p:cNvGrpSpPr/>
+        <p:nvPr/>
+      </p:nvGrpSpPr>
+      <p:grpSpPr>
+        <a:xfrm>
+          <a:off x="0" y="0"/>
+          <a:ext cx="0" cy="0"/>
+          <a:chOff x="0" y="0"/>
+          <a:chExt cx="0" cy="0"/>
+        </a:xfrm>
+      </p:grpSpPr>
+      <p:sp>
+        <p:nvSpPr>
+          <p:cNvPr id="2" name="Symbol zastępczy obrazu slajdu 1"/>
+          <p:cNvSpPr>
+            <a:spLocks noGrp="1" noRot="1" noChangeAspect="1"/>
+          </p:cNvSpPr>
+          <p:nvPr>
+            <p:ph type="sldImg"/>
+          </p:nvPr>
+        </p:nvSpPr>
+        <p:spPr/>
+      </p:sp>
+      <p:sp>
+        <p:nvSpPr>
+          <p:cNvPr id="3" name="Symbol zastępczy notatek 2"/>
+          <p:cNvSpPr>
+            <a:spLocks noGrp="1"/>
+          </p:cNvSpPr>
+          <p:nvPr>
+            <p:ph type="body" idx="1"/>
+          </p:nvPr>
+        </p:nvSpPr>
+        <p:spPr/>
+        <p:txBody>
+          <a:bodyPr/>
+          <a:lstStyle/>
+          <a:p>
+            <a:pPr marL="0" marR="0" lvl="0" indent="0" algn="l" defTabSz="914400" rtl="0" eaLnBrk="0" fontAlgn="base" latinLnBrk="0" hangingPunct="0">
+              <a:lnSpc>
+                <a:spcPct val="100000"/>
+              </a:lnSpc>
+              <a:spcBef>
+                <a:spcPct val="0"/>
+              </a:spcBef>
+              <a:spcAft>
+                <a:spcPct val="0"/>
+              </a:spcAft>
+              <a:buClrTx/>
+              <a:buSzTx/>
+              <a:buFontTx/>
+              <a:buNone/>
+              <a:tabLst/>
+              <a:defRPr/>
+            </a:pPr>
+            <a:r>
+              <a:rPr lang="pl-PL" dirty="0"/>
+              <a:t>bibliografia</a:t>
+            </a:r>
+          </a:p>
+          <a:p>
+            <a:pPr marL="0" marR="0" lvl="0" indent="0" algn="l" defTabSz="914400" rtl="0" eaLnBrk="0" fontAlgn="base" latinLnBrk="0" hangingPunct="0">
+              <a:lnSpc>
+                <a:spcPct val="100000"/>
+              </a:lnSpc>
+              <a:spcBef>
+                <a:spcPct val="0"/>
+              </a:spcBef>
+              <a:spcAft>
+                <a:spcPct val="0"/>
+              </a:spcAft>
+              <a:buClrTx/>
+              <a:buSzTx/>
+              <a:buFontTx/>
+              <a:buNone/>
+              <a:tabLst/>
+              <a:defRPr/>
+            </a:pPr>
+            <a:endParaRPr lang="pl-PL" dirty="0"/>
+          </a:p>
+          <a:p>
+            <a:endParaRPr lang="pl-PL" dirty="0"/>
+          </a:p>
+        </p:txBody>
+      </p:sp>
+    </p:spTree>
+    <p:extLst>
+      <p:ext uri="{BB962C8B-B14F-4D97-AF65-F5344CB8AC3E}">
+        <p14:creationId xmlns:p14="http://schemas.microsoft.com/office/powerpoint/2010/main" val="3665104779"/>
+      </p:ext>
+    </p:extLst>
+  </p:cSld>
+  <p:clrMapOvr>
+    <a:masterClrMapping/>
+  </p:clrMapOvr>
+</p:notes>
+</file>
+
+<file path=ppt/notesSlides/notesSlide2.xml><?xml version="1.0" encoding="utf-8"?>
+<p:notes xmlns:a="http://schemas.openxmlformats.org/drawingml/2006/main" xmlns:r="http://schemas.openxmlformats.org/officeDocument/2006/relationships" xmlns:p="http://schemas.openxmlformats.org/presentationml/2006/main">
+  <p:cSld>
+    <p:spTree>
+      <p:nvGrpSpPr>
+        <p:cNvPr id="1" name=""/>
+        <p:cNvGrpSpPr/>
+        <p:nvPr/>
+      </p:nvGrpSpPr>
+      <p:grpSpPr>
+        <a:xfrm>
+          <a:off x="0" y="0"/>
+          <a:ext cx="0" cy="0"/>
+          <a:chOff x="0" y="0"/>
+          <a:chExt cx="0" cy="0"/>
+        </a:xfrm>
+      </p:grpSpPr>
+      <p:sp>
+        <p:nvSpPr>
+          <p:cNvPr id="2" name="Symbol zastępczy obrazu slajdu 1"/>
+          <p:cNvSpPr>
+            <a:spLocks noGrp="1" noRot="1" noChangeAspect="1"/>
+          </p:cNvSpPr>
+          <p:nvPr>
+            <p:ph type="sldImg"/>
+          </p:nvPr>
+        </p:nvSpPr>
+        <p:spPr/>
+      </p:sp>
+      <p:sp>
+        <p:nvSpPr>
+          <p:cNvPr id="3" name="Symbol zastępczy notatek 2"/>
+          <p:cNvSpPr>
+            <a:spLocks noGrp="1"/>
+          </p:cNvSpPr>
+          <p:nvPr>
+            <p:ph type="body" idx="1"/>
+          </p:nvPr>
+        </p:nvSpPr>
+        <p:spPr/>
+        <p:txBody>
+          <a:bodyPr/>
+          <a:lstStyle/>
+          <a:p>
+            <a:r>
+              <a:rPr lang="pl-PL" dirty="0"/>
+              <a:t>Metody </a:t>
+            </a:r>
+            <a:r>
+              <a:rPr lang="pl-PL" dirty="0" err="1"/>
+              <a:t>uwierzytlenienia</a:t>
+            </a:r>
+            <a:endParaRPr lang="pl-PL" dirty="0"/>
+          </a:p>
+        </p:txBody>
+      </p:sp>
+    </p:spTree>
+    <p:extLst>
+      <p:ext uri="{BB962C8B-B14F-4D97-AF65-F5344CB8AC3E}">
+        <p14:creationId xmlns:p14="http://schemas.microsoft.com/office/powerpoint/2010/main" val="3094096632"/>
+      </p:ext>
+    </p:extLst>
+  </p:cSld>
+  <p:clrMapOvr>
+    <a:masterClrMapping/>
+  </p:clrMapOvr>
+</p:notes>
+</file>
+
+<file path=ppt/notesSlides/notesSlide3.xml><?xml version="1.0" encoding="utf-8"?>
+<p:notes xmlns:a="http://schemas.openxmlformats.org/drawingml/2006/main" xmlns:r="http://schemas.openxmlformats.org/officeDocument/2006/relationships" xmlns:p="http://schemas.openxmlformats.org/presentationml/2006/main">
+  <p:cSld>
+    <p:spTree>
+      <p:nvGrpSpPr>
+        <p:cNvPr id="1" name=""/>
+        <p:cNvGrpSpPr/>
+        <p:nvPr/>
+      </p:nvGrpSpPr>
+      <p:grpSpPr>
+        <a:xfrm>
+          <a:off x="0" y="0"/>
+          <a:ext cx="0" cy="0"/>
+          <a:chOff x="0" y="0"/>
+          <a:chExt cx="0" cy="0"/>
+        </a:xfrm>
+      </p:grpSpPr>
+      <p:sp>
+        <p:nvSpPr>
+          <p:cNvPr id="2" name="Symbol zastępczy obrazu slajdu 1"/>
+          <p:cNvSpPr>
+            <a:spLocks noGrp="1" noRot="1" noChangeAspect="1"/>
+          </p:cNvSpPr>
+          <p:nvPr>
+            <p:ph type="sldImg"/>
+          </p:nvPr>
+        </p:nvSpPr>
+        <p:spPr/>
+      </p:sp>
+      <p:sp>
+        <p:nvSpPr>
+          <p:cNvPr id="3" name="Symbol zastępczy notatek 2"/>
+          <p:cNvSpPr>
+            <a:spLocks noGrp="1"/>
+          </p:cNvSpPr>
+          <p:nvPr>
+            <p:ph type="body" idx="1"/>
+          </p:nvPr>
+        </p:nvSpPr>
+        <p:spPr/>
+        <p:txBody>
+          <a:bodyPr/>
+          <a:lstStyle/>
+          <a:p>
+            <a:endParaRPr lang="pl-PL" dirty="0"/>
+          </a:p>
+        </p:txBody>
+      </p:sp>
+    </p:spTree>
+    <p:extLst>
+      <p:ext uri="{BB962C8B-B14F-4D97-AF65-F5344CB8AC3E}">
+        <p14:creationId xmlns:p14="http://schemas.microsoft.com/office/powerpoint/2010/main" val="623506379"/>
+      </p:ext>
+    </p:extLst>
+  </p:cSld>
+  <p:clrMapOvr>
+    <a:masterClrMapping/>
+  </p:clrMapOvr>
+</p:notes>
+</file>
+
+<file path=ppt/notesSlides/notesSlide4.xml><?xml version="1.0" encoding="utf-8"?>
+<p:notes xmlns:a="http://schemas.openxmlformats.org/drawingml/2006/main" xmlns:r="http://schemas.openxmlformats.org/officeDocument/2006/relationships" xmlns:p="http://schemas.openxmlformats.org/presentationml/2006/main">
+  <p:cSld>
+    <p:spTree>
+      <p:nvGrpSpPr>
+        <p:cNvPr id="1" name=""/>
+        <p:cNvGrpSpPr/>
+        <p:nvPr/>
+      </p:nvGrpSpPr>
+      <p:grpSpPr>
+        <a:xfrm>
+          <a:off x="0" y="0"/>
+          <a:ext cx="0" cy="0"/>
+          <a:chOff x="0" y="0"/>
+          <a:chExt cx="0" cy="0"/>
+        </a:xfrm>
+      </p:grpSpPr>
+      <p:sp>
+        <p:nvSpPr>
+          <p:cNvPr id="2" name="Symbol zastępczy obrazu slajdu 1"/>
+          <p:cNvSpPr>
+            <a:spLocks noGrp="1" noRot="1" noChangeAspect="1"/>
+          </p:cNvSpPr>
+          <p:nvPr>
+            <p:ph type="sldImg"/>
+          </p:nvPr>
+        </p:nvSpPr>
+        <p:spPr/>
+      </p:sp>
+      <p:sp>
+        <p:nvSpPr>
+          <p:cNvPr id="3" name="Symbol zastępczy notatek 2"/>
+          <p:cNvSpPr>
+            <a:spLocks noGrp="1"/>
+          </p:cNvSpPr>
+          <p:nvPr>
+            <p:ph type="body" idx="1"/>
+          </p:nvPr>
+        </p:nvSpPr>
+        <p:spPr/>
+        <p:txBody>
+          <a:bodyPr/>
+          <a:lstStyle/>
+          <a:p>
+            <a:pPr marL="0" marR="0" lvl="0" indent="0" algn="l" defTabSz="914400" rtl="0" eaLnBrk="0" fontAlgn="base" latinLnBrk="0" hangingPunct="0">
+              <a:lnSpc>
+                <a:spcPct val="100000"/>
+              </a:lnSpc>
+              <a:spcBef>
+                <a:spcPct val="0"/>
+              </a:spcBef>
+              <a:spcAft>
+                <a:spcPct val="0"/>
+              </a:spcAft>
+              <a:buClrTx/>
+              <a:buSzTx/>
+              <a:buFontTx/>
+              <a:buNone/>
+              <a:tabLst/>
+              <a:defRPr/>
+            </a:pPr>
+            <a:r>
+              <a:rPr lang="pl-PL" dirty="0"/>
+              <a:t>Jak </a:t>
+            </a:r>
+            <a:r>
+              <a:rPr lang="pl-PL" dirty="0" err="1"/>
+              <a:t>włączyc</a:t>
+            </a:r>
+            <a:endParaRPr lang="pl-PL" dirty="0"/>
+          </a:p>
+          <a:p>
+            <a:endParaRPr lang="pl-PL" dirty="0"/>
+          </a:p>
+        </p:txBody>
+      </p:sp>
+    </p:spTree>
+    <p:extLst>
+      <p:ext uri="{BB962C8B-B14F-4D97-AF65-F5344CB8AC3E}">
+        <p14:creationId xmlns:p14="http://schemas.microsoft.com/office/powerpoint/2010/main" val="541541051"/>
+      </p:ext>
+    </p:extLst>
+  </p:cSld>
+  <p:clrMapOvr>
+    <a:masterClrMapping/>
+  </p:clrMapOvr>
+</p:notes>
+</file>
+
+<file path=ppt/notesSlides/notesSlide5.xml><?xml version="1.0" encoding="utf-8"?>
+<p:notes xmlns:a="http://schemas.openxmlformats.org/drawingml/2006/main" xmlns:r="http://schemas.openxmlformats.org/officeDocument/2006/relationships" xmlns:p="http://schemas.openxmlformats.org/presentationml/2006/main">
+  <p:cSld>
+    <p:spTree>
+      <p:nvGrpSpPr>
+        <p:cNvPr id="1" name=""/>
+        <p:cNvGrpSpPr/>
+        <p:nvPr/>
+      </p:nvGrpSpPr>
+      <p:grpSpPr>
+        <a:xfrm>
+          <a:off x="0" y="0"/>
+          <a:ext cx="0" cy="0"/>
+          <a:chOff x="0" y="0"/>
+          <a:chExt cx="0" cy="0"/>
+        </a:xfrm>
+      </p:grpSpPr>
+      <p:sp>
+        <p:nvSpPr>
+          <p:cNvPr id="2" name="Symbol zastępczy obrazu slajdu 1"/>
+          <p:cNvSpPr>
+            <a:spLocks noGrp="1" noRot="1" noChangeAspect="1"/>
+          </p:cNvSpPr>
+          <p:nvPr>
+            <p:ph type="sldImg"/>
+          </p:nvPr>
+        </p:nvSpPr>
+        <p:spPr/>
+      </p:sp>
+      <p:sp>
+        <p:nvSpPr>
+          <p:cNvPr id="3" name="Symbol zastępczy notatek 2"/>
+          <p:cNvSpPr>
+            <a:spLocks noGrp="1"/>
+          </p:cNvSpPr>
+          <p:nvPr>
+            <p:ph type="body" idx="1"/>
+          </p:nvPr>
+        </p:nvSpPr>
+        <p:spPr/>
+        <p:txBody>
+          <a:bodyPr/>
+          <a:lstStyle/>
+          <a:p>
+            <a:r>
+              <a:rPr lang="pl-PL" dirty="0"/>
+              <a:t>Dlaczego jest </a:t>
+            </a:r>
+            <a:r>
+              <a:rPr lang="pl-PL" dirty="0" err="1"/>
+              <a:t>wazne</a:t>
+            </a:r>
+            <a:endParaRPr lang="pl-PL" dirty="0"/>
+          </a:p>
+        </p:txBody>
+      </p:sp>
+    </p:spTree>
+    <p:extLst>
+      <p:ext uri="{BB962C8B-B14F-4D97-AF65-F5344CB8AC3E}">
+        <p14:creationId xmlns:p14="http://schemas.microsoft.com/office/powerpoint/2010/main" val="4141707813"/>
+      </p:ext>
+    </p:extLst>
+  </p:cSld>
+  <p:clrMapOvr>
+    <a:masterClrMapping/>
+  </p:clrMapOvr>
+</p:notes>
+</file>
+
+<file path=ppt/notesSlides/notesSlide6.xml><?xml version="1.0" encoding="utf-8"?>
+<p:notes xmlns:a="http://schemas.openxmlformats.org/drawingml/2006/main" xmlns:r="http://schemas.openxmlformats.org/officeDocument/2006/relationships" xmlns:p="http://schemas.openxmlformats.org/presentationml/2006/main">
+  <p:cSld>
+    <p:spTree>
+      <p:nvGrpSpPr>
+        <p:cNvPr id="1" name=""/>
+        <p:cNvGrpSpPr/>
+        <p:nvPr/>
+      </p:nvGrpSpPr>
+      <p:grpSpPr>
+        <a:xfrm>
+          <a:off x="0" y="0"/>
+          <a:ext cx="0" cy="0"/>
+          <a:chOff x="0" y="0"/>
+          <a:chExt cx="0" cy="0"/>
+        </a:xfrm>
+      </p:grpSpPr>
+      <p:sp>
+        <p:nvSpPr>
+          <p:cNvPr id="2" name="Symbol zastępczy obrazu slajdu 1"/>
+          <p:cNvSpPr>
+            <a:spLocks noGrp="1" noRot="1" noChangeAspect="1"/>
+          </p:cNvSpPr>
+          <p:nvPr>
+            <p:ph type="sldImg"/>
+          </p:nvPr>
+        </p:nvSpPr>
+        <p:spPr/>
+      </p:sp>
+      <p:sp>
+        <p:nvSpPr>
+          <p:cNvPr id="3" name="Symbol zastępczy notatek 2"/>
+          <p:cNvSpPr>
+            <a:spLocks noGrp="1"/>
+          </p:cNvSpPr>
+          <p:nvPr>
+            <p:ph type="body" idx="1"/>
+          </p:nvPr>
+        </p:nvSpPr>
+        <p:spPr/>
+        <p:txBody>
+          <a:bodyPr/>
+          <a:lstStyle/>
+          <a:p>
+            <a:r>
+              <a:rPr lang="pl-PL" dirty="0"/>
+              <a:t>ciekawostki</a:t>
+            </a:r>
+          </a:p>
+        </p:txBody>
+      </p:sp>
+    </p:spTree>
+    <p:extLst>
+      <p:ext uri="{BB962C8B-B14F-4D97-AF65-F5344CB8AC3E}">
+        <p14:creationId xmlns:p14="http://schemas.microsoft.com/office/powerpoint/2010/main" val="2551897660"/>
+      </p:ext>
+    </p:extLst>
+  </p:cSld>
+  <p:clrMapOvr>
+    <a:masterClrMapping/>
+  </p:clrMapOvr>
+</p:notes>
+</file>
+
+<file path=ppt/notesSlides/notesSlide7.xml><?xml version="1.0" encoding="utf-8"?>
+<p:notes xmlns:a="http://schemas.openxmlformats.org/drawingml/2006/main" xmlns:r="http://schemas.openxmlformats.org/officeDocument/2006/relationships" xmlns:p="http://schemas.openxmlformats.org/presentationml/2006/main">
+  <p:cSld>
+    <p:spTree>
+      <p:nvGrpSpPr>
+        <p:cNvPr id="1" name=""/>
+        <p:cNvGrpSpPr/>
+        <p:nvPr/>
+      </p:nvGrpSpPr>
+      <p:grpSpPr>
+        <a:xfrm>
+          <a:off x="0" y="0"/>
+          <a:ext cx="0" cy="0"/>
+          <a:chOff x="0" y="0"/>
+          <a:chExt cx="0" cy="0"/>
+        </a:xfrm>
+      </p:grpSpPr>
+      <p:sp>
+        <p:nvSpPr>
+          <p:cNvPr id="2" name="Symbol zastępczy obrazu slajdu 1"/>
+          <p:cNvSpPr>
+            <a:spLocks noGrp="1" noRot="1" noChangeAspect="1"/>
+          </p:cNvSpPr>
+          <p:nvPr>
+            <p:ph type="sldImg"/>
+          </p:nvPr>
+        </p:nvSpPr>
+        <p:spPr/>
+      </p:sp>
+      <p:sp>
+        <p:nvSpPr>
+          <p:cNvPr id="3" name="Symbol zastępczy notatek 2"/>
+          <p:cNvSpPr>
+            <a:spLocks noGrp="1"/>
+          </p:cNvSpPr>
+          <p:nvPr>
+            <p:ph type="body" idx="1"/>
+          </p:nvPr>
+        </p:nvSpPr>
+        <p:spPr/>
+        <p:txBody>
+          <a:bodyPr/>
+          <a:lstStyle/>
+          <a:p>
+            <a:r>
+              <a:rPr lang="pl-PL" dirty="0"/>
+              <a:t>Ciekawostki- zero trust</a:t>
+            </a:r>
+          </a:p>
+        </p:txBody>
+      </p:sp>
+    </p:spTree>
+    <p:extLst>
+      <p:ext uri="{BB962C8B-B14F-4D97-AF65-F5344CB8AC3E}">
+        <p14:creationId xmlns:p14="http://schemas.microsoft.com/office/powerpoint/2010/main" val="2720822182"/>
+      </p:ext>
+    </p:extLst>
+  </p:cSld>
+  <p:clrMapOvr>
+    <a:masterClrMapping/>
+  </p:clrMapOvr>
+</p:notes>
+</file>
+
+<file path=ppt/notesSlides/notesSlide8.xml><?xml version="1.0" encoding="utf-8"?>
+<p:notes xmlns:a="http://schemas.openxmlformats.org/drawingml/2006/main" xmlns:r="http://schemas.openxmlformats.org/officeDocument/2006/relationships" xmlns:p="http://schemas.openxmlformats.org/presentationml/2006/main">
+  <p:cSld>
+    <p:spTree>
+      <p:nvGrpSpPr>
+        <p:cNvPr id="1" name=""/>
+        <p:cNvGrpSpPr/>
+        <p:nvPr/>
+      </p:nvGrpSpPr>
+      <p:grpSpPr>
+        <a:xfrm>
+          <a:off x="0" y="0"/>
+          <a:ext cx="0" cy="0"/>
+          <a:chOff x="0" y="0"/>
+          <a:chExt cx="0" cy="0"/>
+        </a:xfrm>
+      </p:grpSpPr>
+      <p:sp>
+        <p:nvSpPr>
+          <p:cNvPr id="2" name="Symbol zastępczy obrazu slajdu 1"/>
+          <p:cNvSpPr>
+            <a:spLocks noGrp="1" noRot="1" noChangeAspect="1"/>
+          </p:cNvSpPr>
+          <p:nvPr>
+            <p:ph type="sldImg"/>
+          </p:nvPr>
+        </p:nvSpPr>
+        <p:spPr/>
+      </p:sp>
+      <p:sp>
+        <p:nvSpPr>
+          <p:cNvPr id="3" name="Symbol zastępczy notatek 2"/>
+          <p:cNvSpPr>
+            <a:spLocks noGrp="1"/>
+          </p:cNvSpPr>
+          <p:nvPr>
+            <p:ph type="body" idx="1"/>
+          </p:nvPr>
+        </p:nvSpPr>
+        <p:spPr/>
+        <p:txBody>
+          <a:bodyPr/>
+          <a:lstStyle/>
+          <a:p>
+            <a:r>
+              <a:rPr lang="pl-PL" dirty="0"/>
+              <a:t>sponsor</a:t>
+            </a:r>
+          </a:p>
+        </p:txBody>
+      </p:sp>
+    </p:spTree>
+    <p:extLst>
+      <p:ext uri="{BB962C8B-B14F-4D97-AF65-F5344CB8AC3E}">
+        <p14:creationId xmlns:p14="http://schemas.microsoft.com/office/powerpoint/2010/main" val="3361401575"/>
+      </p:ext>
+    </p:extLst>
+  </p:cSld>
+  <p:clrMapOvr>
+    <a:masterClrMapping/>
+  </p:clrMapOvr>
+</p:notes>
+</file>
+
+<file path=ppt/notesSlides/notesSlide9.xml><?xml version="1.0" encoding="utf-8"?>
+<p:notes xmlns:a="http://schemas.openxmlformats.org/drawingml/2006/main" xmlns:r="http://schemas.openxmlformats.org/officeDocument/2006/relationships" xmlns:p="http://schemas.openxmlformats.org/presentationml/2006/main">
+  <p:cSld>
+    <p:spTree>
+      <p:nvGrpSpPr>
+        <p:cNvPr id="1" name=""/>
+        <p:cNvGrpSpPr/>
+        <p:nvPr/>
+      </p:nvGrpSpPr>
+      <p:grpSpPr>
+        <a:xfrm>
+          <a:off x="0" y="0"/>
+          <a:ext cx="0" cy="0"/>
+          <a:chOff x="0" y="0"/>
+          <a:chExt cx="0" cy="0"/>
+        </a:xfrm>
+      </p:grpSpPr>
+      <p:sp>
+        <p:nvSpPr>
+          <p:cNvPr id="2" name="Symbol zastępczy obrazu slajdu 1"/>
+          <p:cNvSpPr>
+            <a:spLocks noGrp="1" noRot="1" noChangeAspect="1"/>
+          </p:cNvSpPr>
+          <p:nvPr>
+            <p:ph type="sldImg"/>
+          </p:nvPr>
+        </p:nvSpPr>
+        <p:spPr/>
+      </p:sp>
+      <p:sp>
+        <p:nvSpPr>
+          <p:cNvPr id="3" name="Symbol zastępczy notatek 2"/>
+          <p:cNvSpPr>
+            <a:spLocks noGrp="1"/>
+          </p:cNvSpPr>
+          <p:nvPr>
+            <p:ph type="body" idx="1"/>
+          </p:nvPr>
+        </p:nvSpPr>
+        <p:spPr/>
+        <p:txBody>
+          <a:bodyPr/>
+          <a:lstStyle/>
+          <a:p>
+            <a:endParaRPr lang="pl-PL" dirty="0"/>
+          </a:p>
+        </p:txBody>
+      </p:sp>
+    </p:spTree>
+    <p:extLst>
+      <p:ext uri="{BB962C8B-B14F-4D97-AF65-F5344CB8AC3E}">
+        <p14:creationId xmlns:p14="http://schemas.microsoft.com/office/powerpoint/2010/main" val="1508991769"/>
+      </p:ext>
+    </p:extLst>
+  </p:cSld>
+  <p:clrMapOvr>
+    <a:masterClrMapping/>
+  </p:clrMapOvr>
+</p:notes>
 </file>
 
 <file path=ppt/slideLayouts/slideLayout1.xml><?xml version="1.0" encoding="utf-8"?>
@@ -7947,7 +8661,7 @@
           <p:cNvPr id="2" name="Tytuł 1">
             <a:extLst>
               <a:ext uri="{FF2B5EF4-FFF2-40B4-BE49-F238E27FC236}">
-                <a16:creationId xmlns:a16="http://schemas.microsoft.com/office/drawing/2014/main" id="{5FDB1C52-171F-7AAD-5D38-EAB9E8F463FA}"/>
+                <a16:creationId xmlns:a16="http://schemas.microsoft.com/office/drawing/2014/main" id="{519B5AC8-8FAB-0DFD-1246-3F27E8BA5485}"/>
               </a:ext>
             </a:extLst>
           </p:cNvPr>
@@ -7963,28 +8677,26 @@
           <a:bodyPr/>
           <a:lstStyle/>
           <a:p>
-            <a:endParaRPr lang="pl-PL"/>
+            <a:endParaRPr lang="pl-PL" dirty="0"/>
           </a:p>
         </p:txBody>
       </p:sp>
       <p:pic>
         <p:nvPicPr>
-          <p:cNvPr id="5" name="Symbol zastępczy zawartości 4">
+          <p:cNvPr id="6" name="Symbol zastępczy zawartości 4" descr="Obraz zawierający tekst&#10;&#10;Opis wygenerowany automatycznie">
             <a:extLst>
               <a:ext uri="{FF2B5EF4-FFF2-40B4-BE49-F238E27FC236}">
-                <a16:creationId xmlns:a16="http://schemas.microsoft.com/office/drawing/2014/main" id="{B04CB9F6-1B91-256B-108D-B4020095D0A5}"/>
+                <a16:creationId xmlns:a16="http://schemas.microsoft.com/office/drawing/2014/main" id="{9D65F0C9-BD1E-1D37-D063-A68655CBD129}"/>
               </a:ext>
             </a:extLst>
           </p:cNvPr>
           <p:cNvPicPr>
-            <a:picLocks noGrp="1" noChangeAspect="1"/>
+            <a:picLocks noChangeAspect="1"/>
           </p:cNvPicPr>
-          <p:nvPr>
-            <p:ph idx="1"/>
-          </p:nvPr>
+          <p:nvPr/>
         </p:nvPicPr>
         <p:blipFill>
-          <a:blip r:embed="rId2">
+          <a:blip r:embed="rId3">
             <a:extLst>
               <a:ext uri="{28A0092B-C50C-407E-A947-70E740481C1C}">
                 <a14:useLocalDpi xmlns:a14="http://schemas.microsoft.com/office/drawing/2010/main" val="0"/>
@@ -7997,15 +8709,53 @@
         </p:blipFill>
         <p:spPr>
           <a:xfrm>
-            <a:off x="1268701" y="2011363"/>
-            <a:ext cx="10896022" cy="4794250"/>
+            <a:off x="6356672" y="2770138"/>
+            <a:ext cx="7657654" cy="4138019"/>
+          </a:xfrm>
+          <a:prstGeom prst="rect">
+            <a:avLst/>
+          </a:prstGeom>
+        </p:spPr>
+      </p:pic>
+      <p:pic>
+        <p:nvPicPr>
+          <p:cNvPr id="9" name="Symbol zastępczy zawartości 4" descr="Obraz zawierający tekst&#10;&#10;Opis wygenerowany automatycznie">
+            <a:extLst>
+              <a:ext uri="{FF2B5EF4-FFF2-40B4-BE49-F238E27FC236}">
+                <a16:creationId xmlns:a16="http://schemas.microsoft.com/office/drawing/2014/main" id="{3A3EC0E0-7031-2AE8-F544-9DC08D745C55}"/>
+              </a:ext>
+            </a:extLst>
+          </p:cNvPr>
+          <p:cNvPicPr>
+            <a:picLocks noGrp="1" noChangeAspect="1"/>
+          </p:cNvPicPr>
+          <p:nvPr>
+            <p:ph idx="1"/>
+          </p:nvPr>
+        </p:nvPicPr>
+        <p:blipFill>
+          <a:blip r:embed="rId4">
+            <a:extLst>
+              <a:ext uri="{28A0092B-C50C-407E-A947-70E740481C1C}">
+                <a14:useLocalDpi xmlns:a14="http://schemas.microsoft.com/office/drawing/2010/main" val="0"/>
+              </a:ext>
+            </a:extLst>
+          </a:blip>
+          <a:stretch>
+            <a:fillRect/>
+          </a:stretch>
+        </p:blipFill>
+        <p:spPr>
+          <a:xfrm>
+            <a:off x="91976" y="175121"/>
+            <a:ext cx="6988146" cy="4138019"/>
           </a:xfrm>
         </p:spPr>
       </p:pic>
     </p:spTree>
     <p:extLst>
       <p:ext uri="{BB962C8B-B14F-4D97-AF65-F5344CB8AC3E}">
-        <p14:creationId xmlns:p14="http://schemas.microsoft.com/office/powerpoint/2010/main" val="1849806898"/>
+        <p14:creationId xmlns:p14="http://schemas.microsoft.com/office/powerpoint/2010/main" val="1957411199"/>
       </p:ext>
     </p:extLst>
   </p:cSld>
@@ -8037,7 +8787,7 @@
           <p:cNvPr id="2" name="Tytuł 1">
             <a:extLst>
               <a:ext uri="{FF2B5EF4-FFF2-40B4-BE49-F238E27FC236}">
-                <a16:creationId xmlns:a16="http://schemas.microsoft.com/office/drawing/2014/main" id="{7B4CE545-BD81-78FD-0BDC-43BE84E1E39B}"/>
+                <a16:creationId xmlns:a16="http://schemas.microsoft.com/office/drawing/2014/main" id="{FCFA466A-CF2C-0B55-9F96-7EFDDF1C6872}"/>
               </a:ext>
             </a:extLst>
           </p:cNvPr>
@@ -8062,7 +8812,7 @@
           <p:cNvPr id="5" name="Symbol zastępczy zawartości 4">
             <a:extLst>
               <a:ext uri="{FF2B5EF4-FFF2-40B4-BE49-F238E27FC236}">
-                <a16:creationId xmlns:a16="http://schemas.microsoft.com/office/drawing/2014/main" id="{7588E476-A07F-68D4-5FA3-9F6833A7E2DE}"/>
+                <a16:creationId xmlns:a16="http://schemas.microsoft.com/office/drawing/2014/main" id="{A1D77E8E-33D8-D33D-36B0-9BE16E9B1FB0}"/>
               </a:ext>
             </a:extLst>
           </p:cNvPr>
@@ -8074,7 +8824,7 @@
           </p:nvPr>
         </p:nvPicPr>
         <p:blipFill>
-          <a:blip r:embed="rId2">
+          <a:blip r:embed="rId3">
             <a:extLst>
               <a:ext uri="{28A0092B-C50C-407E-A947-70E740481C1C}">
                 <a14:useLocalDpi xmlns:a14="http://schemas.microsoft.com/office/drawing/2010/main" val="0"/>
@@ -8087,15 +8837,51 @@
         </p:blipFill>
         <p:spPr>
           <a:xfrm>
-            <a:off x="3260328" y="1381125"/>
-            <a:ext cx="6494673" cy="4794250"/>
+            <a:off x="812056" y="1835915"/>
+            <a:ext cx="11585575" cy="4609644"/>
           </a:xfrm>
         </p:spPr>
       </p:pic>
+      <p:sp>
+        <p:nvSpPr>
+          <p:cNvPr id="4" name="pole tekstowe 3">
+            <a:extLst>
+              <a:ext uri="{FF2B5EF4-FFF2-40B4-BE49-F238E27FC236}">
+                <a16:creationId xmlns:a16="http://schemas.microsoft.com/office/drawing/2014/main" id="{EFBD0440-99AD-2D45-32B9-63FFB11CE576}"/>
+              </a:ext>
+            </a:extLst>
+          </p:cNvPr>
+          <p:cNvSpPr txBox="1"/>
+          <p:nvPr/>
+        </p:nvSpPr>
+        <p:spPr>
+          <a:xfrm>
+            <a:off x="0" y="-2262157"/>
+            <a:ext cx="0" cy="4524315"/>
+          </a:xfrm>
+          <a:prstGeom prst="rect">
+            <a:avLst/>
+          </a:prstGeom>
+          <a:noFill/>
+        </p:spPr>
+        <p:txBody>
+          <a:bodyPr wrap="square">
+            <a:spAutoFit/>
+          </a:bodyPr>
+          <a:lstStyle/>
+          <a:p>
+            <a:r>
+              <a:rPr lang="pl-PL"/>
+              <a:t>bibliografia</a:t>
+            </a:r>
+            <a:endParaRPr lang="pl-PL" dirty="0"/>
+          </a:p>
+        </p:txBody>
+      </p:sp>
     </p:spTree>
     <p:extLst>
       <p:ext uri="{BB962C8B-B14F-4D97-AF65-F5344CB8AC3E}">
-        <p14:creationId xmlns:p14="http://schemas.microsoft.com/office/powerpoint/2010/main" val="1167750770"/>
+        <p14:creationId xmlns:p14="http://schemas.microsoft.com/office/powerpoint/2010/main" val="379318016"/>
       </p:ext>
     </p:extLst>
   </p:cSld>
@@ -8403,7 +9189,7 @@
           <p:nvPr/>
         </p:nvPicPr>
         <p:blipFill>
-          <a:blip r:embed="rId2">
+          <a:blip r:embed="rId3">
             <a:extLst>
               <a:ext uri="{28A0092B-C50C-407E-A947-70E740481C1C}">
                 <a14:useLocalDpi xmlns:a14="http://schemas.microsoft.com/office/drawing/2010/main" val="0"/>
@@ -8427,7 +9213,7 @@
       <p:sp>
         <p:nvSpPr>
           <p:cNvPr id="5122" name="Prostokąt 2">
-            <a:hlinkClick r:id="rId3"/>
+            <a:hlinkClick r:id="rId4"/>
             <a:extLst>
               <a:ext uri="{FF2B5EF4-FFF2-40B4-BE49-F238E27FC236}">
                 <a16:creationId xmlns:a16="http://schemas.microsoft.com/office/drawing/2014/main" id="{E21F1E84-10CB-9916-000C-20A7DE60AC99}"/>
@@ -8628,7 +9414,496 @@
           <p:cNvPr id="2" name="Tytuł 1">
             <a:extLst>
               <a:ext uri="{FF2B5EF4-FFF2-40B4-BE49-F238E27FC236}">
-                <a16:creationId xmlns:a16="http://schemas.microsoft.com/office/drawing/2014/main" id="{355C21CF-E344-6B67-6C6E-3BC201223925}"/>
+                <a16:creationId xmlns:a16="http://schemas.microsoft.com/office/drawing/2014/main" id="{00D4D527-9E0B-2192-381D-8285D3BCECCE}"/>
+              </a:ext>
+            </a:extLst>
+          </p:cNvPr>
+          <p:cNvSpPr>
+            <a:spLocks noGrp="1"/>
+          </p:cNvSpPr>
+          <p:nvPr>
+            <p:ph type="title"/>
+          </p:nvPr>
+        </p:nvSpPr>
+        <p:spPr/>
+        <p:txBody>
+          <a:bodyPr/>
+          <a:lstStyle/>
+          <a:p>
+            <a:endParaRPr lang="pl-PL"/>
+          </a:p>
+        </p:txBody>
+      </p:sp>
+      <p:sp>
+        <p:nvSpPr>
+          <p:cNvPr id="4" name="Rectangle 1">
+            <a:extLst>
+              <a:ext uri="{FF2B5EF4-FFF2-40B4-BE49-F238E27FC236}">
+                <a16:creationId xmlns:a16="http://schemas.microsoft.com/office/drawing/2014/main" id="{2991DB30-85CD-E8A3-5249-B8BEF08CE1D5}"/>
+              </a:ext>
+            </a:extLst>
+          </p:cNvPr>
+          <p:cNvSpPr>
+            <a:spLocks noGrp="1" noChangeArrowheads="1"/>
+          </p:cNvSpPr>
+          <p:nvPr>
+            <p:ph idx="1"/>
+          </p:nvPr>
+        </p:nvSpPr>
+        <p:spPr bwMode="auto">
+          <a:xfrm>
+            <a:off x="812056" y="3058170"/>
+            <a:ext cx="9177163" cy="1569660"/>
+          </a:xfrm>
+          <a:prstGeom prst="rect">
+            <a:avLst/>
+          </a:prstGeom>
+          <a:noFill/>
+          <a:ln>
+            <a:noFill/>
+          </a:ln>
+          <a:effectLst/>
+          <a:extLst>
+            <a:ext uri="{909E8E84-426E-40DD-AFC4-6F175D3DCCD1}">
+              <a14:hiddenFill xmlns:a14="http://schemas.microsoft.com/office/drawing/2010/main">
+                <a:solidFill>
+                  <a:schemeClr val="accent1"/>
+                </a:solidFill>
+              </a14:hiddenFill>
+            </a:ext>
+            <a:ext uri="{91240B29-F687-4F45-9708-019B960494DF}">
+              <a14:hiddenLine xmlns:a14="http://schemas.microsoft.com/office/drawing/2010/main" w="9525">
+                <a:solidFill>
+                  <a:schemeClr val="tx1"/>
+                </a:solidFill>
+                <a:miter lim="800000"/>
+                <a:headEnd/>
+                <a:tailEnd/>
+              </a14:hiddenLine>
+            </a:ext>
+            <a:ext uri="{AF507438-7753-43E0-B8FC-AC1667EBCBE1}">
+              <a14:hiddenEffects xmlns:a14="http://schemas.microsoft.com/office/drawing/2010/main">
+                <a:effectLst>
+                  <a:outerShdw dist="35921" dir="2700000" algn="ctr" rotWithShape="0">
+                    <a:schemeClr val="bg2"/>
+                  </a:outerShdw>
+                </a:effectLst>
+              </a14:hiddenEffects>
+            </a:ext>
+          </a:extLst>
+        </p:spPr>
+        <p:txBody>
+          <a:bodyPr vert="horz" wrap="square" lIns="91440" tIns="45720" rIns="91440" bIns="45720" numCol="1" anchor="ctr" anchorCtr="0" compatLnSpc="1">
+            <a:prstTxWarp prst="textNoShape">
+              <a:avLst/>
+            </a:prstTxWarp>
+            <a:spAutoFit/>
+          </a:bodyPr>
+          <a:lstStyle/>
+          <a:p>
+            <a:pPr marL="0" marR="0" lvl="0" indent="0" algn="l" defTabSz="914400" rtl="0" eaLnBrk="0" fontAlgn="base" latinLnBrk="0" hangingPunct="0">
+              <a:lnSpc>
+                <a:spcPct val="100000"/>
+              </a:lnSpc>
+              <a:spcBef>
+                <a:spcPct val="0"/>
+              </a:spcBef>
+              <a:spcAft>
+                <a:spcPct val="0"/>
+              </a:spcAft>
+              <a:buClrTx/>
+              <a:buSzTx/>
+              <a:buFontTx/>
+              <a:buChar char="•"/>
+              <a:tabLst/>
+            </a:pPr>
+            <a:r>
+              <a:rPr kumimoji="0" lang="pl-PL" altLang="pl-PL" sz="3200" b="1" i="0" u="none" strike="noStrike" cap="none" normalizeH="0" baseline="0" dirty="0">
+                <a:ln>
+                  <a:noFill/>
+                </a:ln>
+                <a:solidFill>
+                  <a:schemeClr val="tx1"/>
+                </a:solidFill>
+                <a:effectLst/>
+                <a:latin typeface="Arial" panose="020B0604020202020204" pitchFamily="34" charset="0"/>
+              </a:rPr>
+              <a:t>coś co wiesz</a:t>
+            </a:r>
+            <a:r>
+              <a:rPr kumimoji="0" lang="pl-PL" altLang="pl-PL" sz="3200" b="0" i="0" u="none" strike="noStrike" cap="none" normalizeH="0" baseline="0" dirty="0">
+                <a:ln>
+                  <a:noFill/>
+                </a:ln>
+                <a:solidFill>
+                  <a:schemeClr val="tx1"/>
+                </a:solidFill>
+                <a:effectLst/>
+                <a:latin typeface="Arial" panose="020B0604020202020204" pitchFamily="34" charset="0"/>
+              </a:rPr>
+              <a:t> (</a:t>
+            </a:r>
+            <a:r>
+              <a:rPr kumimoji="0" lang="pl-PL" altLang="pl-PL" sz="3200" b="0" i="1" u="none" strike="noStrike" cap="none" normalizeH="0" baseline="0" dirty="0" err="1">
+                <a:ln>
+                  <a:noFill/>
+                </a:ln>
+                <a:solidFill>
+                  <a:schemeClr val="tx1"/>
+                </a:solidFill>
+                <a:effectLst/>
+                <a:latin typeface="Arial" panose="020B0604020202020204" pitchFamily="34" charset="0"/>
+              </a:rPr>
+              <a:t>something</a:t>
+            </a:r>
+            <a:r>
+              <a:rPr kumimoji="0" lang="pl-PL" altLang="pl-PL" sz="3200" b="0" i="1" u="none" strike="noStrike" cap="none" normalizeH="0" baseline="0" dirty="0">
+                <a:ln>
+                  <a:noFill/>
+                </a:ln>
+                <a:solidFill>
+                  <a:schemeClr val="tx1"/>
+                </a:solidFill>
+                <a:effectLst/>
+                <a:latin typeface="Arial" panose="020B0604020202020204" pitchFamily="34" charset="0"/>
+              </a:rPr>
+              <a:t> </a:t>
+            </a:r>
+            <a:r>
+              <a:rPr kumimoji="0" lang="pl-PL" altLang="pl-PL" sz="3200" b="0" i="1" u="none" strike="noStrike" cap="none" normalizeH="0" baseline="0" dirty="0" err="1">
+                <a:ln>
+                  <a:noFill/>
+                </a:ln>
+                <a:solidFill>
+                  <a:schemeClr val="tx1"/>
+                </a:solidFill>
+                <a:effectLst/>
+                <a:latin typeface="Arial" panose="020B0604020202020204" pitchFamily="34" charset="0"/>
+              </a:rPr>
+              <a:t>you</a:t>
+            </a:r>
+            <a:r>
+              <a:rPr kumimoji="0" lang="pl-PL" altLang="pl-PL" sz="3200" b="0" i="1" u="none" strike="noStrike" cap="none" normalizeH="0" baseline="0" dirty="0">
+                <a:ln>
+                  <a:noFill/>
+                </a:ln>
+                <a:solidFill>
+                  <a:schemeClr val="tx1"/>
+                </a:solidFill>
+                <a:effectLst/>
+                <a:latin typeface="Arial" panose="020B0604020202020204" pitchFamily="34" charset="0"/>
+              </a:rPr>
+              <a:t> </a:t>
+            </a:r>
+            <a:r>
+              <a:rPr kumimoji="0" lang="pl-PL" altLang="pl-PL" sz="3200" b="0" i="1" u="none" strike="noStrike" cap="none" normalizeH="0" baseline="0" dirty="0" err="1">
+                <a:ln>
+                  <a:noFill/>
+                </a:ln>
+                <a:solidFill>
+                  <a:schemeClr val="tx1"/>
+                </a:solidFill>
+                <a:effectLst/>
+                <a:latin typeface="Arial" panose="020B0604020202020204" pitchFamily="34" charset="0"/>
+              </a:rPr>
+              <a:t>know</a:t>
+            </a:r>
+            <a:r>
+              <a:rPr kumimoji="0" lang="pl-PL" altLang="pl-PL" sz="3200" b="0" i="0" u="none" strike="noStrike" cap="none" normalizeH="0" baseline="0" dirty="0">
+                <a:ln>
+                  <a:noFill/>
+                </a:ln>
+                <a:solidFill>
+                  <a:schemeClr val="tx1"/>
+                </a:solidFill>
+                <a:effectLst/>
+                <a:latin typeface="Arial" panose="020B0604020202020204" pitchFamily="34" charset="0"/>
+              </a:rPr>
+              <a:t>) </a:t>
+            </a:r>
+          </a:p>
+          <a:p>
+            <a:pPr marL="0" marR="0" lvl="0" indent="0" algn="l" defTabSz="914400" rtl="0" eaLnBrk="0" fontAlgn="base" latinLnBrk="0" hangingPunct="0">
+              <a:lnSpc>
+                <a:spcPct val="100000"/>
+              </a:lnSpc>
+              <a:spcBef>
+                <a:spcPct val="0"/>
+              </a:spcBef>
+              <a:spcAft>
+                <a:spcPct val="0"/>
+              </a:spcAft>
+              <a:buClrTx/>
+              <a:buSzTx/>
+              <a:buFontTx/>
+              <a:buChar char="•"/>
+              <a:tabLst/>
+            </a:pPr>
+            <a:r>
+              <a:rPr kumimoji="0" lang="pl-PL" altLang="pl-PL" sz="3200" b="1" i="0" u="none" strike="noStrike" cap="none" normalizeH="0" baseline="0" dirty="0">
+                <a:ln>
+                  <a:noFill/>
+                </a:ln>
+                <a:solidFill>
+                  <a:schemeClr val="tx1"/>
+                </a:solidFill>
+                <a:effectLst/>
+                <a:latin typeface="Arial" panose="020B0604020202020204" pitchFamily="34" charset="0"/>
+              </a:rPr>
+              <a:t>coś co masz</a:t>
+            </a:r>
+            <a:r>
+              <a:rPr kumimoji="0" lang="pl-PL" altLang="pl-PL" sz="3200" b="0" i="0" u="none" strike="noStrike" cap="none" normalizeH="0" baseline="0" dirty="0">
+                <a:ln>
+                  <a:noFill/>
+                </a:ln>
+                <a:solidFill>
+                  <a:schemeClr val="tx1"/>
+                </a:solidFill>
+                <a:effectLst/>
+                <a:latin typeface="Arial" panose="020B0604020202020204" pitchFamily="34" charset="0"/>
+              </a:rPr>
+              <a:t> (</a:t>
+            </a:r>
+            <a:r>
+              <a:rPr kumimoji="0" lang="pl-PL" altLang="pl-PL" sz="3200" b="0" i="1" u="none" strike="noStrike" cap="none" normalizeH="0" baseline="0" dirty="0" err="1">
+                <a:ln>
+                  <a:noFill/>
+                </a:ln>
+                <a:solidFill>
+                  <a:schemeClr val="tx1"/>
+                </a:solidFill>
+                <a:effectLst/>
+                <a:latin typeface="Arial" panose="020B0604020202020204" pitchFamily="34" charset="0"/>
+              </a:rPr>
+              <a:t>something</a:t>
+            </a:r>
+            <a:r>
+              <a:rPr kumimoji="0" lang="pl-PL" altLang="pl-PL" sz="3200" b="0" i="1" u="none" strike="noStrike" cap="none" normalizeH="0" baseline="0" dirty="0">
+                <a:ln>
+                  <a:noFill/>
+                </a:ln>
+                <a:solidFill>
+                  <a:schemeClr val="tx1"/>
+                </a:solidFill>
+                <a:effectLst/>
+                <a:latin typeface="Arial" panose="020B0604020202020204" pitchFamily="34" charset="0"/>
+              </a:rPr>
+              <a:t> </a:t>
+            </a:r>
+            <a:r>
+              <a:rPr kumimoji="0" lang="pl-PL" altLang="pl-PL" sz="3200" b="0" i="1" u="none" strike="noStrike" cap="none" normalizeH="0" baseline="0" dirty="0" err="1">
+                <a:ln>
+                  <a:noFill/>
+                </a:ln>
+                <a:solidFill>
+                  <a:schemeClr val="tx1"/>
+                </a:solidFill>
+                <a:effectLst/>
+                <a:latin typeface="Arial" panose="020B0604020202020204" pitchFamily="34" charset="0"/>
+              </a:rPr>
+              <a:t>you</a:t>
+            </a:r>
+            <a:r>
+              <a:rPr kumimoji="0" lang="pl-PL" altLang="pl-PL" sz="3200" b="0" i="1" u="none" strike="noStrike" cap="none" normalizeH="0" baseline="0" dirty="0">
+                <a:ln>
+                  <a:noFill/>
+                </a:ln>
+                <a:solidFill>
+                  <a:schemeClr val="tx1"/>
+                </a:solidFill>
+                <a:effectLst/>
+                <a:latin typeface="Arial" panose="020B0604020202020204" pitchFamily="34" charset="0"/>
+              </a:rPr>
+              <a:t> </a:t>
+            </a:r>
+            <a:r>
+              <a:rPr kumimoji="0" lang="pl-PL" altLang="pl-PL" sz="3200" b="0" i="1" u="none" strike="noStrike" cap="none" normalizeH="0" baseline="0" dirty="0" err="1">
+                <a:ln>
+                  <a:noFill/>
+                </a:ln>
+                <a:solidFill>
+                  <a:schemeClr val="tx1"/>
+                </a:solidFill>
+                <a:effectLst/>
+                <a:latin typeface="Arial" panose="020B0604020202020204" pitchFamily="34" charset="0"/>
+              </a:rPr>
+              <a:t>have</a:t>
+            </a:r>
+            <a:r>
+              <a:rPr kumimoji="0" lang="pl-PL" altLang="pl-PL" sz="3200" b="0" i="0" u="none" strike="noStrike" cap="none" normalizeH="0" baseline="0" dirty="0">
+                <a:ln>
+                  <a:noFill/>
+                </a:ln>
+                <a:solidFill>
+                  <a:schemeClr val="tx1"/>
+                </a:solidFill>
+                <a:effectLst/>
+                <a:latin typeface="Arial" panose="020B0604020202020204" pitchFamily="34" charset="0"/>
+              </a:rPr>
+              <a:t>) </a:t>
+            </a:r>
+          </a:p>
+          <a:p>
+            <a:pPr marL="0" marR="0" lvl="0" indent="0" algn="l" defTabSz="914400" rtl="0" eaLnBrk="0" fontAlgn="base" latinLnBrk="0" hangingPunct="0">
+              <a:lnSpc>
+                <a:spcPct val="100000"/>
+              </a:lnSpc>
+              <a:spcBef>
+                <a:spcPct val="0"/>
+              </a:spcBef>
+              <a:spcAft>
+                <a:spcPct val="0"/>
+              </a:spcAft>
+              <a:buClrTx/>
+              <a:buSzTx/>
+              <a:buFontTx/>
+              <a:buChar char="•"/>
+              <a:tabLst/>
+            </a:pPr>
+            <a:r>
+              <a:rPr kumimoji="0" lang="pl-PL" altLang="pl-PL" sz="3200" b="1" i="0" u="none" strike="noStrike" cap="none" normalizeH="0" baseline="0" dirty="0">
+                <a:ln>
+                  <a:noFill/>
+                </a:ln>
+                <a:solidFill>
+                  <a:schemeClr val="tx1"/>
+                </a:solidFill>
+                <a:effectLst/>
+                <a:latin typeface="Arial" panose="020B0604020202020204" pitchFamily="34" charset="0"/>
+              </a:rPr>
+              <a:t>coś czym jesteś</a:t>
+            </a:r>
+            <a:r>
+              <a:rPr kumimoji="0" lang="pl-PL" altLang="pl-PL" sz="3200" b="0" i="0" u="none" strike="noStrike" cap="none" normalizeH="0" baseline="0" dirty="0">
+                <a:ln>
+                  <a:noFill/>
+                </a:ln>
+                <a:solidFill>
+                  <a:schemeClr val="tx1"/>
+                </a:solidFill>
+                <a:effectLst/>
+                <a:latin typeface="Arial" panose="020B0604020202020204" pitchFamily="34" charset="0"/>
+              </a:rPr>
+              <a:t> (</a:t>
+            </a:r>
+            <a:r>
+              <a:rPr kumimoji="0" lang="pl-PL" altLang="pl-PL" sz="3200" b="0" i="1" u="none" strike="noStrike" cap="none" normalizeH="0" baseline="0" dirty="0" err="1">
+                <a:ln>
+                  <a:noFill/>
+                </a:ln>
+                <a:solidFill>
+                  <a:schemeClr val="tx1"/>
+                </a:solidFill>
+                <a:effectLst/>
+                <a:latin typeface="Arial" panose="020B0604020202020204" pitchFamily="34" charset="0"/>
+              </a:rPr>
+              <a:t>something</a:t>
+            </a:r>
+            <a:r>
+              <a:rPr kumimoji="0" lang="pl-PL" altLang="pl-PL" sz="3200" b="0" i="1" u="none" strike="noStrike" cap="none" normalizeH="0" baseline="0" dirty="0">
+                <a:ln>
+                  <a:noFill/>
+                </a:ln>
+                <a:solidFill>
+                  <a:schemeClr val="tx1"/>
+                </a:solidFill>
+                <a:effectLst/>
+                <a:latin typeface="Arial" panose="020B0604020202020204" pitchFamily="34" charset="0"/>
+              </a:rPr>
+              <a:t> </a:t>
+            </a:r>
+            <a:r>
+              <a:rPr kumimoji="0" lang="pl-PL" altLang="pl-PL" sz="3200" b="0" i="1" u="none" strike="noStrike" cap="none" normalizeH="0" baseline="0" dirty="0" err="1">
+                <a:ln>
+                  <a:noFill/>
+                </a:ln>
+                <a:solidFill>
+                  <a:schemeClr val="tx1"/>
+                </a:solidFill>
+                <a:effectLst/>
+                <a:latin typeface="Arial" panose="020B0604020202020204" pitchFamily="34" charset="0"/>
+              </a:rPr>
+              <a:t>you</a:t>
+            </a:r>
+            <a:r>
+              <a:rPr kumimoji="0" lang="pl-PL" altLang="pl-PL" sz="3200" b="0" i="1" u="none" strike="noStrike" cap="none" normalizeH="0" baseline="0" dirty="0">
+                <a:ln>
+                  <a:noFill/>
+                </a:ln>
+                <a:solidFill>
+                  <a:schemeClr val="tx1"/>
+                </a:solidFill>
+                <a:effectLst/>
+                <a:latin typeface="Arial" panose="020B0604020202020204" pitchFamily="34" charset="0"/>
+              </a:rPr>
+              <a:t> </a:t>
+            </a:r>
+            <a:r>
+              <a:rPr kumimoji="0" lang="pl-PL" altLang="pl-PL" sz="3200" b="0" i="1" u="none" strike="noStrike" cap="none" normalizeH="0" baseline="0" dirty="0" err="1">
+                <a:ln>
+                  <a:noFill/>
+                </a:ln>
+                <a:solidFill>
+                  <a:schemeClr val="tx1"/>
+                </a:solidFill>
+                <a:effectLst/>
+                <a:latin typeface="Arial" panose="020B0604020202020204" pitchFamily="34" charset="0"/>
+              </a:rPr>
+              <a:t>are</a:t>
+            </a:r>
+            <a:r>
+              <a:rPr kumimoji="0" lang="pl-PL" altLang="pl-PL" sz="3200" b="0" i="0" u="none" strike="noStrike" cap="none" normalizeH="0" baseline="0" dirty="0">
+                <a:ln>
+                  <a:noFill/>
+                </a:ln>
+                <a:solidFill>
+                  <a:schemeClr val="tx1"/>
+                </a:solidFill>
+                <a:effectLst/>
+                <a:latin typeface="Arial" panose="020B0604020202020204" pitchFamily="34" charset="0"/>
+              </a:rPr>
+              <a:t>) </a:t>
+            </a:r>
+          </a:p>
+        </p:txBody>
+      </p:sp>
+    </p:spTree>
+    <p:extLst>
+      <p:ext uri="{BB962C8B-B14F-4D97-AF65-F5344CB8AC3E}">
+        <p14:creationId xmlns:p14="http://schemas.microsoft.com/office/powerpoint/2010/main" val="2024676264"/>
+      </p:ext>
+    </p:extLst>
+  </p:cSld>
+  <p:clrMapOvr>
+    <a:masterClrMapping/>
+  </p:clrMapOvr>
+</p:sld>
+</file>
+
+<file path=ppt/slides/slide4.xml><?xml version="1.0" encoding="utf-8"?>
+<p:sld xmlns:a="http://schemas.openxmlformats.org/drawingml/2006/main" xmlns:r="http://schemas.openxmlformats.org/officeDocument/2006/relationships" xmlns:p="http://schemas.openxmlformats.org/presentationml/2006/main">
+  <p:cSld>
+    <p:spTree>
+      <p:nvGrpSpPr>
+        <p:cNvPr id="1" name=""/>
+        <p:cNvGrpSpPr/>
+        <p:nvPr/>
+      </p:nvGrpSpPr>
+      <p:grpSpPr>
+        <a:xfrm>
+          <a:off x="0" y="0"/>
+          <a:ext cx="0" cy="0"/>
+          <a:chOff x="0" y="0"/>
+          <a:chExt cx="0" cy="0"/>
+        </a:xfrm>
+      </p:grpSpPr>
+      <p:sp>
+        <p:nvSpPr>
+          <p:cNvPr id="2" name="Tytuł 1">
+            <a:extLst>
+              <a:ext uri="{FF2B5EF4-FFF2-40B4-BE49-F238E27FC236}">
+                <a16:creationId xmlns:a16="http://schemas.microsoft.com/office/drawing/2014/main" id="{475E67E3-5A43-1E18-ACAE-5FD625F73B0B}"/>
               </a:ext>
             </a:extLst>
           </p:cNvPr>
@@ -8653,7 +9928,7 @@
           <p:cNvPr id="5" name="Symbol zastępczy zawartości 4">
             <a:extLst>
               <a:ext uri="{FF2B5EF4-FFF2-40B4-BE49-F238E27FC236}">
-                <a16:creationId xmlns:a16="http://schemas.microsoft.com/office/drawing/2014/main" id="{D6591EF6-4B09-51F3-E041-20124B6DB0E7}"/>
+                <a16:creationId xmlns:a16="http://schemas.microsoft.com/office/drawing/2014/main" id="{C832382B-3EDA-AA5E-D185-57532D86EDAD}"/>
               </a:ext>
             </a:extLst>
           </p:cNvPr>
@@ -8665,7 +9940,339 @@
           </p:nvPr>
         </p:nvPicPr>
         <p:blipFill>
-          <a:blip r:embed="rId2">
+          <a:blip r:embed="rId3">
+            <a:extLst>
+              <a:ext uri="{28A0092B-C50C-407E-A947-70E740481C1C}">
+                <a14:useLocalDpi xmlns:a14="http://schemas.microsoft.com/office/drawing/2010/main" val="0"/>
+              </a:ext>
+            </a:extLst>
+          </a:blip>
+          <a:stretch>
+            <a:fillRect/>
+          </a:stretch>
+        </p:blipFill>
+        <p:spPr>
+          <a:xfrm>
+            <a:off x="452016" y="1479225"/>
+            <a:ext cx="7549160" cy="5133429"/>
+          </a:xfrm>
+        </p:spPr>
+      </p:pic>
+      <p:pic>
+        <p:nvPicPr>
+          <p:cNvPr id="6" name="Symbol zastępczy zawartości 4" descr="Obraz zawierający tekst&#10;&#10;Opis wygenerowany automatycznie">
+            <a:extLst>
+              <a:ext uri="{FF2B5EF4-FFF2-40B4-BE49-F238E27FC236}">
+                <a16:creationId xmlns:a16="http://schemas.microsoft.com/office/drawing/2014/main" id="{4A69E5E0-1498-F789-1E5E-E2BBDAFD10FF}"/>
+              </a:ext>
+            </a:extLst>
+          </p:cNvPr>
+          <p:cNvPicPr>
+            <a:picLocks noChangeAspect="1"/>
+          </p:cNvPicPr>
+          <p:nvPr/>
+        </p:nvPicPr>
+        <p:blipFill>
+          <a:blip r:embed="rId4">
+            <a:extLst>
+              <a:ext uri="{28A0092B-C50C-407E-A947-70E740481C1C}">
+                <a14:useLocalDpi xmlns:a14="http://schemas.microsoft.com/office/drawing/2010/main" val="0"/>
+              </a:ext>
+            </a:extLst>
+          </a:blip>
+          <a:stretch>
+            <a:fillRect/>
+          </a:stretch>
+        </p:blipFill>
+        <p:spPr>
+          <a:xfrm>
+            <a:off x="8210270" y="969938"/>
+            <a:ext cx="4803582" cy="5226298"/>
+          </a:xfrm>
+          <a:prstGeom prst="rect">
+            <a:avLst/>
+          </a:prstGeom>
+        </p:spPr>
+      </p:pic>
+    </p:spTree>
+    <p:extLst>
+      <p:ext uri="{BB962C8B-B14F-4D97-AF65-F5344CB8AC3E}">
+        <p14:creationId xmlns:p14="http://schemas.microsoft.com/office/powerpoint/2010/main" val="4092217078"/>
+      </p:ext>
+    </p:extLst>
+  </p:cSld>
+  <p:clrMapOvr>
+    <a:masterClrMapping/>
+  </p:clrMapOvr>
+</p:sld>
+</file>
+
+<file path=ppt/slides/slide5.xml><?xml version="1.0" encoding="utf-8"?>
+<p:sld xmlns:a="http://schemas.openxmlformats.org/drawingml/2006/main" xmlns:r="http://schemas.openxmlformats.org/officeDocument/2006/relationships" xmlns:p="http://schemas.openxmlformats.org/presentationml/2006/main">
+  <p:cSld>
+    <p:spTree>
+      <p:nvGrpSpPr>
+        <p:cNvPr id="1" name=""/>
+        <p:cNvGrpSpPr/>
+        <p:nvPr/>
+      </p:nvGrpSpPr>
+      <p:grpSpPr>
+        <a:xfrm>
+          <a:off x="0" y="0"/>
+          <a:ext cx="0" cy="0"/>
+          <a:chOff x="0" y="0"/>
+          <a:chExt cx="0" cy="0"/>
+        </a:xfrm>
+      </p:grpSpPr>
+      <p:sp>
+        <p:nvSpPr>
+          <p:cNvPr id="2" name="Tytuł 1">
+            <a:extLst>
+              <a:ext uri="{FF2B5EF4-FFF2-40B4-BE49-F238E27FC236}">
+                <a16:creationId xmlns:a16="http://schemas.microsoft.com/office/drawing/2014/main" id="{00CC25AF-B6C1-0B1A-89E7-64979DF91757}"/>
+              </a:ext>
+            </a:extLst>
+          </p:cNvPr>
+          <p:cNvSpPr>
+            <a:spLocks noGrp="1"/>
+          </p:cNvSpPr>
+          <p:nvPr>
+            <p:ph type="title"/>
+          </p:nvPr>
+        </p:nvSpPr>
+        <p:spPr/>
+        <p:txBody>
+          <a:bodyPr/>
+          <a:lstStyle/>
+          <a:p>
+            <a:endParaRPr lang="pl-PL"/>
+          </a:p>
+        </p:txBody>
+      </p:sp>
+      <p:sp>
+        <p:nvSpPr>
+          <p:cNvPr id="3" name="Symbol zastępczy zawartości 2">
+            <a:extLst>
+              <a:ext uri="{FF2B5EF4-FFF2-40B4-BE49-F238E27FC236}">
+                <a16:creationId xmlns:a16="http://schemas.microsoft.com/office/drawing/2014/main" id="{93EA3654-CC9C-DD93-D7C7-F2C28D4F3746}"/>
+              </a:ext>
+            </a:extLst>
+          </p:cNvPr>
+          <p:cNvSpPr>
+            <a:spLocks noGrp="1"/>
+          </p:cNvSpPr>
+          <p:nvPr>
+            <p:ph idx="1"/>
+          </p:nvPr>
+        </p:nvSpPr>
+        <p:spPr/>
+        <p:txBody>
+          <a:bodyPr/>
+          <a:lstStyle/>
+          <a:p>
+            <a:endParaRPr lang="pl-PL"/>
+          </a:p>
+        </p:txBody>
+      </p:sp>
+    </p:spTree>
+    <p:extLst>
+      <p:ext uri="{BB962C8B-B14F-4D97-AF65-F5344CB8AC3E}">
+        <p14:creationId xmlns:p14="http://schemas.microsoft.com/office/powerpoint/2010/main" val="2776248015"/>
+      </p:ext>
+    </p:extLst>
+  </p:cSld>
+  <p:clrMapOvr>
+    <a:masterClrMapping/>
+  </p:clrMapOvr>
+</p:sld>
+</file>
+
+<file path=ppt/slides/slide6.xml><?xml version="1.0" encoding="utf-8"?>
+<p:sld xmlns:a="http://schemas.openxmlformats.org/drawingml/2006/main" xmlns:r="http://schemas.openxmlformats.org/officeDocument/2006/relationships" xmlns:p="http://schemas.openxmlformats.org/presentationml/2006/main">
+  <p:cSld>
+    <p:spTree>
+      <p:nvGrpSpPr>
+        <p:cNvPr id="1" name=""/>
+        <p:cNvGrpSpPr/>
+        <p:nvPr/>
+      </p:nvGrpSpPr>
+      <p:grpSpPr>
+        <a:xfrm>
+          <a:off x="0" y="0"/>
+          <a:ext cx="0" cy="0"/>
+          <a:chOff x="0" y="0"/>
+          <a:chExt cx="0" cy="0"/>
+        </a:xfrm>
+      </p:grpSpPr>
+      <p:sp>
+        <p:nvSpPr>
+          <p:cNvPr id="2" name="Tytuł 1">
+            <a:extLst>
+              <a:ext uri="{FF2B5EF4-FFF2-40B4-BE49-F238E27FC236}">
+                <a16:creationId xmlns:a16="http://schemas.microsoft.com/office/drawing/2014/main" id="{F82DEE2D-9C67-6197-EB1C-766721BC8B24}"/>
+              </a:ext>
+            </a:extLst>
+          </p:cNvPr>
+          <p:cNvSpPr>
+            <a:spLocks noGrp="1"/>
+          </p:cNvSpPr>
+          <p:nvPr>
+            <p:ph type="title"/>
+          </p:nvPr>
+        </p:nvSpPr>
+        <p:spPr/>
+        <p:txBody>
+          <a:bodyPr/>
+          <a:lstStyle/>
+          <a:p>
+            <a:endParaRPr lang="pl-PL"/>
+          </a:p>
+        </p:txBody>
+      </p:sp>
+      <p:pic>
+        <p:nvPicPr>
+          <p:cNvPr id="5" name="Symbol zastępczy zawartości 4" descr="Obraz zawierający tekst&#10;&#10;Opis wygenerowany automatycznie">
+            <a:extLst>
+              <a:ext uri="{FF2B5EF4-FFF2-40B4-BE49-F238E27FC236}">
+                <a16:creationId xmlns:a16="http://schemas.microsoft.com/office/drawing/2014/main" id="{BEC995EB-C159-728F-311E-A0B39CAEDC4D}"/>
+              </a:ext>
+            </a:extLst>
+          </p:cNvPr>
+          <p:cNvPicPr>
+            <a:picLocks noGrp="1" noChangeAspect="1"/>
+          </p:cNvPicPr>
+          <p:nvPr>
+            <p:ph idx="1"/>
+          </p:nvPr>
+        </p:nvPicPr>
+        <p:blipFill>
+          <a:blip r:embed="rId3">
+            <a:extLst>
+              <a:ext uri="{28A0092B-C50C-407E-A947-70E740481C1C}">
+                <a14:useLocalDpi xmlns:a14="http://schemas.microsoft.com/office/drawing/2010/main" val="0"/>
+              </a:ext>
+            </a:extLst>
+          </a:blip>
+          <a:stretch>
+            <a:fillRect/>
+          </a:stretch>
+        </p:blipFill>
+        <p:spPr>
+          <a:xfrm>
+            <a:off x="7580808" y="897930"/>
+            <a:ext cx="5255299" cy="5619651"/>
+          </a:xfrm>
+        </p:spPr>
+      </p:pic>
+      <p:pic>
+        <p:nvPicPr>
+          <p:cNvPr id="6" name="Symbol zastępczy zawartości 4">
+            <a:extLst>
+              <a:ext uri="{FF2B5EF4-FFF2-40B4-BE49-F238E27FC236}">
+                <a16:creationId xmlns:a16="http://schemas.microsoft.com/office/drawing/2014/main" id="{833F1BE1-84DD-23F0-F422-45F76C67F530}"/>
+              </a:ext>
+            </a:extLst>
+          </p:cNvPr>
+          <p:cNvPicPr>
+            <a:picLocks noChangeAspect="1"/>
+          </p:cNvPicPr>
+          <p:nvPr/>
+        </p:nvPicPr>
+        <p:blipFill>
+          <a:blip r:embed="rId4">
+            <a:extLst>
+              <a:ext uri="{28A0092B-C50C-407E-A947-70E740481C1C}">
+                <a14:useLocalDpi xmlns:a14="http://schemas.microsoft.com/office/drawing/2010/main" val="0"/>
+              </a:ext>
+            </a:extLst>
+          </a:blip>
+          <a:stretch>
+            <a:fillRect/>
+          </a:stretch>
+        </p:blipFill>
+        <p:spPr>
+          <a:xfrm>
+            <a:off x="731564" y="1594449"/>
+            <a:ext cx="6435234" cy="4794250"/>
+          </a:xfrm>
+          <a:prstGeom prst="rect">
+            <a:avLst/>
+          </a:prstGeom>
+        </p:spPr>
+      </p:pic>
+    </p:spTree>
+    <p:extLst>
+      <p:ext uri="{BB962C8B-B14F-4D97-AF65-F5344CB8AC3E}">
+        <p14:creationId xmlns:p14="http://schemas.microsoft.com/office/powerpoint/2010/main" val="2457282144"/>
+      </p:ext>
+    </p:extLst>
+  </p:cSld>
+  <p:clrMapOvr>
+    <a:masterClrMapping/>
+  </p:clrMapOvr>
+</p:sld>
+</file>
+
+<file path=ppt/slides/slide7.xml><?xml version="1.0" encoding="utf-8"?>
+<p:sld xmlns:a="http://schemas.openxmlformats.org/drawingml/2006/main" xmlns:r="http://schemas.openxmlformats.org/officeDocument/2006/relationships" xmlns:p="http://schemas.openxmlformats.org/presentationml/2006/main">
+  <p:cSld>
+    <p:spTree>
+      <p:nvGrpSpPr>
+        <p:cNvPr id="1" name=""/>
+        <p:cNvGrpSpPr/>
+        <p:nvPr/>
+      </p:nvGrpSpPr>
+      <p:grpSpPr>
+        <a:xfrm>
+          <a:off x="0" y="0"/>
+          <a:ext cx="0" cy="0"/>
+          <a:chOff x="0" y="0"/>
+          <a:chExt cx="0" cy="0"/>
+        </a:xfrm>
+      </p:grpSpPr>
+      <p:sp>
+        <p:nvSpPr>
+          <p:cNvPr id="2" name="Tytuł 1">
+            <a:extLst>
+              <a:ext uri="{FF2B5EF4-FFF2-40B4-BE49-F238E27FC236}">
+                <a16:creationId xmlns:a16="http://schemas.microsoft.com/office/drawing/2014/main" id="{355C21CF-E344-6B67-6C6E-3BC201223925}"/>
+              </a:ext>
+            </a:extLst>
+          </p:cNvPr>
+          <p:cNvSpPr>
+            <a:spLocks noGrp="1"/>
+          </p:cNvSpPr>
+          <p:nvPr>
+            <p:ph type="title"/>
+          </p:nvPr>
+        </p:nvSpPr>
+        <p:spPr/>
+        <p:txBody>
+          <a:bodyPr/>
+          <a:lstStyle/>
+          <a:p>
+            <a:endParaRPr lang="pl-PL"/>
+          </a:p>
+        </p:txBody>
+      </p:sp>
+      <p:pic>
+        <p:nvPicPr>
+          <p:cNvPr id="5" name="Symbol zastępczy zawartości 4">
+            <a:extLst>
+              <a:ext uri="{FF2B5EF4-FFF2-40B4-BE49-F238E27FC236}">
+                <a16:creationId xmlns:a16="http://schemas.microsoft.com/office/drawing/2014/main" id="{D6591EF6-4B09-51F3-E041-20124B6DB0E7}"/>
+              </a:ext>
+            </a:extLst>
+          </p:cNvPr>
+          <p:cNvPicPr>
+            <a:picLocks noGrp="1" noChangeAspect="1"/>
+          </p:cNvPicPr>
+          <p:nvPr>
+            <p:ph idx="1"/>
+          </p:nvPr>
+        </p:nvPicPr>
+        <p:blipFill>
+          <a:blip r:embed="rId3">
             <a:extLst>
               <a:ext uri="{28A0092B-C50C-407E-A947-70E740481C1C}">
                 <a14:useLocalDpi xmlns:a14="http://schemas.microsoft.com/office/drawing/2010/main" val="0"/>
@@ -8698,7 +10305,7 @@
           <p:nvPr/>
         </p:nvPicPr>
         <p:blipFill>
-          <a:blip r:embed="rId3">
+          <a:blip r:embed="rId4">
             <a:extLst>
               <a:ext uri="{28A0092B-C50C-407E-A947-70E740481C1C}">
                 <a14:useLocalDpi xmlns:a14="http://schemas.microsoft.com/office/drawing/2010/main" val="0"/>
@@ -8732,438 +10339,6 @@
 </p:sld>
 </file>
 
-<file path=ppt/slides/slide4.xml><?xml version="1.0" encoding="utf-8"?>
-<p:sld xmlns:a="http://schemas.openxmlformats.org/drawingml/2006/main" xmlns:r="http://schemas.openxmlformats.org/officeDocument/2006/relationships" xmlns:p="http://schemas.openxmlformats.org/presentationml/2006/main">
-  <p:cSld>
-    <p:spTree>
-      <p:nvGrpSpPr>
-        <p:cNvPr id="1" name=""/>
-        <p:cNvGrpSpPr/>
-        <p:nvPr/>
-      </p:nvGrpSpPr>
-      <p:grpSpPr>
-        <a:xfrm>
-          <a:off x="0" y="0"/>
-          <a:ext cx="0" cy="0"/>
-          <a:chOff x="0" y="0"/>
-          <a:chExt cx="0" cy="0"/>
-        </a:xfrm>
-      </p:grpSpPr>
-      <p:sp>
-        <p:nvSpPr>
-          <p:cNvPr id="2" name="Tytuł 1">
-            <a:extLst>
-              <a:ext uri="{FF2B5EF4-FFF2-40B4-BE49-F238E27FC236}">
-                <a16:creationId xmlns:a16="http://schemas.microsoft.com/office/drawing/2014/main" id="{F82DEE2D-9C67-6197-EB1C-766721BC8B24}"/>
-              </a:ext>
-            </a:extLst>
-          </p:cNvPr>
-          <p:cNvSpPr>
-            <a:spLocks noGrp="1"/>
-          </p:cNvSpPr>
-          <p:nvPr>
-            <p:ph type="title"/>
-          </p:nvPr>
-        </p:nvSpPr>
-        <p:spPr/>
-        <p:txBody>
-          <a:bodyPr/>
-          <a:lstStyle/>
-          <a:p>
-            <a:endParaRPr lang="pl-PL"/>
-          </a:p>
-        </p:txBody>
-      </p:sp>
-      <p:pic>
-        <p:nvPicPr>
-          <p:cNvPr id="5" name="Symbol zastępczy zawartości 4" descr="Obraz zawierający tekst&#10;&#10;Opis wygenerowany automatycznie">
-            <a:extLst>
-              <a:ext uri="{FF2B5EF4-FFF2-40B4-BE49-F238E27FC236}">
-                <a16:creationId xmlns:a16="http://schemas.microsoft.com/office/drawing/2014/main" id="{BEC995EB-C159-728F-311E-A0B39CAEDC4D}"/>
-              </a:ext>
-            </a:extLst>
-          </p:cNvPr>
-          <p:cNvPicPr>
-            <a:picLocks noGrp="1" noChangeAspect="1"/>
-          </p:cNvPicPr>
-          <p:nvPr>
-            <p:ph idx="1"/>
-          </p:nvPr>
-        </p:nvPicPr>
-        <p:blipFill>
-          <a:blip r:embed="rId2">
-            <a:extLst>
-              <a:ext uri="{28A0092B-C50C-407E-A947-70E740481C1C}">
-                <a14:useLocalDpi xmlns:a14="http://schemas.microsoft.com/office/drawing/2010/main" val="0"/>
-              </a:ext>
-            </a:extLst>
-          </a:blip>
-          <a:stretch>
-            <a:fillRect/>
-          </a:stretch>
-        </p:blipFill>
-        <p:spPr>
-          <a:xfrm>
-            <a:off x="7580808" y="897930"/>
-            <a:ext cx="5255299" cy="5619651"/>
-          </a:xfrm>
-        </p:spPr>
-      </p:pic>
-      <p:pic>
-        <p:nvPicPr>
-          <p:cNvPr id="6" name="Symbol zastępczy zawartości 4">
-            <a:extLst>
-              <a:ext uri="{FF2B5EF4-FFF2-40B4-BE49-F238E27FC236}">
-                <a16:creationId xmlns:a16="http://schemas.microsoft.com/office/drawing/2014/main" id="{833F1BE1-84DD-23F0-F422-45F76C67F530}"/>
-              </a:ext>
-            </a:extLst>
-          </p:cNvPr>
-          <p:cNvPicPr>
-            <a:picLocks noChangeAspect="1"/>
-          </p:cNvPicPr>
-          <p:nvPr/>
-        </p:nvPicPr>
-        <p:blipFill>
-          <a:blip r:embed="rId3">
-            <a:extLst>
-              <a:ext uri="{28A0092B-C50C-407E-A947-70E740481C1C}">
-                <a14:useLocalDpi xmlns:a14="http://schemas.microsoft.com/office/drawing/2010/main" val="0"/>
-              </a:ext>
-            </a:extLst>
-          </a:blip>
-          <a:stretch>
-            <a:fillRect/>
-          </a:stretch>
-        </p:blipFill>
-        <p:spPr>
-          <a:xfrm>
-            <a:off x="731564" y="1594449"/>
-            <a:ext cx="6435234" cy="4794250"/>
-          </a:xfrm>
-          <a:prstGeom prst="rect">
-            <a:avLst/>
-          </a:prstGeom>
-        </p:spPr>
-      </p:pic>
-    </p:spTree>
-    <p:extLst>
-      <p:ext uri="{BB962C8B-B14F-4D97-AF65-F5344CB8AC3E}">
-        <p14:creationId xmlns:p14="http://schemas.microsoft.com/office/powerpoint/2010/main" val="2457282144"/>
-      </p:ext>
-    </p:extLst>
-  </p:cSld>
-  <p:clrMapOvr>
-    <a:masterClrMapping/>
-  </p:clrMapOvr>
-</p:sld>
-</file>
-
-<file path=ppt/slides/slide5.xml><?xml version="1.0" encoding="utf-8"?>
-<p:sld xmlns:a="http://schemas.openxmlformats.org/drawingml/2006/main" xmlns:r="http://schemas.openxmlformats.org/officeDocument/2006/relationships" xmlns:p="http://schemas.openxmlformats.org/presentationml/2006/main">
-  <p:cSld>
-    <p:spTree>
-      <p:nvGrpSpPr>
-        <p:cNvPr id="1" name=""/>
-        <p:cNvGrpSpPr/>
-        <p:nvPr/>
-      </p:nvGrpSpPr>
-      <p:grpSpPr>
-        <a:xfrm>
-          <a:off x="0" y="0"/>
-          <a:ext cx="0" cy="0"/>
-          <a:chOff x="0" y="0"/>
-          <a:chExt cx="0" cy="0"/>
-        </a:xfrm>
-      </p:grpSpPr>
-      <p:sp>
-        <p:nvSpPr>
-          <p:cNvPr id="2" name="Tytuł 1">
-            <a:extLst>
-              <a:ext uri="{FF2B5EF4-FFF2-40B4-BE49-F238E27FC236}">
-                <a16:creationId xmlns:a16="http://schemas.microsoft.com/office/drawing/2014/main" id="{519B5AC8-8FAB-0DFD-1246-3F27E8BA5485}"/>
-              </a:ext>
-            </a:extLst>
-          </p:cNvPr>
-          <p:cNvSpPr>
-            <a:spLocks noGrp="1"/>
-          </p:cNvSpPr>
-          <p:nvPr>
-            <p:ph type="title"/>
-          </p:nvPr>
-        </p:nvSpPr>
-        <p:spPr/>
-        <p:txBody>
-          <a:bodyPr/>
-          <a:lstStyle/>
-          <a:p>
-            <a:endParaRPr lang="pl-PL" dirty="0"/>
-          </a:p>
-        </p:txBody>
-      </p:sp>
-      <p:pic>
-        <p:nvPicPr>
-          <p:cNvPr id="6" name="Symbol zastępczy zawartości 4" descr="Obraz zawierający tekst&#10;&#10;Opis wygenerowany automatycznie">
-            <a:extLst>
-              <a:ext uri="{FF2B5EF4-FFF2-40B4-BE49-F238E27FC236}">
-                <a16:creationId xmlns:a16="http://schemas.microsoft.com/office/drawing/2014/main" id="{9D65F0C9-BD1E-1D37-D063-A68655CBD129}"/>
-              </a:ext>
-            </a:extLst>
-          </p:cNvPr>
-          <p:cNvPicPr>
-            <a:picLocks noChangeAspect="1"/>
-          </p:cNvPicPr>
-          <p:nvPr/>
-        </p:nvPicPr>
-        <p:blipFill>
-          <a:blip r:embed="rId2">
-            <a:extLst>
-              <a:ext uri="{28A0092B-C50C-407E-A947-70E740481C1C}">
-                <a14:useLocalDpi xmlns:a14="http://schemas.microsoft.com/office/drawing/2010/main" val="0"/>
-              </a:ext>
-            </a:extLst>
-          </a:blip>
-          <a:stretch>
-            <a:fillRect/>
-          </a:stretch>
-        </p:blipFill>
-        <p:spPr>
-          <a:xfrm>
-            <a:off x="6356672" y="2770138"/>
-            <a:ext cx="7657654" cy="4138019"/>
-          </a:xfrm>
-          <a:prstGeom prst="rect">
-            <a:avLst/>
-          </a:prstGeom>
-        </p:spPr>
-      </p:pic>
-      <p:pic>
-        <p:nvPicPr>
-          <p:cNvPr id="9" name="Symbol zastępczy zawartości 4" descr="Obraz zawierający tekst&#10;&#10;Opis wygenerowany automatycznie">
-            <a:extLst>
-              <a:ext uri="{FF2B5EF4-FFF2-40B4-BE49-F238E27FC236}">
-                <a16:creationId xmlns:a16="http://schemas.microsoft.com/office/drawing/2014/main" id="{3A3EC0E0-7031-2AE8-F544-9DC08D745C55}"/>
-              </a:ext>
-            </a:extLst>
-          </p:cNvPr>
-          <p:cNvPicPr>
-            <a:picLocks noGrp="1" noChangeAspect="1"/>
-          </p:cNvPicPr>
-          <p:nvPr>
-            <p:ph idx="1"/>
-          </p:nvPr>
-        </p:nvPicPr>
-        <p:blipFill>
-          <a:blip r:embed="rId3">
-            <a:extLst>
-              <a:ext uri="{28A0092B-C50C-407E-A947-70E740481C1C}">
-                <a14:useLocalDpi xmlns:a14="http://schemas.microsoft.com/office/drawing/2010/main" val="0"/>
-              </a:ext>
-            </a:extLst>
-          </a:blip>
-          <a:stretch>
-            <a:fillRect/>
-          </a:stretch>
-        </p:blipFill>
-        <p:spPr>
-          <a:xfrm>
-            <a:off x="91976" y="175121"/>
-            <a:ext cx="6988146" cy="4138019"/>
-          </a:xfrm>
-        </p:spPr>
-      </p:pic>
-    </p:spTree>
-    <p:extLst>
-      <p:ext uri="{BB962C8B-B14F-4D97-AF65-F5344CB8AC3E}">
-        <p14:creationId xmlns:p14="http://schemas.microsoft.com/office/powerpoint/2010/main" val="1957411199"/>
-      </p:ext>
-    </p:extLst>
-  </p:cSld>
-  <p:clrMapOvr>
-    <a:masterClrMapping/>
-  </p:clrMapOvr>
-</p:sld>
-</file>
-
-<file path=ppt/slides/slide6.xml><?xml version="1.0" encoding="utf-8"?>
-<p:sld xmlns:a="http://schemas.openxmlformats.org/drawingml/2006/main" xmlns:r="http://schemas.openxmlformats.org/officeDocument/2006/relationships" xmlns:p="http://schemas.openxmlformats.org/presentationml/2006/main">
-  <p:cSld>
-    <p:spTree>
-      <p:nvGrpSpPr>
-        <p:cNvPr id="1" name=""/>
-        <p:cNvGrpSpPr/>
-        <p:nvPr/>
-      </p:nvGrpSpPr>
-      <p:grpSpPr>
-        <a:xfrm>
-          <a:off x="0" y="0"/>
-          <a:ext cx="0" cy="0"/>
-          <a:chOff x="0" y="0"/>
-          <a:chExt cx="0" cy="0"/>
-        </a:xfrm>
-      </p:grpSpPr>
-      <p:sp>
-        <p:nvSpPr>
-          <p:cNvPr id="2" name="Tytuł 1">
-            <a:extLst>
-              <a:ext uri="{FF2B5EF4-FFF2-40B4-BE49-F238E27FC236}">
-                <a16:creationId xmlns:a16="http://schemas.microsoft.com/office/drawing/2014/main" id="{FCFA466A-CF2C-0B55-9F96-7EFDDF1C6872}"/>
-              </a:ext>
-            </a:extLst>
-          </p:cNvPr>
-          <p:cNvSpPr>
-            <a:spLocks noGrp="1"/>
-          </p:cNvSpPr>
-          <p:nvPr>
-            <p:ph type="title"/>
-          </p:nvPr>
-        </p:nvSpPr>
-        <p:spPr/>
-        <p:txBody>
-          <a:bodyPr/>
-          <a:lstStyle/>
-          <a:p>
-            <a:endParaRPr lang="pl-PL"/>
-          </a:p>
-        </p:txBody>
-      </p:sp>
-      <p:pic>
-        <p:nvPicPr>
-          <p:cNvPr id="5" name="Symbol zastępczy zawartości 4">
-            <a:extLst>
-              <a:ext uri="{FF2B5EF4-FFF2-40B4-BE49-F238E27FC236}">
-                <a16:creationId xmlns:a16="http://schemas.microsoft.com/office/drawing/2014/main" id="{A1D77E8E-33D8-D33D-36B0-9BE16E9B1FB0}"/>
-              </a:ext>
-            </a:extLst>
-          </p:cNvPr>
-          <p:cNvPicPr>
-            <a:picLocks noGrp="1" noChangeAspect="1"/>
-          </p:cNvPicPr>
-          <p:nvPr>
-            <p:ph idx="1"/>
-          </p:nvPr>
-        </p:nvPicPr>
-        <p:blipFill>
-          <a:blip r:embed="rId2">
-            <a:extLst>
-              <a:ext uri="{28A0092B-C50C-407E-A947-70E740481C1C}">
-                <a14:useLocalDpi xmlns:a14="http://schemas.microsoft.com/office/drawing/2010/main" val="0"/>
-              </a:ext>
-            </a:extLst>
-          </a:blip>
-          <a:stretch>
-            <a:fillRect/>
-          </a:stretch>
-        </p:blipFill>
-        <p:spPr>
-          <a:xfrm>
-            <a:off x="812056" y="1835915"/>
-            <a:ext cx="11585575" cy="4609644"/>
-          </a:xfrm>
-        </p:spPr>
-      </p:pic>
-    </p:spTree>
-    <p:extLst>
-      <p:ext uri="{BB962C8B-B14F-4D97-AF65-F5344CB8AC3E}">
-        <p14:creationId xmlns:p14="http://schemas.microsoft.com/office/powerpoint/2010/main" val="2911537847"/>
-      </p:ext>
-    </p:extLst>
-  </p:cSld>
-  <p:clrMapOvr>
-    <a:masterClrMapping/>
-  </p:clrMapOvr>
-</p:sld>
-</file>
-
-<file path=ppt/slides/slide7.xml><?xml version="1.0" encoding="utf-8"?>
-<p:sld xmlns:a="http://schemas.openxmlformats.org/drawingml/2006/main" xmlns:r="http://schemas.openxmlformats.org/officeDocument/2006/relationships" xmlns:p="http://schemas.openxmlformats.org/presentationml/2006/main">
-  <p:cSld>
-    <p:spTree>
-      <p:nvGrpSpPr>
-        <p:cNvPr id="1" name=""/>
-        <p:cNvGrpSpPr/>
-        <p:nvPr/>
-      </p:nvGrpSpPr>
-      <p:grpSpPr>
-        <a:xfrm>
-          <a:off x="0" y="0"/>
-          <a:ext cx="0" cy="0"/>
-          <a:chOff x="0" y="0"/>
-          <a:chExt cx="0" cy="0"/>
-        </a:xfrm>
-      </p:grpSpPr>
-      <p:sp>
-        <p:nvSpPr>
-          <p:cNvPr id="2" name="Tytuł 1">
-            <a:extLst>
-              <a:ext uri="{FF2B5EF4-FFF2-40B4-BE49-F238E27FC236}">
-                <a16:creationId xmlns:a16="http://schemas.microsoft.com/office/drawing/2014/main" id="{DFFF96E8-6013-019C-41C6-849C16BC1B73}"/>
-              </a:ext>
-            </a:extLst>
-          </p:cNvPr>
-          <p:cNvSpPr>
-            <a:spLocks noGrp="1"/>
-          </p:cNvSpPr>
-          <p:nvPr>
-            <p:ph type="title"/>
-          </p:nvPr>
-        </p:nvSpPr>
-        <p:spPr/>
-        <p:txBody>
-          <a:bodyPr/>
-          <a:lstStyle/>
-          <a:p>
-            <a:endParaRPr lang="pl-PL"/>
-          </a:p>
-        </p:txBody>
-      </p:sp>
-      <p:pic>
-        <p:nvPicPr>
-          <p:cNvPr id="5" name="Symbol zastępczy zawartości 4">
-            <a:extLst>
-              <a:ext uri="{FF2B5EF4-FFF2-40B4-BE49-F238E27FC236}">
-                <a16:creationId xmlns:a16="http://schemas.microsoft.com/office/drawing/2014/main" id="{7DD54173-2DE2-CFA9-73CD-C95A3CAEE835}"/>
-              </a:ext>
-            </a:extLst>
-          </p:cNvPr>
-          <p:cNvPicPr>
-            <a:picLocks noGrp="1" noChangeAspect="1"/>
-          </p:cNvPicPr>
-          <p:nvPr>
-            <p:ph idx="1"/>
-          </p:nvPr>
-        </p:nvPicPr>
-        <p:blipFill>
-          <a:blip r:embed="rId2">
-            <a:extLst>
-              <a:ext uri="{28A0092B-C50C-407E-A947-70E740481C1C}">
-                <a14:useLocalDpi xmlns:a14="http://schemas.microsoft.com/office/drawing/2010/main" val="0"/>
-              </a:ext>
-            </a:extLst>
-          </a:blip>
-          <a:stretch>
-            <a:fillRect/>
-          </a:stretch>
-        </p:blipFill>
-        <p:spPr>
-          <a:xfrm>
-            <a:off x="596032" y="1762026"/>
-            <a:ext cx="11585575" cy="4258784"/>
-          </a:xfrm>
-        </p:spPr>
-      </p:pic>
-    </p:spTree>
-    <p:extLst>
-      <p:ext uri="{BB962C8B-B14F-4D97-AF65-F5344CB8AC3E}">
-        <p14:creationId xmlns:p14="http://schemas.microsoft.com/office/powerpoint/2010/main" val="3232497746"/>
-      </p:ext>
-    </p:extLst>
-  </p:cSld>
-  <p:clrMapOvr>
-    <a:masterClrMapping/>
-  </p:clrMapOvr>
-</p:sld>
-</file>
-
 <file path=ppt/slides/slide8.xml><?xml version="1.0" encoding="utf-8"?>
 <p:sld xmlns:a="http://schemas.openxmlformats.org/drawingml/2006/main" xmlns:r="http://schemas.openxmlformats.org/officeDocument/2006/relationships" xmlns:p="http://schemas.openxmlformats.org/presentationml/2006/main">
   <p:cSld>
@@ -9186,7 +10361,7 @@
           <p:cNvPr id="2" name="Tytuł 1">
             <a:extLst>
               <a:ext uri="{FF2B5EF4-FFF2-40B4-BE49-F238E27FC236}">
-                <a16:creationId xmlns:a16="http://schemas.microsoft.com/office/drawing/2014/main" id="{2B8075A0-8503-32DA-D6CB-71B05D6C3265}"/>
+                <a16:creationId xmlns:a16="http://schemas.microsoft.com/office/drawing/2014/main" id="{DFFF96E8-6013-019C-41C6-849C16BC1B73}"/>
               </a:ext>
             </a:extLst>
           </p:cNvPr>
@@ -9202,16 +10377,16 @@
           <a:bodyPr/>
           <a:lstStyle/>
           <a:p>
-            <a:endParaRPr lang="pl-PL"/>
+            <a:endParaRPr lang="pl-PL" dirty="0"/>
           </a:p>
         </p:txBody>
       </p:sp>
       <p:pic>
         <p:nvPicPr>
-          <p:cNvPr id="5" name="Symbol zastępczy zawartości 4" descr="Obraz zawierający tekst, paragon&#10;&#10;Opis wygenerowany automatycznie">
+          <p:cNvPr id="5" name="Symbol zastępczy zawartości 4">
             <a:extLst>
               <a:ext uri="{FF2B5EF4-FFF2-40B4-BE49-F238E27FC236}">
-                <a16:creationId xmlns:a16="http://schemas.microsoft.com/office/drawing/2014/main" id="{0FD442A1-943D-BA44-5534-810A2858280F}"/>
+                <a16:creationId xmlns:a16="http://schemas.microsoft.com/office/drawing/2014/main" id="{7DD54173-2DE2-CFA9-73CD-C95A3CAEE835}"/>
               </a:ext>
             </a:extLst>
           </p:cNvPr>
@@ -9223,7 +10398,7 @@
           </p:nvPr>
         </p:nvPicPr>
         <p:blipFill>
-          <a:blip r:embed="rId2">
+          <a:blip r:embed="rId3">
             <a:extLst>
               <a:ext uri="{28A0092B-C50C-407E-A947-70E740481C1C}">
                 <a14:useLocalDpi xmlns:a14="http://schemas.microsoft.com/office/drawing/2010/main" val="0"/>
@@ -9236,15 +10411,51 @@
         </p:blipFill>
         <p:spPr>
           <a:xfrm>
-            <a:off x="2684264" y="1257970"/>
-            <a:ext cx="7886824" cy="4929265"/>
+            <a:off x="283482" y="319993"/>
+            <a:ext cx="7003646" cy="2574496"/>
           </a:xfrm>
+        </p:spPr>
+      </p:pic>
+      <p:pic>
+        <p:nvPicPr>
+          <p:cNvPr id="3" name="Symbol zastępczy zawartości 4" descr="Obraz zawierający tekst, paragon&#10;&#10;Opis wygenerowany automatycznie">
+            <a:extLst>
+              <a:ext uri="{FF2B5EF4-FFF2-40B4-BE49-F238E27FC236}">
+                <a16:creationId xmlns:a16="http://schemas.microsoft.com/office/drawing/2014/main" id="{9E2C371D-1AC7-9094-2171-5FF3A6D3E19B}"/>
+              </a:ext>
+            </a:extLst>
+          </p:cNvPr>
+          <p:cNvPicPr>
+            <a:picLocks noChangeAspect="1"/>
+          </p:cNvPicPr>
+          <p:nvPr/>
+        </p:nvPicPr>
+        <p:blipFill>
+          <a:blip r:embed="rId4">
+            <a:extLst>
+              <a:ext uri="{28A0092B-C50C-407E-A947-70E740481C1C}">
+                <a14:useLocalDpi xmlns:a14="http://schemas.microsoft.com/office/drawing/2010/main" val="0"/>
+              </a:ext>
+            </a:extLst>
+          </a:blip>
+          <a:stretch>
+            <a:fillRect/>
+          </a:stretch>
+        </p:blipFill>
+        <p:spPr>
+          <a:xfrm>
+            <a:off x="4988520" y="2338090"/>
+            <a:ext cx="8011758" cy="5007349"/>
+          </a:xfrm>
+          <a:prstGeom prst="rect">
+            <a:avLst/>
+          </a:prstGeom>
         </p:spPr>
       </p:pic>
     </p:spTree>
     <p:extLst>
       <p:ext uri="{BB962C8B-B14F-4D97-AF65-F5344CB8AC3E}">
-        <p14:creationId xmlns:p14="http://schemas.microsoft.com/office/powerpoint/2010/main" val="1494234227"/>
+        <p14:creationId xmlns:p14="http://schemas.microsoft.com/office/powerpoint/2010/main" val="3232497746"/>
       </p:ext>
     </p:extLst>
   </p:cSld>
@@ -9276,7 +10487,7 @@
           <p:cNvPr id="2" name="Tytuł 1">
             <a:extLst>
               <a:ext uri="{FF2B5EF4-FFF2-40B4-BE49-F238E27FC236}">
-                <a16:creationId xmlns:a16="http://schemas.microsoft.com/office/drawing/2014/main" id="{475E67E3-5A43-1E18-ACAE-5FD625F73B0B}"/>
+                <a16:creationId xmlns:a16="http://schemas.microsoft.com/office/drawing/2014/main" id="{7B4CE545-BD81-78FD-0BDC-43BE84E1E39B}"/>
               </a:ext>
             </a:extLst>
           </p:cNvPr>
@@ -9301,7 +10512,7 @@
           <p:cNvPr id="5" name="Symbol zastępczy zawartości 4">
             <a:extLst>
               <a:ext uri="{FF2B5EF4-FFF2-40B4-BE49-F238E27FC236}">
-                <a16:creationId xmlns:a16="http://schemas.microsoft.com/office/drawing/2014/main" id="{C832382B-3EDA-AA5E-D185-57532D86EDAD}"/>
+                <a16:creationId xmlns:a16="http://schemas.microsoft.com/office/drawing/2014/main" id="{7588E476-A07F-68D4-5FA3-9F6833A7E2DE}"/>
               </a:ext>
             </a:extLst>
           </p:cNvPr>
@@ -9313,7 +10524,7 @@
           </p:nvPr>
         </p:nvPicPr>
         <p:blipFill>
-          <a:blip r:embed="rId2">
+          <a:blip r:embed="rId3">
             <a:extLst>
               <a:ext uri="{28A0092B-C50C-407E-A947-70E740481C1C}">
                 <a14:useLocalDpi xmlns:a14="http://schemas.microsoft.com/office/drawing/2010/main" val="0"/>
@@ -9326,17 +10537,17 @@
         </p:blipFill>
         <p:spPr>
           <a:xfrm>
-            <a:off x="452016" y="1479225"/>
-            <a:ext cx="7549160" cy="5133429"/>
+            <a:off x="222039" y="177850"/>
+            <a:ext cx="6494673" cy="4794250"/>
           </a:xfrm>
         </p:spPr>
       </p:pic>
       <p:pic>
         <p:nvPicPr>
-          <p:cNvPr id="6" name="Symbol zastępczy zawartości 4" descr="Obraz zawierający tekst&#10;&#10;Opis wygenerowany automatycznie">
+          <p:cNvPr id="6" name="Symbol zastępczy zawartości 4">
             <a:extLst>
               <a:ext uri="{FF2B5EF4-FFF2-40B4-BE49-F238E27FC236}">
-                <a16:creationId xmlns:a16="http://schemas.microsoft.com/office/drawing/2014/main" id="{4A69E5E0-1498-F789-1E5E-E2BBDAFD10FF}"/>
+                <a16:creationId xmlns:a16="http://schemas.microsoft.com/office/drawing/2014/main" id="{515A938D-3BAC-7ABA-3F71-83DDD4C0B6F4}"/>
               </a:ext>
             </a:extLst>
           </p:cNvPr>
@@ -9346,7 +10557,7 @@
           <p:nvPr/>
         </p:nvPicPr>
         <p:blipFill>
-          <a:blip r:embed="rId3">
+          <a:blip r:embed="rId4">
             <a:extLst>
               <a:ext uri="{28A0092B-C50C-407E-A947-70E740481C1C}">
                 <a14:useLocalDpi xmlns:a14="http://schemas.microsoft.com/office/drawing/2010/main" val="0"/>
@@ -9359,8 +10570,8 @@
         </p:blipFill>
         <p:spPr>
           <a:xfrm>
-            <a:off x="8210270" y="969938"/>
-            <a:ext cx="4803582" cy="5226298"/>
+            <a:off x="5132536" y="3008089"/>
+            <a:ext cx="7720234" cy="3396903"/>
           </a:xfrm>
           <a:prstGeom prst="rect">
             <a:avLst/>
@@ -9370,7 +10581,7 @@
     </p:spTree>
     <p:extLst>
       <p:ext uri="{BB962C8B-B14F-4D97-AF65-F5344CB8AC3E}">
-        <p14:creationId xmlns:p14="http://schemas.microsoft.com/office/powerpoint/2010/main" val="4092217078"/>
+        <p14:creationId xmlns:p14="http://schemas.microsoft.com/office/powerpoint/2010/main" val="1167750770"/>
       </p:ext>
     </p:extLst>
   </p:cSld>

--- a/BAIIM.pptx
+++ b/BAIIM.pptx
@@ -13,7 +13,7 @@
     <p:sldId id="257" r:id="rId4"/>
     <p:sldId id="273" r:id="rId5"/>
     <p:sldId id="271" r:id="rId6"/>
-    <p:sldId id="274" r:id="rId7"/>
+    <p:sldId id="275" r:id="rId7"/>
     <p:sldId id="260" r:id="rId8"/>
     <p:sldId id="259" r:id="rId9"/>
     <p:sldId id="264" r:id="rId10"/>
@@ -793,6 +793,10 @@
           <a:bodyPr/>
           <a:lstStyle/>
           <a:p>
+            <a:r>
+              <a:rPr lang="pl-PL" dirty="0" err="1"/>
+              <a:t>zagrozenia</a:t>
+            </a:r>
             <a:endParaRPr lang="pl-PL" dirty="0"/>
           </a:p>
         </p:txBody>
@@ -854,23 +858,6 @@
           <a:bodyPr/>
           <a:lstStyle/>
           <a:p>
-            <a:pPr marL="0" marR="0" lvl="0" indent="0" algn="l" defTabSz="914400" rtl="0" eaLnBrk="0" fontAlgn="base" latinLnBrk="0" hangingPunct="0">
-              <a:lnSpc>
-                <a:spcPct val="100000"/>
-              </a:lnSpc>
-              <a:spcBef>
-                <a:spcPct val="0"/>
-              </a:spcBef>
-              <a:spcAft>
-                <a:spcPct val="0"/>
-              </a:spcAft>
-              <a:buClrTx/>
-              <a:buSzTx/>
-              <a:buFontTx/>
-              <a:buNone/>
-              <a:tabLst/>
-              <a:defRPr/>
-            </a:pPr>
             <a:r>
               <a:rPr lang="pl-PL" dirty="0"/>
               <a:t>Jak </a:t>
@@ -879,9 +866,6 @@
               <a:rPr lang="pl-PL" dirty="0" err="1"/>
               <a:t>włączyc</a:t>
             </a:r>
-            <a:endParaRPr lang="pl-PL" dirty="0"/>
-          </a:p>
-          <a:p>
             <a:endParaRPr lang="pl-PL" dirty="0"/>
           </a:p>
         </p:txBody>
@@ -889,7 +873,7 @@
     </p:spTree>
     <p:extLst>
       <p:ext uri="{BB962C8B-B14F-4D97-AF65-F5344CB8AC3E}">
-        <p14:creationId xmlns:p14="http://schemas.microsoft.com/office/powerpoint/2010/main" val="541541051"/>
+        <p14:creationId xmlns:p14="http://schemas.microsoft.com/office/powerpoint/2010/main" val="1129111090"/>
       </p:ext>
     </p:extLst>
   </p:cSld>
@@ -1368,7 +1352,7 @@
               <a:pPr>
                 <a:defRPr/>
               </a:pPr>
-              <a:t>12/30/2022</a:t>
+              <a:t>12/31/2022</a:t>
             </a:fld>
             <a:endParaRPr lang="en-US"/>
           </a:p>
@@ -1578,7 +1562,7 @@
               <a:pPr>
                 <a:defRPr/>
               </a:pPr>
-              <a:t>12/30/2022</a:t>
+              <a:t>12/31/2022</a:t>
             </a:fld>
             <a:endParaRPr lang="en-US"/>
           </a:p>
@@ -1798,7 +1782,7 @@
               <a:pPr>
                 <a:defRPr/>
               </a:pPr>
-              <a:t>12/30/2022</a:t>
+              <a:t>12/31/2022</a:t>
             </a:fld>
             <a:endParaRPr lang="en-US"/>
           </a:p>
@@ -2030,7 +2014,7 @@
               <a:pPr>
                 <a:defRPr/>
               </a:pPr>
-              <a:t>12/30/2022</a:t>
+              <a:t>12/31/2022</a:t>
             </a:fld>
             <a:endParaRPr lang="en-US"/>
           </a:p>
@@ -2240,7 +2224,7 @@
               <a:pPr>
                 <a:defRPr/>
               </a:pPr>
-              <a:t>12/30/2022</a:t>
+              <a:t>12/31/2022</a:t>
             </a:fld>
             <a:endParaRPr lang="en-US"/>
           </a:p>
@@ -2526,7 +2510,7 @@
               <a:pPr>
                 <a:defRPr/>
               </a:pPr>
-              <a:t>12/30/2022</a:t>
+              <a:t>12/31/2022</a:t>
             </a:fld>
             <a:endParaRPr lang="en-US"/>
           </a:p>
@@ -2798,7 +2782,7 @@
               <a:pPr>
                 <a:defRPr/>
               </a:pPr>
-              <a:t>12/30/2022</a:t>
+              <a:t>12/31/2022</a:t>
             </a:fld>
             <a:endParaRPr lang="en-US"/>
           </a:p>
@@ -3205,7 +3189,7 @@
               <a:pPr>
                 <a:defRPr/>
               </a:pPr>
-              <a:t>12/30/2022</a:t>
+              <a:t>12/31/2022</a:t>
             </a:fld>
             <a:endParaRPr lang="en-US"/>
           </a:p>
@@ -3363,7 +3347,7 @@
               <a:pPr>
                 <a:defRPr/>
               </a:pPr>
-              <a:t>12/30/2022</a:t>
+              <a:t>12/31/2022</a:t>
             </a:fld>
             <a:endParaRPr lang="en-US"/>
           </a:p>
@@ -3498,7 +3482,7 @@
               <a:pPr>
                 <a:defRPr/>
               </a:pPr>
-              <a:t>12/30/2022</a:t>
+              <a:t>12/31/2022</a:t>
             </a:fld>
             <a:endParaRPr lang="en-US"/>
           </a:p>
@@ -3815,7 +3799,7 @@
               <a:pPr>
                 <a:defRPr/>
               </a:pPr>
-              <a:t>12/30/2022</a:t>
+              <a:t>12/31/2022</a:t>
             </a:fld>
             <a:endParaRPr lang="en-US"/>
           </a:p>
@@ -4025,7 +4009,7 @@
               <a:pPr>
                 <a:defRPr/>
               </a:pPr>
-              <a:t>12/30/2022</a:t>
+              <a:t>12/31/2022</a:t>
             </a:fld>
             <a:endParaRPr lang="en-US"/>
           </a:p>
@@ -4323,7 +4307,7 @@
               <a:pPr>
                 <a:defRPr/>
               </a:pPr>
-              <a:t>12/30/2022</a:t>
+              <a:t>12/31/2022</a:t>
             </a:fld>
             <a:endParaRPr lang="en-US"/>
           </a:p>
@@ -4533,7 +4517,7 @@
               <a:pPr>
                 <a:defRPr/>
               </a:pPr>
-              <a:t>12/30/2022</a:t>
+              <a:t>12/31/2022</a:t>
             </a:fld>
             <a:endParaRPr lang="en-US"/>
           </a:p>
@@ -4753,7 +4737,7 @@
               <a:pPr>
                 <a:defRPr/>
               </a:pPr>
-              <a:t>12/30/2022</a:t>
+              <a:t>12/31/2022</a:t>
             </a:fld>
             <a:endParaRPr lang="en-US"/>
           </a:p>
@@ -5039,7 +5023,7 @@
               <a:pPr>
                 <a:defRPr/>
               </a:pPr>
-              <a:t>12/30/2022</a:t>
+              <a:t>12/31/2022</a:t>
             </a:fld>
             <a:endParaRPr lang="en-US"/>
           </a:p>
@@ -5311,7 +5295,7 @@
               <a:pPr>
                 <a:defRPr/>
               </a:pPr>
-              <a:t>12/30/2022</a:t>
+              <a:t>12/31/2022</a:t>
             </a:fld>
             <a:endParaRPr lang="en-US"/>
           </a:p>
@@ -5718,7 +5702,7 @@
               <a:pPr>
                 <a:defRPr/>
               </a:pPr>
-              <a:t>12/30/2022</a:t>
+              <a:t>12/31/2022</a:t>
             </a:fld>
             <a:endParaRPr lang="en-US"/>
           </a:p>
@@ -5876,7 +5860,7 @@
               <a:pPr>
                 <a:defRPr/>
               </a:pPr>
-              <a:t>12/30/2022</a:t>
+              <a:t>12/31/2022</a:t>
             </a:fld>
             <a:endParaRPr lang="en-US"/>
           </a:p>
@@ -6011,7 +5995,7 @@
               <a:pPr>
                 <a:defRPr/>
               </a:pPr>
-              <a:t>12/30/2022</a:t>
+              <a:t>12/31/2022</a:t>
             </a:fld>
             <a:endParaRPr lang="en-US"/>
           </a:p>
@@ -6328,7 +6312,7 @@
               <a:pPr>
                 <a:defRPr/>
               </a:pPr>
-              <a:t>12/30/2022</a:t>
+              <a:t>12/31/2022</a:t>
             </a:fld>
             <a:endParaRPr lang="en-US"/>
           </a:p>
@@ -6626,7 +6610,7 @@
               <a:pPr>
                 <a:defRPr/>
               </a:pPr>
-              <a:t>12/30/2022</a:t>
+              <a:t>12/31/2022</a:t>
             </a:fld>
             <a:endParaRPr lang="en-US"/>
           </a:p>
@@ -6894,7 +6878,7 @@
               <a:pPr>
                 <a:defRPr/>
               </a:pPr>
-              <a:t>12/30/2022</a:t>
+              <a:t>12/31/2022</a:t>
             </a:fld>
             <a:endParaRPr lang="en-US"/>
           </a:p>
@@ -7631,7 +7615,7 @@
               <a:pPr>
                 <a:defRPr/>
               </a:pPr>
-              <a:t>12/30/2022</a:t>
+              <a:t>12/31/2022</a:t>
             </a:fld>
             <a:endParaRPr lang="en-US"/>
           </a:p>
@@ -8230,7 +8214,7 @@
         </p:nvSpPr>
         <p:spPr bwMode="auto">
           <a:xfrm>
-            <a:off x="2214562" y="3778250"/>
+            <a:off x="2214563" y="3484659"/>
             <a:ext cx="5582269" cy="1200329"/>
           </a:xfrm>
           <a:prstGeom prst="rect">
@@ -8635,7 +8619,6 @@
   <p:clrMapOvr>
     <a:masterClrMapping/>
   </p:clrMapOvr>
-  <p:transition spd="med"/>
 </p:sld>
 </file>
 
@@ -8762,6 +8745,9 @@
   <p:clrMapOvr>
     <a:masterClrMapping/>
   </p:clrMapOvr>
+  <p:transition spd="slow">
+    <p:wipe/>
+  </p:transition>
 </p:sld>
 </file>
 
@@ -8842,42 +8828,6 @@
           </a:xfrm>
         </p:spPr>
       </p:pic>
-      <p:sp>
-        <p:nvSpPr>
-          <p:cNvPr id="4" name="pole tekstowe 3">
-            <a:extLst>
-              <a:ext uri="{FF2B5EF4-FFF2-40B4-BE49-F238E27FC236}">
-                <a16:creationId xmlns:a16="http://schemas.microsoft.com/office/drawing/2014/main" id="{EFBD0440-99AD-2D45-32B9-63FFB11CE576}"/>
-              </a:ext>
-            </a:extLst>
-          </p:cNvPr>
-          <p:cNvSpPr txBox="1"/>
-          <p:nvPr/>
-        </p:nvSpPr>
-        <p:spPr>
-          <a:xfrm>
-            <a:off x="0" y="-2262157"/>
-            <a:ext cx="0" cy="4524315"/>
-          </a:xfrm>
-          <a:prstGeom prst="rect">
-            <a:avLst/>
-          </a:prstGeom>
-          <a:noFill/>
-        </p:spPr>
-        <p:txBody>
-          <a:bodyPr wrap="square">
-            <a:spAutoFit/>
-          </a:bodyPr>
-          <a:lstStyle/>
-          <a:p>
-            <a:r>
-              <a:rPr lang="pl-PL"/>
-              <a:t>bibliografia</a:t>
-            </a:r>
-            <a:endParaRPr lang="pl-PL" dirty="0"/>
-          </a:p>
-        </p:txBody>
-      </p:sp>
     </p:spTree>
     <p:extLst>
       <p:ext uri="{BB962C8B-B14F-4D97-AF65-F5344CB8AC3E}">
@@ -8888,6 +8838,9 @@
   <p:clrMapOvr>
     <a:masterClrMapping/>
   </p:clrMapOvr>
+  <p:transition spd="slow">
+    <p:wipe/>
+  </p:transition>
 </p:sld>
 </file>
 
@@ -9047,6 +9000,9 @@
   <p:clrMapOvr>
     <a:masterClrMapping/>
   </p:clrMapOvr>
+  <p:transition spd="slow">
+    <p:wipe/>
+  </p:transition>
 </p:sld>
 </file>
 
@@ -9146,6 +9102,9 @@
   <p:clrMapOvr>
     <a:masterClrMapping/>
   </p:clrMapOvr>
+  <p:transition spd="slow">
+    <p:wipe/>
+  </p:transition>
 </p:sld>
 </file>
 
@@ -9388,7 +9347,9 @@
   <p:clrMapOvr>
     <a:masterClrMapping/>
   </p:clrMapOvr>
-  <p:transition spd="med"/>
+  <p:transition spd="slow">
+    <p:wipe/>
+  </p:transition>
 </p:sld>
 </file>
 
@@ -9878,6 +9839,9 @@
   <p:clrMapOvr>
     <a:masterClrMapping/>
   </p:clrMapOvr>
+  <p:transition spd="slow">
+    <p:wipe/>
+  </p:transition>
 </p:sld>
 </file>
 
@@ -10004,6 +9968,9 @@
   <p:clrMapOvr>
     <a:masterClrMapping/>
   </p:clrMapOvr>
+  <p:transition spd="slow">
+    <p:wipe/>
+  </p:transition>
 </p:sld>
 </file>
 
@@ -10029,7 +9996,7 @@
           <p:cNvPr id="2" name="Tytuł 1">
             <a:extLst>
               <a:ext uri="{FF2B5EF4-FFF2-40B4-BE49-F238E27FC236}">
-                <a16:creationId xmlns:a16="http://schemas.microsoft.com/office/drawing/2014/main" id="{00CC25AF-B6C1-0B1A-89E7-64979DF91757}"/>
+                <a16:creationId xmlns:a16="http://schemas.microsoft.com/office/drawing/2014/main" id="{BD6DD12D-D3CA-A931-F32D-78248ADD686B}"/>
               </a:ext>
             </a:extLst>
           </p:cNvPr>
@@ -10049,41 +10016,67 @@
           </a:p>
         </p:txBody>
       </p:sp>
-      <p:sp>
-        <p:nvSpPr>
-          <p:cNvPr id="3" name="Symbol zastępczy zawartości 2">
+      <p:pic>
+        <p:nvPicPr>
+          <p:cNvPr id="4" name="Picture 2" descr="Two factor authentication presentation mcit">
             <a:extLst>
               <a:ext uri="{FF2B5EF4-FFF2-40B4-BE49-F238E27FC236}">
-                <a16:creationId xmlns:a16="http://schemas.microsoft.com/office/drawing/2014/main" id="{93EA3654-CC9C-DD93-D7C7-F2C28D4F3746}"/>
+                <a16:creationId xmlns:a16="http://schemas.microsoft.com/office/drawing/2014/main" id="{B6E90EB3-AAE7-60B7-BC1D-216A12FE0EF8}"/>
               </a:ext>
             </a:extLst>
           </p:cNvPr>
-          <p:cNvSpPr>
-            <a:spLocks noGrp="1"/>
-          </p:cNvSpPr>
+          <p:cNvPicPr>
+            <a:picLocks noGrp="1" noChangeAspect="1" noChangeArrowheads="1"/>
+          </p:cNvPicPr>
           <p:nvPr>
             <p:ph idx="1"/>
           </p:nvPr>
-        </p:nvSpPr>
-        <p:spPr/>
-        <p:txBody>
-          <a:bodyPr/>
-          <a:lstStyle/>
-          <a:p>
-            <a:endParaRPr lang="pl-PL"/>
-          </a:p>
-        </p:txBody>
-      </p:sp>
+        </p:nvPicPr>
+        <p:blipFill>
+          <a:blip r:embed="rId3">
+            <a:extLst>
+              <a:ext uri="{28A0092B-C50C-407E-A947-70E740481C1C}">
+                <a14:useLocalDpi xmlns:a14="http://schemas.microsoft.com/office/drawing/2010/main" val="0"/>
+              </a:ext>
+            </a:extLst>
+          </a:blip>
+          <a:stretch>
+            <a:fillRect/>
+          </a:stretch>
+        </p:blipFill>
+        <p:spPr bwMode="auto">
+          <a:xfrm>
+            <a:off x="2900288" y="897930"/>
+            <a:ext cx="7085062" cy="5319349"/>
+          </a:xfrm>
+          <a:prstGeom prst="rect">
+            <a:avLst/>
+          </a:prstGeom>
+          <a:noFill/>
+          <a:extLst>
+            <a:ext uri="{909E8E84-426E-40DD-AFC4-6F175D3DCCD1}">
+              <a14:hiddenFill xmlns:a14="http://schemas.microsoft.com/office/drawing/2010/main">
+                <a:solidFill>
+                  <a:srgbClr val="FFFFFF"/>
+                </a:solidFill>
+              </a14:hiddenFill>
+            </a:ext>
+          </a:extLst>
+        </p:spPr>
+      </p:pic>
     </p:spTree>
     <p:extLst>
       <p:ext uri="{BB962C8B-B14F-4D97-AF65-F5344CB8AC3E}">
-        <p14:creationId xmlns:p14="http://schemas.microsoft.com/office/powerpoint/2010/main" val="2776248015"/>
+        <p14:creationId xmlns:p14="http://schemas.microsoft.com/office/powerpoint/2010/main" val="1683790132"/>
       </p:ext>
     </p:extLst>
   </p:cSld>
   <p:clrMapOvr>
     <a:masterClrMapping/>
   </p:clrMapOvr>
+  <p:transition spd="slow">
+    <p:wipe/>
+  </p:transition>
 </p:sld>
 </file>
 
@@ -10210,6 +10203,9 @@
   <p:clrMapOvr>
     <a:masterClrMapping/>
   </p:clrMapOvr>
+  <p:transition spd="slow">
+    <p:wipe/>
+  </p:transition>
 </p:sld>
 </file>
 
@@ -10336,6 +10332,9 @@
   <p:clrMapOvr>
     <a:masterClrMapping/>
   </p:clrMapOvr>
+  <p:transition spd="slow">
+    <p:wipe/>
+  </p:transition>
 </p:sld>
 </file>
 
@@ -10462,6 +10461,9 @@
   <p:clrMapOvr>
     <a:masterClrMapping/>
   </p:clrMapOvr>
+  <p:transition spd="slow">
+    <p:wipe/>
+  </p:transition>
 </p:sld>
 </file>
 
@@ -10588,6 +10590,9 @@
   <p:clrMapOvr>
     <a:masterClrMapping/>
   </p:clrMapOvr>
+  <p:transition spd="slow">
+    <p:wipe/>
+  </p:transition>
 </p:sld>
 </file>
 
